--- a/Slides/Superimposition.pptx
+++ b/Slides/Superimposition.pptx
@@ -5,28 +5,27 @@
     <p:sldMasterId id="2147483648" r:id="rId1"/>
   </p:sldMasterIdLst>
   <p:notesMasterIdLst>
-    <p:notesMasterId r:id="rId21"/>
+    <p:notesMasterId r:id="rId20"/>
   </p:notesMasterIdLst>
   <p:sldIdLst>
-    <p:sldId id="256" r:id="rId2"/>
-    <p:sldId id="257" r:id="rId3"/>
-    <p:sldId id="259" r:id="rId4"/>
-    <p:sldId id="271" r:id="rId5"/>
-    <p:sldId id="273" r:id="rId6"/>
-    <p:sldId id="272" r:id="rId7"/>
-    <p:sldId id="274" r:id="rId8"/>
-    <p:sldId id="278" r:id="rId9"/>
-    <p:sldId id="275" r:id="rId10"/>
-    <p:sldId id="277" r:id="rId11"/>
-    <p:sldId id="258" r:id="rId12"/>
-    <p:sldId id="262" r:id="rId13"/>
-    <p:sldId id="263" r:id="rId14"/>
-    <p:sldId id="264" r:id="rId15"/>
-    <p:sldId id="265" r:id="rId16"/>
-    <p:sldId id="266" r:id="rId17"/>
-    <p:sldId id="267" r:id="rId18"/>
-    <p:sldId id="268" r:id="rId19"/>
-    <p:sldId id="270" r:id="rId20"/>
+    <p:sldId id="257" r:id="rId2"/>
+    <p:sldId id="259" r:id="rId3"/>
+    <p:sldId id="271" r:id="rId4"/>
+    <p:sldId id="273" r:id="rId5"/>
+    <p:sldId id="272" r:id="rId6"/>
+    <p:sldId id="274" r:id="rId7"/>
+    <p:sldId id="278" r:id="rId8"/>
+    <p:sldId id="277" r:id="rId9"/>
+    <p:sldId id="258" r:id="rId10"/>
+    <p:sldId id="279" r:id="rId11"/>
+    <p:sldId id="262" r:id="rId12"/>
+    <p:sldId id="263" r:id="rId13"/>
+    <p:sldId id="264" r:id="rId14"/>
+    <p:sldId id="265" r:id="rId15"/>
+    <p:sldId id="266" r:id="rId16"/>
+    <p:sldId id="267" r:id="rId17"/>
+    <p:sldId id="268" r:id="rId18"/>
+    <p:sldId id="270" r:id="rId19"/>
   </p:sldIdLst>
   <p:sldSz cx="9144000" cy="5143500" type="screen16x9"/>
   <p:notesSz cx="9144000" cy="6858000"/>
@@ -210,7 +209,7 @@
           <a:p>
             <a:fld id="{F42F907C-C56E-744A-8E9D-9FD197B30FCE}" type="datetimeFigureOut">
               <a:rPr lang="es-ES" smtClean="0"/>
-              <a:t>24/08/20</a:t>
+              <a:t>29/08/20</a:t>
             </a:fld>
             <a:endParaRPr lang="es-ES"/>
           </a:p>
@@ -543,7 +542,7 @@
           <a:p>
             <a:fld id="{77CDC557-A5BA-4A30-B84C-0C40E0414599}" type="slidenum">
               <a:rPr lang="en-GB" smtClean="0"/>
-              <a:t>12</a:t>
+              <a:t>11</a:t>
             </a:fld>
             <a:endParaRPr lang="en-GB"/>
           </a:p>
@@ -639,7 +638,7 @@
           <a:p>
             <a:fld id="{77CDC557-A5BA-4A30-B84C-0C40E0414599}" type="slidenum">
               <a:rPr lang="en-GB" smtClean="0"/>
-              <a:t>13</a:t>
+              <a:t>12</a:t>
             </a:fld>
             <a:endParaRPr lang="en-GB"/>
           </a:p>
@@ -825,7 +824,7 @@
                 <a:latin typeface="Times New Roman" charset="0"/>
               </a:rPr>
               <a:pPr/>
-              <a:t>17</a:t>
+              <a:t>16</a:t>
             </a:fld>
             <a:endParaRPr lang="en-GB" sz="1200" b="0">
               <a:latin typeface="Times New Roman" charset="0"/>
@@ -1065,7 +1064,7 @@
                 <a:latin typeface="Times New Roman" charset="0"/>
               </a:rPr>
               <a:pPr/>
-              <a:t>18</a:t>
+              <a:t>17</a:t>
             </a:fld>
             <a:endParaRPr lang="en-GB" sz="1200" b="0">
               <a:latin typeface="Times New Roman" charset="0"/>
@@ -1298,7 +1297,7 @@
                   <a:spcPct val="0"/>
                 </a:spcBef>
               </a:pPr>
-              <a:t>19</a:t>
+              <a:t>18</a:t>
             </a:fld>
             <a:endParaRPr lang="en-GB" altLang="en-US" smtClean="0">
               <a:latin typeface="Times New Roman" panose="02020603050405020304" pitchFamily="18" charset="0"/>
@@ -1538,7 +1537,7 @@
           <a:p>
             <a:fld id="{5D12207A-DDC4-7846-AAEA-BDB9FE43657C}" type="datetimeFigureOut">
               <a:rPr lang="es-ES" smtClean="0"/>
-              <a:t>23/08/20</a:t>
+              <a:t>29/08/20</a:t>
             </a:fld>
             <a:endParaRPr lang="es-ES"/>
           </a:p>
@@ -1708,7 +1707,7 @@
           <a:p>
             <a:fld id="{5D12207A-DDC4-7846-AAEA-BDB9FE43657C}" type="datetimeFigureOut">
               <a:rPr lang="es-ES" smtClean="0"/>
-              <a:t>23/08/20</a:t>
+              <a:t>29/08/20</a:t>
             </a:fld>
             <a:endParaRPr lang="es-ES"/>
           </a:p>
@@ -1888,7 +1887,7 @@
           <a:p>
             <a:fld id="{5D12207A-DDC4-7846-AAEA-BDB9FE43657C}" type="datetimeFigureOut">
               <a:rPr lang="es-ES" smtClean="0"/>
-              <a:t>23/08/20</a:t>
+              <a:t>29/08/20</a:t>
             </a:fld>
             <a:endParaRPr lang="es-ES"/>
           </a:p>
@@ -2173,7 +2172,7 @@
           <a:p>
             <a:fld id="{5389B430-D026-417F-B294-BC837E46BA10}" type="datetimeFigureOut">
               <a:rPr lang="en-GB" smtClean="0"/>
-              <a:t>24/08/20</a:t>
+              <a:t>29/08/20</a:t>
             </a:fld>
             <a:endParaRPr lang="en-GB"/>
           </a:p>
@@ -2350,7 +2349,7 @@
           <a:p>
             <a:fld id="{5D12207A-DDC4-7846-AAEA-BDB9FE43657C}" type="datetimeFigureOut">
               <a:rPr lang="es-ES" smtClean="0"/>
-              <a:t>23/08/20</a:t>
+              <a:t>29/08/20</a:t>
             </a:fld>
             <a:endParaRPr lang="es-ES"/>
           </a:p>
@@ -2596,7 +2595,7 @@
           <a:p>
             <a:fld id="{5D12207A-DDC4-7846-AAEA-BDB9FE43657C}" type="datetimeFigureOut">
               <a:rPr lang="es-ES" smtClean="0"/>
-              <a:t>23/08/20</a:t>
+              <a:t>29/08/20</a:t>
             </a:fld>
             <a:endParaRPr lang="es-ES"/>
           </a:p>
@@ -2884,7 +2883,7 @@
           <a:p>
             <a:fld id="{5D12207A-DDC4-7846-AAEA-BDB9FE43657C}" type="datetimeFigureOut">
               <a:rPr lang="es-ES" smtClean="0"/>
-              <a:t>23/08/20</a:t>
+              <a:t>29/08/20</a:t>
             </a:fld>
             <a:endParaRPr lang="es-ES"/>
           </a:p>
@@ -3311,7 +3310,7 @@
           <a:p>
             <a:fld id="{5D12207A-DDC4-7846-AAEA-BDB9FE43657C}" type="datetimeFigureOut">
               <a:rPr lang="es-ES" smtClean="0"/>
-              <a:t>23/08/20</a:t>
+              <a:t>29/08/20</a:t>
             </a:fld>
             <a:endParaRPr lang="es-ES"/>
           </a:p>
@@ -3429,7 +3428,7 @@
           <a:p>
             <a:fld id="{5D12207A-DDC4-7846-AAEA-BDB9FE43657C}" type="datetimeFigureOut">
               <a:rPr lang="es-ES" smtClean="0"/>
-              <a:t>23/08/20</a:t>
+              <a:t>29/08/20</a:t>
             </a:fld>
             <a:endParaRPr lang="es-ES"/>
           </a:p>
@@ -3524,7 +3523,7 @@
           <a:p>
             <a:fld id="{5D12207A-DDC4-7846-AAEA-BDB9FE43657C}" type="datetimeFigureOut">
               <a:rPr lang="es-ES" smtClean="0"/>
-              <a:t>23/08/20</a:t>
+              <a:t>29/08/20</a:t>
             </a:fld>
             <a:endParaRPr lang="es-ES"/>
           </a:p>
@@ -3801,7 +3800,7 @@
           <a:p>
             <a:fld id="{5D12207A-DDC4-7846-AAEA-BDB9FE43657C}" type="datetimeFigureOut">
               <a:rPr lang="es-ES" smtClean="0"/>
-              <a:t>23/08/20</a:t>
+              <a:t>29/08/20</a:t>
             </a:fld>
             <a:endParaRPr lang="es-ES"/>
           </a:p>
@@ -4054,7 +4053,7 @@
           <a:p>
             <a:fld id="{5D12207A-DDC4-7846-AAEA-BDB9FE43657C}" type="datetimeFigureOut">
               <a:rPr lang="es-ES" smtClean="0"/>
-              <a:t>23/08/20</a:t>
+              <a:t>29/08/20</a:t>
             </a:fld>
             <a:endParaRPr lang="es-ES"/>
           </a:p>
@@ -4267,7 +4266,7 @@
           <a:p>
             <a:fld id="{5D12207A-DDC4-7846-AAEA-BDB9FE43657C}" type="datetimeFigureOut">
               <a:rPr lang="es-ES" smtClean="0"/>
-              <a:t>23/08/20</a:t>
+              <a:t>29/08/20</a:t>
             </a:fld>
             <a:endParaRPr lang="es-ES"/>
           </a:p>
@@ -4643,14 +4642,891 @@
           <a:chExt cx="0" cy="0"/>
         </a:xfrm>
       </p:grpSpPr>
+      <p:graphicFrame>
+        <p:nvGraphicFramePr>
+          <p:cNvPr id="4" name="Marcador de contenido 3"/>
+          <p:cNvGraphicFramePr>
+            <a:graphicFrameLocks noGrp="1"/>
+          </p:cNvGraphicFramePr>
+          <p:nvPr>
+            <p:ph idx="1"/>
+            <p:extLst>
+              <p:ext uri="{D42A27DB-BD31-4B8C-83A1-F6EECF244321}">
+                <p14:modId xmlns:p14="http://schemas.microsoft.com/office/powerpoint/2010/main" val="1890259509"/>
+              </p:ext>
+            </p:extLst>
+          </p:nvPr>
+        </p:nvGraphicFramePr>
+        <p:xfrm>
+          <a:off x="457200" y="1076510"/>
+          <a:ext cx="6128615" cy="3017520"/>
+        </p:xfrm>
+        <a:graphic>
+          <a:graphicData uri="http://schemas.openxmlformats.org/drawingml/2006/table">
+            <a:tbl>
+              <a:tblPr firstRow="1" bandRow="1">
+                <a:tableStyleId>{2D5ABB26-0587-4C30-8999-92F81FD0307C}</a:tableStyleId>
+              </a:tblPr>
+              <a:tblGrid>
+                <a:gridCol w="4791223"/>
+                <a:gridCol w="1337392"/>
+              </a:tblGrid>
+              <a:tr h="328640">
+                <a:tc>
+                  <a:txBody>
+                    <a:bodyPr/>
+                    <a:lstStyle/>
+                    <a:p>
+                      <a:r>
+                        <a:rPr lang="es-ES" sz="2400" dirty="0" smtClean="0"/>
+                        <a:t>Basic </a:t>
+                      </a:r>
+                      <a:r>
+                        <a:rPr lang="es-ES" sz="2400" dirty="0" err="1" smtClean="0"/>
+                        <a:t>concepts</a:t>
+                      </a:r>
+                      <a:endParaRPr lang="es-ES" sz="2400" dirty="0"/>
+                    </a:p>
+                  </a:txBody>
+                  <a:tcPr>
+                    <a:lnL w="12700" cap="flat" cmpd="sng" algn="ctr">
+                      <a:solidFill>
+                        <a:scrgbClr r="0" g="0" b="0"/>
+                      </a:solidFill>
+                      <a:prstDash val="solid"/>
+                      <a:round/>
+                      <a:headEnd type="none" w="med" len="med"/>
+                      <a:tailEnd type="none" w="med" len="med"/>
+                    </a:lnL>
+                    <a:lnR w="12700" cap="flat" cmpd="sng" algn="ctr">
+                      <a:noFill/>
+                      <a:prstDash val="solid"/>
+                      <a:round/>
+                      <a:headEnd type="none" w="med" len="med"/>
+                      <a:tailEnd type="none" w="med" len="med"/>
+                    </a:lnR>
+                    <a:lnT w="12700" cap="flat" cmpd="sng" algn="ctr">
+                      <a:solidFill>
+                        <a:scrgbClr r="0" g="0" b="0"/>
+                      </a:solidFill>
+                      <a:prstDash val="solid"/>
+                      <a:round/>
+                      <a:headEnd type="none" w="med" len="med"/>
+                      <a:tailEnd type="none" w="med" len="med"/>
+                    </a:lnT>
+                    <a:lnB w="12700" cap="flat" cmpd="sng" algn="ctr">
+                      <a:noFill/>
+                      <a:prstDash val="solid"/>
+                      <a:round/>
+                      <a:headEnd type="none" w="med" len="med"/>
+                      <a:tailEnd type="none" w="med" len="med"/>
+                    </a:lnB>
+                    <a:lnTlToBr w="12700" cmpd="sng">
+                      <a:noFill/>
+                      <a:prstDash val="solid"/>
+                    </a:lnTlToBr>
+                    <a:lnBlToTr w="12700" cmpd="sng">
+                      <a:noFill/>
+                      <a:prstDash val="solid"/>
+                    </a:lnBlToTr>
+                  </a:tcPr>
+                </a:tc>
+                <a:tc>
+                  <a:txBody>
+                    <a:bodyPr/>
+                    <a:lstStyle/>
+                    <a:p>
+                      <a:r>
+                        <a:rPr lang="es-ES" sz="2400" dirty="0" smtClean="0"/>
+                        <a:t>10 min</a:t>
+                      </a:r>
+                      <a:endParaRPr lang="es-ES" sz="2400" dirty="0"/>
+                    </a:p>
+                  </a:txBody>
+                  <a:tcPr>
+                    <a:lnL w="12700" cap="flat" cmpd="sng" algn="ctr">
+                      <a:noFill/>
+                      <a:prstDash val="solid"/>
+                      <a:round/>
+                      <a:headEnd type="none" w="med" len="med"/>
+                      <a:tailEnd type="none" w="med" len="med"/>
+                    </a:lnL>
+                    <a:lnR w="12700" cap="flat" cmpd="sng" algn="ctr">
+                      <a:solidFill>
+                        <a:scrgbClr r="0" g="0" b="0"/>
+                      </a:solidFill>
+                      <a:prstDash val="solid"/>
+                      <a:round/>
+                      <a:headEnd type="none" w="med" len="med"/>
+                      <a:tailEnd type="none" w="med" len="med"/>
+                    </a:lnR>
+                    <a:lnT w="12700" cap="flat" cmpd="sng" algn="ctr">
+                      <a:solidFill>
+                        <a:scrgbClr r="0" g="0" b="0"/>
+                      </a:solidFill>
+                      <a:prstDash val="solid"/>
+                      <a:round/>
+                      <a:headEnd type="none" w="med" len="med"/>
+                      <a:tailEnd type="none" w="med" len="med"/>
+                    </a:lnT>
+                    <a:lnB w="12700" cap="flat" cmpd="sng" algn="ctr">
+                      <a:noFill/>
+                      <a:prstDash val="solid"/>
+                      <a:round/>
+                      <a:headEnd type="none" w="med" len="med"/>
+                      <a:tailEnd type="none" w="med" len="med"/>
+                    </a:lnB>
+                    <a:lnTlToBr w="12700" cmpd="sng">
+                      <a:noFill/>
+                      <a:prstDash val="solid"/>
+                    </a:lnTlToBr>
+                    <a:lnBlToTr w="12700" cmpd="sng">
+                      <a:noFill/>
+                      <a:prstDash val="solid"/>
+                    </a:lnBlToTr>
+                  </a:tcPr>
+                </a:tc>
+              </a:tr>
+              <a:tr h="328640">
+                <a:tc>
+                  <a:txBody>
+                    <a:bodyPr/>
+                    <a:lstStyle/>
+                    <a:p>
+                      <a:r>
+                        <a:rPr lang="es-ES" sz="1800" dirty="0" smtClean="0"/>
+                        <a:t>- </a:t>
+                      </a:r>
+                      <a:r>
+                        <a:rPr lang="es-ES" sz="1800" dirty="0" err="1" smtClean="0"/>
+                        <a:t>Overview</a:t>
+                      </a:r>
+                      <a:r>
+                        <a:rPr lang="es-ES" sz="1800" dirty="0" smtClean="0"/>
+                        <a:t> of </a:t>
+                      </a:r>
+                      <a:r>
+                        <a:rPr lang="es-ES" sz="1800" dirty="0" err="1" smtClean="0"/>
+                        <a:t>the</a:t>
+                      </a:r>
+                      <a:r>
+                        <a:rPr lang="es-ES" sz="1800" dirty="0" smtClean="0"/>
+                        <a:t> </a:t>
+                      </a:r>
+                      <a:r>
+                        <a:rPr lang="es-ES" sz="1800" dirty="0" err="1" smtClean="0"/>
+                        <a:t>algorithms</a:t>
+                      </a:r>
+                      <a:endParaRPr lang="es-ES" sz="1800" dirty="0"/>
+                    </a:p>
+                  </a:txBody>
+                  <a:tcPr>
+                    <a:lnL w="12700" cap="flat" cmpd="sng" algn="ctr">
+                      <a:solidFill>
+                        <a:scrgbClr r="0" g="0" b="0"/>
+                      </a:solidFill>
+                      <a:prstDash val="solid"/>
+                      <a:round/>
+                      <a:headEnd type="none" w="med" len="med"/>
+                      <a:tailEnd type="none" w="med" len="med"/>
+                    </a:lnL>
+                    <a:lnR w="12700" cap="flat" cmpd="sng" algn="ctr">
+                      <a:noFill/>
+                      <a:prstDash val="solid"/>
+                      <a:round/>
+                      <a:headEnd type="none" w="med" len="med"/>
+                      <a:tailEnd type="none" w="med" len="med"/>
+                    </a:lnR>
+                    <a:lnT w="12700" cap="flat" cmpd="sng" algn="ctr">
+                      <a:noFill/>
+                      <a:prstDash val="solid"/>
+                      <a:round/>
+                      <a:headEnd type="none" w="med" len="med"/>
+                      <a:tailEnd type="none" w="med" len="med"/>
+                    </a:lnT>
+                    <a:lnB w="12700" cap="flat" cmpd="sng" algn="ctr">
+                      <a:noFill/>
+                      <a:prstDash val="solid"/>
+                      <a:round/>
+                      <a:headEnd type="none" w="med" len="med"/>
+                      <a:tailEnd type="none" w="med" len="med"/>
+                    </a:lnB>
+                    <a:lnTlToBr w="12700" cmpd="sng">
+                      <a:noFill/>
+                      <a:prstDash val="solid"/>
+                    </a:lnTlToBr>
+                    <a:lnBlToTr w="12700" cmpd="sng">
+                      <a:noFill/>
+                      <a:prstDash val="solid"/>
+                    </a:lnBlToTr>
+                  </a:tcPr>
+                </a:tc>
+                <a:tc>
+                  <a:txBody>
+                    <a:bodyPr/>
+                    <a:lstStyle/>
+                    <a:p>
+                      <a:endParaRPr lang="es-ES" sz="2400" dirty="0"/>
+                    </a:p>
+                  </a:txBody>
+                  <a:tcPr>
+                    <a:lnL w="12700" cap="flat" cmpd="sng" algn="ctr">
+                      <a:noFill/>
+                      <a:prstDash val="solid"/>
+                      <a:round/>
+                      <a:headEnd type="none" w="med" len="med"/>
+                      <a:tailEnd type="none" w="med" len="med"/>
+                    </a:lnL>
+                    <a:lnR w="12700" cap="flat" cmpd="sng" algn="ctr">
+                      <a:solidFill>
+                        <a:scrgbClr r="0" g="0" b="0"/>
+                      </a:solidFill>
+                      <a:prstDash val="solid"/>
+                      <a:round/>
+                      <a:headEnd type="none" w="med" len="med"/>
+                      <a:tailEnd type="none" w="med" len="med"/>
+                    </a:lnR>
+                    <a:lnT w="12700" cap="flat" cmpd="sng" algn="ctr">
+                      <a:noFill/>
+                      <a:prstDash val="solid"/>
+                      <a:round/>
+                      <a:headEnd type="none" w="med" len="med"/>
+                      <a:tailEnd type="none" w="med" len="med"/>
+                    </a:lnT>
+                    <a:lnB w="12700" cap="flat" cmpd="sng" algn="ctr">
+                      <a:noFill/>
+                      <a:prstDash val="solid"/>
+                      <a:round/>
+                      <a:headEnd type="none" w="med" len="med"/>
+                      <a:tailEnd type="none" w="med" len="med"/>
+                    </a:lnB>
+                    <a:lnTlToBr w="12700" cmpd="sng">
+                      <a:noFill/>
+                      <a:prstDash val="solid"/>
+                    </a:lnTlToBr>
+                    <a:lnBlToTr w="12700" cmpd="sng">
+                      <a:noFill/>
+                      <a:prstDash val="solid"/>
+                    </a:lnBlToTr>
+                  </a:tcPr>
+                </a:tc>
+              </a:tr>
+              <a:tr h="328640">
+                <a:tc>
+                  <a:txBody>
+                    <a:bodyPr/>
+                    <a:lstStyle/>
+                    <a:p>
+                      <a:r>
+                        <a:rPr lang="es-ES" sz="1800" dirty="0" smtClean="0"/>
+                        <a:t>- </a:t>
+                      </a:r>
+                      <a:r>
+                        <a:rPr lang="es-ES" sz="1800" dirty="0" err="1" smtClean="0"/>
+                        <a:t>Scoring</a:t>
+                      </a:r>
+                      <a:r>
+                        <a:rPr lang="es-ES" sz="1800" dirty="0" smtClean="0"/>
+                        <a:t> </a:t>
+                      </a:r>
+                      <a:r>
+                        <a:rPr lang="es-ES" sz="1800" dirty="0" err="1" smtClean="0"/>
+                        <a:t>systems</a:t>
+                      </a:r>
+                      <a:endParaRPr lang="es-ES" sz="1800" dirty="0"/>
+                    </a:p>
+                  </a:txBody>
+                  <a:tcPr>
+                    <a:lnL w="12700" cap="flat" cmpd="sng" algn="ctr">
+                      <a:solidFill>
+                        <a:scrgbClr r="0" g="0" b="0"/>
+                      </a:solidFill>
+                      <a:prstDash val="solid"/>
+                      <a:round/>
+                      <a:headEnd type="none" w="med" len="med"/>
+                      <a:tailEnd type="none" w="med" len="med"/>
+                    </a:lnL>
+                    <a:lnR w="12700" cap="flat" cmpd="sng" algn="ctr">
+                      <a:noFill/>
+                      <a:prstDash val="solid"/>
+                      <a:round/>
+                      <a:headEnd type="none" w="med" len="med"/>
+                      <a:tailEnd type="none" w="med" len="med"/>
+                    </a:lnR>
+                    <a:lnT w="12700" cap="flat" cmpd="sng" algn="ctr">
+                      <a:noFill/>
+                      <a:prstDash val="solid"/>
+                      <a:round/>
+                      <a:headEnd type="none" w="med" len="med"/>
+                      <a:tailEnd type="none" w="med" len="med"/>
+                    </a:lnT>
+                    <a:lnB w="12700" cap="flat" cmpd="sng" algn="ctr">
+                      <a:noFill/>
+                      <a:prstDash val="solid"/>
+                      <a:round/>
+                      <a:headEnd type="none" w="med" len="med"/>
+                      <a:tailEnd type="none" w="med" len="med"/>
+                    </a:lnB>
+                    <a:lnTlToBr w="12700" cmpd="sng">
+                      <a:noFill/>
+                      <a:prstDash val="solid"/>
+                    </a:lnTlToBr>
+                    <a:lnBlToTr w="12700" cmpd="sng">
+                      <a:noFill/>
+                      <a:prstDash val="solid"/>
+                    </a:lnBlToTr>
+                  </a:tcPr>
+                </a:tc>
+                <a:tc>
+                  <a:txBody>
+                    <a:bodyPr/>
+                    <a:lstStyle/>
+                    <a:p>
+                      <a:endParaRPr lang="es-ES" sz="2400" dirty="0"/>
+                    </a:p>
+                  </a:txBody>
+                  <a:tcPr>
+                    <a:lnL w="12700" cap="flat" cmpd="sng" algn="ctr">
+                      <a:noFill/>
+                      <a:prstDash val="solid"/>
+                      <a:round/>
+                      <a:headEnd type="none" w="med" len="med"/>
+                      <a:tailEnd type="none" w="med" len="med"/>
+                    </a:lnL>
+                    <a:lnR w="12700" cap="flat" cmpd="sng" algn="ctr">
+                      <a:solidFill>
+                        <a:scrgbClr r="0" g="0" b="0"/>
+                      </a:solidFill>
+                      <a:prstDash val="solid"/>
+                      <a:round/>
+                      <a:headEnd type="none" w="med" len="med"/>
+                      <a:tailEnd type="none" w="med" len="med"/>
+                    </a:lnR>
+                    <a:lnT w="12700" cap="flat" cmpd="sng" algn="ctr">
+                      <a:noFill/>
+                      <a:prstDash val="solid"/>
+                      <a:round/>
+                      <a:headEnd type="none" w="med" len="med"/>
+                      <a:tailEnd type="none" w="med" len="med"/>
+                    </a:lnT>
+                    <a:lnB w="12700" cap="flat" cmpd="sng" algn="ctr">
+                      <a:noFill/>
+                      <a:prstDash val="solid"/>
+                      <a:round/>
+                      <a:headEnd type="none" w="med" len="med"/>
+                      <a:tailEnd type="none" w="med" len="med"/>
+                    </a:lnB>
+                    <a:lnTlToBr w="12700" cmpd="sng">
+                      <a:noFill/>
+                      <a:prstDash val="solid"/>
+                    </a:lnTlToBr>
+                    <a:lnBlToTr w="12700" cmpd="sng">
+                      <a:noFill/>
+                      <a:prstDash val="solid"/>
+                    </a:lnBlToTr>
+                  </a:tcPr>
+                </a:tc>
+              </a:tr>
+              <a:tr h="328640">
+                <a:tc>
+                  <a:txBody>
+                    <a:bodyPr/>
+                    <a:lstStyle/>
+                    <a:p>
+                      <a:r>
+                        <a:rPr lang="es-ES" sz="2400" dirty="0" err="1" smtClean="0"/>
+                        <a:t>Structural</a:t>
+                      </a:r>
+                      <a:r>
+                        <a:rPr lang="es-ES" sz="2400" baseline="0" dirty="0" smtClean="0"/>
+                        <a:t> </a:t>
+                      </a:r>
+                      <a:r>
+                        <a:rPr lang="es-ES" sz="2400" baseline="0" dirty="0" err="1" smtClean="0"/>
+                        <a:t>alignment</a:t>
+                      </a:r>
+                      <a:endParaRPr lang="es-ES" sz="2400" dirty="0"/>
+                    </a:p>
+                  </a:txBody>
+                  <a:tcPr>
+                    <a:lnL w="12700" cap="flat" cmpd="sng" algn="ctr">
+                      <a:solidFill>
+                        <a:scrgbClr r="0" g="0" b="0"/>
+                      </a:solidFill>
+                      <a:prstDash val="solid"/>
+                      <a:round/>
+                      <a:headEnd type="none" w="med" len="med"/>
+                      <a:tailEnd type="none" w="med" len="med"/>
+                    </a:lnL>
+                    <a:lnR w="12700" cap="flat" cmpd="sng" algn="ctr">
+                      <a:noFill/>
+                      <a:prstDash val="solid"/>
+                      <a:round/>
+                      <a:headEnd type="none" w="med" len="med"/>
+                      <a:tailEnd type="none" w="med" len="med"/>
+                    </a:lnR>
+                    <a:lnT w="12700" cap="flat" cmpd="sng" algn="ctr">
+                      <a:noFill/>
+                      <a:prstDash val="solid"/>
+                      <a:round/>
+                      <a:headEnd type="none" w="med" len="med"/>
+                      <a:tailEnd type="none" w="med" len="med"/>
+                    </a:lnT>
+                    <a:lnB w="12700" cap="flat" cmpd="sng" algn="ctr">
+                      <a:noFill/>
+                      <a:prstDash val="solid"/>
+                      <a:round/>
+                      <a:headEnd type="none" w="med" len="med"/>
+                      <a:tailEnd type="none" w="med" len="med"/>
+                    </a:lnB>
+                    <a:lnTlToBr w="12700" cmpd="sng">
+                      <a:noFill/>
+                      <a:prstDash val="solid"/>
+                    </a:lnTlToBr>
+                    <a:lnBlToTr w="12700" cmpd="sng">
+                      <a:noFill/>
+                      <a:prstDash val="solid"/>
+                    </a:lnBlToTr>
+                  </a:tcPr>
+                </a:tc>
+                <a:tc>
+                  <a:txBody>
+                    <a:bodyPr/>
+                    <a:lstStyle/>
+                    <a:p>
+                      <a:r>
+                        <a:rPr lang="es-ES" sz="2400" baseline="0" dirty="0" smtClean="0"/>
+                        <a:t>15 min</a:t>
+                      </a:r>
+                      <a:endParaRPr lang="es-ES" sz="2400" dirty="0"/>
+                    </a:p>
+                  </a:txBody>
+                  <a:tcPr>
+                    <a:lnL w="12700" cap="flat" cmpd="sng" algn="ctr">
+                      <a:noFill/>
+                      <a:prstDash val="solid"/>
+                      <a:round/>
+                      <a:headEnd type="none" w="med" len="med"/>
+                      <a:tailEnd type="none" w="med" len="med"/>
+                    </a:lnL>
+                    <a:lnR w="12700" cap="flat" cmpd="sng" algn="ctr">
+                      <a:solidFill>
+                        <a:scrgbClr r="0" g="0" b="0"/>
+                      </a:solidFill>
+                      <a:prstDash val="solid"/>
+                      <a:round/>
+                      <a:headEnd type="none" w="med" len="med"/>
+                      <a:tailEnd type="none" w="med" len="med"/>
+                    </a:lnR>
+                    <a:lnT w="12700" cap="flat" cmpd="sng" algn="ctr">
+                      <a:noFill/>
+                      <a:prstDash val="solid"/>
+                      <a:round/>
+                      <a:headEnd type="none" w="med" len="med"/>
+                      <a:tailEnd type="none" w="med" len="med"/>
+                    </a:lnT>
+                    <a:lnB w="12700" cap="flat" cmpd="sng" algn="ctr">
+                      <a:noFill/>
+                      <a:prstDash val="solid"/>
+                      <a:round/>
+                      <a:headEnd type="none" w="med" len="med"/>
+                      <a:tailEnd type="none" w="med" len="med"/>
+                    </a:lnB>
+                    <a:lnTlToBr w="12700" cmpd="sng">
+                      <a:noFill/>
+                      <a:prstDash val="solid"/>
+                    </a:lnTlToBr>
+                    <a:lnBlToTr w="12700" cmpd="sng">
+                      <a:noFill/>
+                      <a:prstDash val="solid"/>
+                    </a:lnBlToTr>
+                  </a:tcPr>
+                </a:tc>
+              </a:tr>
+              <a:tr h="262912">
+                <a:tc>
+                  <a:txBody>
+                    <a:bodyPr/>
+                    <a:lstStyle/>
+                    <a:p>
+                      <a:r>
+                        <a:rPr lang="es-ES" sz="1800" dirty="0" smtClean="0"/>
+                        <a:t>- </a:t>
+                      </a:r>
+                      <a:r>
+                        <a:rPr lang="es-ES" sz="1800" dirty="0" err="1" smtClean="0"/>
+                        <a:t>Sequence</a:t>
+                      </a:r>
+                      <a:r>
+                        <a:rPr lang="es-ES" sz="1800" dirty="0" smtClean="0"/>
+                        <a:t> </a:t>
+                      </a:r>
+                      <a:r>
+                        <a:rPr lang="es-ES" sz="1800" dirty="0" err="1" smtClean="0"/>
+                        <a:t>similarity</a:t>
+                      </a:r>
+                      <a:r>
+                        <a:rPr lang="es-ES" sz="1800" dirty="0" smtClean="0"/>
+                        <a:t> </a:t>
+                      </a:r>
+                      <a:r>
+                        <a:rPr lang="es-ES" sz="1800" dirty="0" err="1" smtClean="0"/>
+                        <a:t>searching</a:t>
+                      </a:r>
+                      <a:endParaRPr lang="es-ES" sz="1800" dirty="0"/>
+                    </a:p>
+                  </a:txBody>
+                  <a:tcPr>
+                    <a:lnL w="12700" cap="flat" cmpd="sng" algn="ctr">
+                      <a:solidFill>
+                        <a:scrgbClr r="0" g="0" b="0"/>
+                      </a:solidFill>
+                      <a:prstDash val="solid"/>
+                      <a:round/>
+                      <a:headEnd type="none" w="med" len="med"/>
+                      <a:tailEnd type="none" w="med" len="med"/>
+                    </a:lnL>
+                    <a:lnR w="12700" cap="flat" cmpd="sng" algn="ctr">
+                      <a:noFill/>
+                      <a:prstDash val="solid"/>
+                      <a:round/>
+                      <a:headEnd type="none" w="med" len="med"/>
+                      <a:tailEnd type="none" w="med" len="med"/>
+                    </a:lnR>
+                    <a:lnT w="12700" cap="flat" cmpd="sng" algn="ctr">
+                      <a:noFill/>
+                      <a:prstDash val="solid"/>
+                      <a:round/>
+                      <a:headEnd type="none" w="med" len="med"/>
+                      <a:tailEnd type="none" w="med" len="med"/>
+                    </a:lnT>
+                    <a:lnB w="12700" cap="flat" cmpd="sng" algn="ctr">
+                      <a:noFill/>
+                      <a:prstDash val="solid"/>
+                      <a:round/>
+                      <a:headEnd type="none" w="med" len="med"/>
+                      <a:tailEnd type="none" w="med" len="med"/>
+                    </a:lnB>
+                    <a:lnTlToBr w="12700" cmpd="sng">
+                      <a:noFill/>
+                      <a:prstDash val="solid"/>
+                    </a:lnTlToBr>
+                    <a:lnBlToTr w="12700" cmpd="sng">
+                      <a:noFill/>
+                      <a:prstDash val="solid"/>
+                    </a:lnBlToTr>
+                  </a:tcPr>
+                </a:tc>
+                <a:tc>
+                  <a:txBody>
+                    <a:bodyPr/>
+                    <a:lstStyle/>
+                    <a:p>
+                      <a:endParaRPr lang="es-ES" sz="1800"/>
+                    </a:p>
+                  </a:txBody>
+                  <a:tcPr>
+                    <a:lnL w="12700" cap="flat" cmpd="sng" algn="ctr">
+                      <a:noFill/>
+                      <a:prstDash val="solid"/>
+                      <a:round/>
+                      <a:headEnd type="none" w="med" len="med"/>
+                      <a:tailEnd type="none" w="med" len="med"/>
+                    </a:lnL>
+                    <a:lnR w="12700" cap="flat" cmpd="sng" algn="ctr">
+                      <a:solidFill>
+                        <a:scrgbClr r="0" g="0" b="0"/>
+                      </a:solidFill>
+                      <a:prstDash val="solid"/>
+                      <a:round/>
+                      <a:headEnd type="none" w="med" len="med"/>
+                      <a:tailEnd type="none" w="med" len="med"/>
+                    </a:lnR>
+                    <a:lnT w="12700" cap="flat" cmpd="sng" algn="ctr">
+                      <a:noFill/>
+                      <a:prstDash val="solid"/>
+                      <a:round/>
+                      <a:headEnd type="none" w="med" len="med"/>
+                      <a:tailEnd type="none" w="med" len="med"/>
+                    </a:lnT>
+                    <a:lnB w="12700" cap="flat" cmpd="sng" algn="ctr">
+                      <a:noFill/>
+                      <a:prstDash val="solid"/>
+                      <a:round/>
+                      <a:headEnd type="none" w="med" len="med"/>
+                      <a:tailEnd type="none" w="med" len="med"/>
+                    </a:lnB>
+                    <a:lnTlToBr w="12700" cmpd="sng">
+                      <a:noFill/>
+                      <a:prstDash val="solid"/>
+                    </a:lnTlToBr>
+                    <a:lnBlToTr w="12700" cmpd="sng">
+                      <a:noFill/>
+                      <a:prstDash val="solid"/>
+                    </a:lnBlToTr>
+                  </a:tcPr>
+                </a:tc>
+              </a:tr>
+              <a:tr h="262912">
+                <a:tc>
+                  <a:txBody>
+                    <a:bodyPr/>
+                    <a:lstStyle/>
+                    <a:p>
+                      <a:r>
+                        <a:rPr lang="es-ES" sz="1800" dirty="0" smtClean="0"/>
+                        <a:t>- </a:t>
+                      </a:r>
+                      <a:r>
+                        <a:rPr lang="es-ES" sz="1800" dirty="0" err="1" smtClean="0"/>
+                        <a:t>Structure</a:t>
+                      </a:r>
+                      <a:r>
+                        <a:rPr lang="es-ES" sz="1800" dirty="0" smtClean="0"/>
+                        <a:t> </a:t>
+                      </a:r>
+                      <a:r>
+                        <a:rPr lang="es-ES" sz="1800" dirty="0" err="1" smtClean="0"/>
+                        <a:t>similarity</a:t>
+                      </a:r>
+                      <a:r>
+                        <a:rPr lang="es-ES" sz="1800" dirty="0" smtClean="0"/>
+                        <a:t> </a:t>
+                      </a:r>
+                      <a:r>
+                        <a:rPr lang="es-ES" sz="1800" dirty="0" err="1" smtClean="0"/>
+                        <a:t>searching</a:t>
+                      </a:r>
+                      <a:r>
+                        <a:rPr lang="es-ES" sz="1800" dirty="0" smtClean="0"/>
+                        <a:t> +</a:t>
+                      </a:r>
+                      <a:r>
+                        <a:rPr lang="es-ES" sz="1800" baseline="0" dirty="0" smtClean="0"/>
+                        <a:t> </a:t>
+                      </a:r>
+                      <a:r>
+                        <a:rPr lang="es-ES" sz="1800" baseline="0" dirty="0" err="1" smtClean="0"/>
+                        <a:t>validation</a:t>
+                      </a:r>
+                      <a:endParaRPr lang="es-ES" sz="1800" dirty="0"/>
+                    </a:p>
+                  </a:txBody>
+                  <a:tcPr>
+                    <a:lnL w="12700" cap="flat" cmpd="sng" algn="ctr">
+                      <a:solidFill>
+                        <a:scrgbClr r="0" g="0" b="0"/>
+                      </a:solidFill>
+                      <a:prstDash val="solid"/>
+                      <a:round/>
+                      <a:headEnd type="none" w="med" len="med"/>
+                      <a:tailEnd type="none" w="med" len="med"/>
+                    </a:lnL>
+                    <a:lnR w="12700" cap="flat" cmpd="sng" algn="ctr">
+                      <a:noFill/>
+                      <a:prstDash val="solid"/>
+                      <a:round/>
+                      <a:headEnd type="none" w="med" len="med"/>
+                      <a:tailEnd type="none" w="med" len="med"/>
+                    </a:lnR>
+                    <a:lnT w="12700" cap="flat" cmpd="sng" algn="ctr">
+                      <a:noFill/>
+                      <a:prstDash val="solid"/>
+                      <a:round/>
+                      <a:headEnd type="none" w="med" len="med"/>
+                      <a:tailEnd type="none" w="med" len="med"/>
+                    </a:lnT>
+                    <a:lnB w="12700" cap="flat" cmpd="sng" algn="ctr">
+                      <a:noFill/>
+                      <a:prstDash val="solid"/>
+                      <a:round/>
+                      <a:headEnd type="none" w="med" len="med"/>
+                      <a:tailEnd type="none" w="med" len="med"/>
+                    </a:lnB>
+                    <a:lnTlToBr w="12700" cmpd="sng">
+                      <a:noFill/>
+                      <a:prstDash val="solid"/>
+                    </a:lnTlToBr>
+                    <a:lnBlToTr w="12700" cmpd="sng">
+                      <a:noFill/>
+                      <a:prstDash val="solid"/>
+                    </a:lnBlToTr>
+                  </a:tcPr>
+                </a:tc>
+                <a:tc>
+                  <a:txBody>
+                    <a:bodyPr/>
+                    <a:lstStyle/>
+                    <a:p>
+                      <a:endParaRPr lang="es-ES" sz="1800" dirty="0"/>
+                    </a:p>
+                  </a:txBody>
+                  <a:tcPr>
+                    <a:lnL w="12700" cap="flat" cmpd="sng" algn="ctr">
+                      <a:noFill/>
+                      <a:prstDash val="solid"/>
+                      <a:round/>
+                      <a:headEnd type="none" w="med" len="med"/>
+                      <a:tailEnd type="none" w="med" len="med"/>
+                    </a:lnL>
+                    <a:lnR w="12700" cap="flat" cmpd="sng" algn="ctr">
+                      <a:solidFill>
+                        <a:scrgbClr r="0" g="0" b="0"/>
+                      </a:solidFill>
+                      <a:prstDash val="solid"/>
+                      <a:round/>
+                      <a:headEnd type="none" w="med" len="med"/>
+                      <a:tailEnd type="none" w="med" len="med"/>
+                    </a:lnR>
+                    <a:lnT w="12700" cap="flat" cmpd="sng" algn="ctr">
+                      <a:noFill/>
+                      <a:prstDash val="solid"/>
+                      <a:round/>
+                      <a:headEnd type="none" w="med" len="med"/>
+                      <a:tailEnd type="none" w="med" len="med"/>
+                    </a:lnT>
+                    <a:lnB w="12700" cap="flat" cmpd="sng" algn="ctr">
+                      <a:noFill/>
+                      <a:prstDash val="solid"/>
+                      <a:round/>
+                      <a:headEnd type="none" w="med" len="med"/>
+                      <a:tailEnd type="none" w="med" len="med"/>
+                    </a:lnB>
+                    <a:lnTlToBr w="12700" cmpd="sng">
+                      <a:noFill/>
+                      <a:prstDash val="solid"/>
+                    </a:lnTlToBr>
+                    <a:lnBlToTr w="12700" cmpd="sng">
+                      <a:noFill/>
+                      <a:prstDash val="solid"/>
+                    </a:lnBlToTr>
+                  </a:tcPr>
+                </a:tc>
+              </a:tr>
+              <a:tr h="328640">
+                <a:tc>
+                  <a:txBody>
+                    <a:bodyPr/>
+                    <a:lstStyle/>
+                    <a:p>
+                      <a:r>
+                        <a:rPr lang="es-ES" sz="2400" dirty="0" smtClean="0"/>
+                        <a:t>Q&amp;A</a:t>
+                      </a:r>
+                      <a:endParaRPr lang="es-ES" sz="2400" dirty="0"/>
+                    </a:p>
+                  </a:txBody>
+                  <a:tcPr>
+                    <a:lnL w="12700" cap="flat" cmpd="sng" algn="ctr">
+                      <a:solidFill>
+                        <a:scrgbClr r="0" g="0" b="0"/>
+                      </a:solidFill>
+                      <a:prstDash val="solid"/>
+                      <a:round/>
+                      <a:headEnd type="none" w="med" len="med"/>
+                      <a:tailEnd type="none" w="med" len="med"/>
+                    </a:lnL>
+                    <a:lnR w="12700" cap="flat" cmpd="sng" algn="ctr">
+                      <a:noFill/>
+                      <a:prstDash val="solid"/>
+                      <a:round/>
+                      <a:headEnd type="none" w="med" len="med"/>
+                      <a:tailEnd type="none" w="med" len="med"/>
+                    </a:lnR>
+                    <a:lnT w="12700" cap="flat" cmpd="sng" algn="ctr">
+                      <a:noFill/>
+                      <a:prstDash val="solid"/>
+                      <a:round/>
+                      <a:headEnd type="none" w="med" len="med"/>
+                      <a:tailEnd type="none" w="med" len="med"/>
+                    </a:lnT>
+                    <a:lnB w="12700" cap="flat" cmpd="sng" algn="ctr">
+                      <a:solidFill>
+                        <a:scrgbClr r="0" g="0" b="0"/>
+                      </a:solidFill>
+                      <a:prstDash val="solid"/>
+                      <a:round/>
+                      <a:headEnd type="none" w="med" len="med"/>
+                      <a:tailEnd type="none" w="med" len="med"/>
+                    </a:lnB>
+                    <a:lnTlToBr w="12700" cmpd="sng">
+                      <a:noFill/>
+                      <a:prstDash val="solid"/>
+                    </a:lnTlToBr>
+                    <a:lnBlToTr w="12700" cmpd="sng">
+                      <a:noFill/>
+                      <a:prstDash val="solid"/>
+                    </a:lnBlToTr>
+                  </a:tcPr>
+                </a:tc>
+                <a:tc>
+                  <a:txBody>
+                    <a:bodyPr/>
+                    <a:lstStyle/>
+                    <a:p>
+                      <a:r>
+                        <a:rPr lang="es-ES" sz="2400" dirty="0" smtClean="0"/>
+                        <a:t>5 min</a:t>
+                      </a:r>
+                      <a:endParaRPr lang="es-ES" sz="2400" dirty="0"/>
+                    </a:p>
+                  </a:txBody>
+                  <a:tcPr>
+                    <a:lnL w="12700" cap="flat" cmpd="sng" algn="ctr">
+                      <a:noFill/>
+                      <a:prstDash val="solid"/>
+                      <a:round/>
+                      <a:headEnd type="none" w="med" len="med"/>
+                      <a:tailEnd type="none" w="med" len="med"/>
+                    </a:lnL>
+                    <a:lnR w="12700" cap="flat" cmpd="sng" algn="ctr">
+                      <a:solidFill>
+                        <a:scrgbClr r="0" g="0" b="0"/>
+                      </a:solidFill>
+                      <a:prstDash val="solid"/>
+                      <a:round/>
+                      <a:headEnd type="none" w="med" len="med"/>
+                      <a:tailEnd type="none" w="med" len="med"/>
+                    </a:lnR>
+                    <a:lnT w="12700" cap="flat" cmpd="sng" algn="ctr">
+                      <a:noFill/>
+                      <a:prstDash val="solid"/>
+                      <a:round/>
+                      <a:headEnd type="none" w="med" len="med"/>
+                      <a:tailEnd type="none" w="med" len="med"/>
+                    </a:lnT>
+                    <a:lnB w="12700" cap="flat" cmpd="sng" algn="ctr">
+                      <a:solidFill>
+                        <a:scrgbClr r="0" g="0" b="0"/>
+                      </a:solidFill>
+                      <a:prstDash val="solid"/>
+                      <a:round/>
+                      <a:headEnd type="none" w="med" len="med"/>
+                      <a:tailEnd type="none" w="med" len="med"/>
+                    </a:lnB>
+                    <a:lnTlToBr w="12700" cmpd="sng">
+                      <a:noFill/>
+                      <a:prstDash val="solid"/>
+                    </a:lnTlToBr>
+                    <a:lnBlToTr w="12700" cmpd="sng">
+                      <a:noFill/>
+                      <a:prstDash val="solid"/>
+                    </a:lnBlToTr>
+                  </a:tcPr>
+                </a:tc>
+              </a:tr>
+            </a:tbl>
+          </a:graphicData>
+        </a:graphic>
+      </p:graphicFrame>
       <p:sp>
         <p:nvSpPr>
-          <p:cNvPr id="2" name="Título 1"/>
+          <p:cNvPr id="3" name="Marcador de número de diapositiva 2"/>
           <p:cNvSpPr>
             <a:spLocks noGrp="1"/>
           </p:cNvSpPr>
           <p:nvPr>
-            <p:ph type="ctrTitle"/>
+            <p:ph type="sldNum" sz="quarter" idx="12"/>
           </p:nvPr>
         </p:nvSpPr>
         <p:spPr/>
@@ -4658,33 +5534,127 @@
           <a:bodyPr/>
           <a:lstStyle/>
           <a:p>
+            <a:fld id="{A249DEA1-6037-6F4F-9960-0DB26FCF73E9}" type="slidenum">
+              <a:rPr lang="es-ES" smtClean="0"/>
+              <a:t>1</a:t>
+            </a:fld>
             <a:endParaRPr lang="es-ES"/>
           </a:p>
         </p:txBody>
       </p:sp>
       <p:sp>
         <p:nvSpPr>
-          <p:cNvPr id="3" name="Subtítulo 2"/>
+          <p:cNvPr id="6" name="Título 1"/>
           <p:cNvSpPr>
             <a:spLocks noGrp="1"/>
           </p:cNvSpPr>
           <p:nvPr>
-            <p:ph type="subTitle" idx="1"/>
+            <p:ph type="title"/>
           </p:nvPr>
         </p:nvSpPr>
-        <p:spPr/>
+        <p:spPr>
+          <a:xfrm>
+            <a:off x="0" y="0"/>
+            <a:ext cx="9144000" cy="857250"/>
+          </a:xfrm>
+        </p:spPr>
         <p:txBody>
-          <a:bodyPr/>
+          <a:bodyPr anchor="t">
+            <a:normAutofit/>
+          </a:bodyPr>
           <a:lstStyle/>
           <a:p>
-            <a:endParaRPr lang="es-ES"/>
+            <a:pPr algn="l">
+              <a:tabLst>
+                <a:tab pos="3762375" algn="l"/>
+              </a:tabLst>
+            </a:pPr>
+            <a:r>
+              <a:rPr lang="es-ES" sz="2400" dirty="0" err="1" smtClean="0">
+                <a:solidFill>
+                  <a:srgbClr val="1DAB3B"/>
+                </a:solidFill>
+              </a:rPr>
+              <a:t>Overview</a:t>
+            </a:r>
+            <a:r>
+              <a:rPr lang="es-ES" sz="2400" dirty="0" smtClean="0">
+                <a:solidFill>
+                  <a:srgbClr val="1DAB3B"/>
+                </a:solidFill>
+              </a:rPr>
+              <a:t> of </a:t>
+            </a:r>
+            <a:r>
+              <a:rPr lang="es-ES" sz="2400" dirty="0" err="1" smtClean="0">
+                <a:solidFill>
+                  <a:srgbClr val="1DAB3B"/>
+                </a:solidFill>
+              </a:rPr>
+              <a:t>pairwise</a:t>
+            </a:r>
+            <a:r>
+              <a:rPr lang="es-ES" sz="2400" dirty="0" smtClean="0">
+                <a:solidFill>
+                  <a:srgbClr val="1DAB3B"/>
+                </a:solidFill>
+              </a:rPr>
+              <a:t> </a:t>
+            </a:r>
+            <a:r>
+              <a:rPr lang="es-ES" sz="2400" dirty="0" err="1" smtClean="0">
+                <a:solidFill>
+                  <a:srgbClr val="1DAB3B"/>
+                </a:solidFill>
+              </a:rPr>
+              <a:t>structure</a:t>
+            </a:r>
+            <a:r>
+              <a:rPr lang="es-ES" sz="2400" dirty="0" smtClean="0">
+                <a:solidFill>
+                  <a:srgbClr val="1DAB3B"/>
+                </a:solidFill>
+              </a:rPr>
+              <a:t> </a:t>
+            </a:r>
+            <a:r>
+              <a:rPr lang="es-ES" sz="2400" dirty="0" err="1" smtClean="0">
+                <a:solidFill>
+                  <a:srgbClr val="1DAB3B"/>
+                </a:solidFill>
+              </a:rPr>
+              <a:t>superimposition</a:t>
+            </a:r>
+            <a:r>
+              <a:rPr lang="es-ES" sz="2400" dirty="0" smtClean="0">
+                <a:solidFill>
+                  <a:srgbClr val="1DAB3B"/>
+                </a:solidFill>
+              </a:rPr>
+              <a:t> </a:t>
+            </a:r>
+            <a:r>
+              <a:rPr lang="es-ES" sz="2400" dirty="0" err="1" smtClean="0">
+                <a:solidFill>
+                  <a:srgbClr val="1DAB3B"/>
+                </a:solidFill>
+              </a:rPr>
+              <a:t>tools</a:t>
+            </a:r>
+            <a:endParaRPr lang="en-US" sz="2400" dirty="0">
+              <a:solidFill>
+                <a:srgbClr val="1DAB3B"/>
+              </a:solidFill>
+              <a:latin typeface="Arial"/>
+              <a:cs typeface="Arial"/>
+            </a:endParaRPr>
           </a:p>
         </p:txBody>
       </p:sp>
     </p:spTree>
     <p:extLst>
       <p:ext uri="{BB962C8B-B14F-4D97-AF65-F5344CB8AC3E}">
-        <p14:creationId xmlns:p14="http://schemas.microsoft.com/office/powerpoint/2010/main" val="944661654"/>
+        <p14:creationId xmlns:p14="http://schemas.microsoft.com/office/powerpoint/2010/main" val="1216802213"/>
       </p:ext>
     </p:extLst>
   </p:cSld>
@@ -4718,1032 +5688,6 @@
           <a:chExt cx="0" cy="0"/>
         </a:xfrm>
       </p:grpSpPr>
-      <p:sp>
-        <p:nvSpPr>
-          <p:cNvPr id="4" name="Título 1"/>
-          <p:cNvSpPr>
-            <a:spLocks noGrp="1"/>
-          </p:cNvSpPr>
-          <p:nvPr>
-            <p:ph type="title"/>
-          </p:nvPr>
-        </p:nvSpPr>
-        <p:spPr>
-          <a:xfrm>
-            <a:off x="0" y="0"/>
-            <a:ext cx="9144000" cy="857250"/>
-          </a:xfrm>
-        </p:spPr>
-        <p:txBody>
-          <a:bodyPr anchor="t">
-            <a:normAutofit/>
-          </a:bodyPr>
-          <a:lstStyle/>
-          <a:p>
-            <a:pPr>
-              <a:tabLst>
-                <a:tab pos="3762375" algn="l"/>
-              </a:tabLst>
-            </a:pPr>
-            <a:r>
-              <a:rPr lang="es-ES" sz="2400" dirty="0" err="1" smtClean="0">
-                <a:solidFill>
-                  <a:srgbClr val="1DAB3B"/>
-                </a:solidFill>
-              </a:rPr>
-              <a:t>Sequential</a:t>
-            </a:r>
-            <a:r>
-              <a:rPr lang="es-ES" sz="2400" dirty="0" smtClean="0">
-                <a:solidFill>
-                  <a:srgbClr val="1DAB3B"/>
-                </a:solidFill>
-              </a:rPr>
-              <a:t> vs. non-</a:t>
-            </a:r>
-            <a:r>
-              <a:rPr lang="es-ES" sz="2400" dirty="0" err="1" smtClean="0">
-                <a:solidFill>
-                  <a:srgbClr val="1DAB3B"/>
-                </a:solidFill>
-              </a:rPr>
-              <a:t>sequential</a:t>
-            </a:r>
-            <a:r>
-              <a:rPr lang="es-ES" sz="2400" dirty="0" smtClean="0">
-                <a:solidFill>
-                  <a:srgbClr val="1DAB3B"/>
-                </a:solidFill>
-              </a:rPr>
-              <a:t> </a:t>
-            </a:r>
-            <a:r>
-              <a:rPr lang="es-ES" sz="2400" dirty="0" err="1" smtClean="0">
-                <a:solidFill>
-                  <a:srgbClr val="1DAB3B"/>
-                </a:solidFill>
-              </a:rPr>
-              <a:t>structure</a:t>
-            </a:r>
-            <a:r>
-              <a:rPr lang="es-ES" sz="2400" dirty="0" smtClean="0">
-                <a:solidFill>
-                  <a:srgbClr val="1DAB3B"/>
-                </a:solidFill>
-              </a:rPr>
-              <a:t> </a:t>
-            </a:r>
-            <a:r>
-              <a:rPr lang="es-ES" sz="2400" dirty="0" err="1" smtClean="0">
-                <a:solidFill>
-                  <a:srgbClr val="1DAB3B"/>
-                </a:solidFill>
-              </a:rPr>
-              <a:t>alignment</a:t>
-            </a:r>
-            <a:r>
-              <a:rPr lang="es-ES" sz="2400" dirty="0" smtClean="0">
-                <a:solidFill>
-                  <a:srgbClr val="1DAB3B"/>
-                </a:solidFill>
-              </a:rPr>
-              <a:t>:</a:t>
-            </a:r>
-            <a:br>
-              <a:rPr lang="es-ES" sz="2400" dirty="0" smtClean="0">
-                <a:solidFill>
-                  <a:srgbClr val="1DAB3B"/>
-                </a:solidFill>
-              </a:rPr>
-            </a:br>
-            <a:r>
-              <a:rPr lang="es-ES" sz="2400" dirty="0" err="1" smtClean="0">
-                <a:solidFill>
-                  <a:srgbClr val="1DAB3B"/>
-                </a:solidFill>
-              </a:rPr>
-              <a:t>The</a:t>
-            </a:r>
-            <a:r>
-              <a:rPr lang="es-ES" sz="2400" dirty="0" smtClean="0">
-                <a:solidFill>
-                  <a:srgbClr val="1DAB3B"/>
-                </a:solidFill>
-              </a:rPr>
-              <a:t> </a:t>
-            </a:r>
-            <a:r>
-              <a:rPr lang="es-ES" sz="2400" dirty="0" err="1" smtClean="0">
-                <a:solidFill>
-                  <a:srgbClr val="1DAB3B"/>
-                </a:solidFill>
-              </a:rPr>
-              <a:t>paper</a:t>
-            </a:r>
-            <a:r>
-              <a:rPr lang="es-ES" sz="2400" dirty="0" smtClean="0">
-                <a:solidFill>
-                  <a:srgbClr val="1DAB3B"/>
-                </a:solidFill>
-              </a:rPr>
-              <a:t> clip demo</a:t>
-            </a:r>
-            <a:endParaRPr lang="en-US" sz="2400" dirty="0">
-              <a:solidFill>
-                <a:srgbClr val="1DAB3B"/>
-              </a:solidFill>
-              <a:latin typeface="Arial"/>
-              <a:cs typeface="Arial"/>
-            </a:endParaRPr>
-          </a:p>
-        </p:txBody>
-      </p:sp>
-      <p:grpSp>
-        <p:nvGrpSpPr>
-          <p:cNvPr id="17" name="Agrupar 16"/>
-          <p:cNvGrpSpPr/>
-          <p:nvPr/>
-        </p:nvGrpSpPr>
-        <p:grpSpPr>
-          <a:xfrm>
-            <a:off x="1384300" y="904113"/>
-            <a:ext cx="2463800" cy="3288177"/>
-            <a:chOff x="5562600" y="904113"/>
-            <a:chExt cx="2463800" cy="3288177"/>
-          </a:xfrm>
-          <a:solidFill>
-            <a:schemeClr val="bg1"/>
-          </a:solidFill>
-        </p:grpSpPr>
-        <p:sp>
-          <p:nvSpPr>
-            <p:cNvPr id="18" name="Flecha en U 17"/>
-            <p:cNvSpPr/>
-            <p:nvPr/>
-          </p:nvSpPr>
-          <p:spPr>
-            <a:xfrm rot="10800000" flipH="1">
-              <a:off x="6367463" y="2934823"/>
-              <a:ext cx="973138" cy="877824"/>
-            </a:xfrm>
-            <a:prstGeom prst="uturnArrow">
-              <a:avLst>
-                <a:gd name="adj1" fmla="val 10532"/>
-                <a:gd name="adj2" fmla="val 25000"/>
-                <a:gd name="adj3" fmla="val 23553"/>
-                <a:gd name="adj4" fmla="val 50000"/>
-                <a:gd name="adj5" fmla="val 75000"/>
-              </a:avLst>
-            </a:prstGeom>
-            <a:grpFill/>
-            <a:ln>
-              <a:solidFill>
-                <a:srgbClr val="000000"/>
-              </a:solidFill>
-            </a:ln>
-          </p:spPr>
-          <p:style>
-            <a:lnRef idx="1">
-              <a:schemeClr val="accent1"/>
-            </a:lnRef>
-            <a:fillRef idx="3">
-              <a:schemeClr val="accent1"/>
-            </a:fillRef>
-            <a:effectRef idx="2">
-              <a:schemeClr val="accent1"/>
-            </a:effectRef>
-            <a:fontRef idx="minor">
-              <a:schemeClr val="lt1"/>
-            </a:fontRef>
-          </p:style>
-          <p:txBody>
-            <a:bodyPr rtlCol="0" anchor="ctr"/>
-            <a:lstStyle/>
-            <a:p>
-              <a:pPr algn="ctr"/>
-              <a:endParaRPr lang="es-ES">
-                <a:solidFill>
-                  <a:schemeClr val="tx1"/>
-                </a:solidFill>
-              </a:endParaRPr>
-            </a:p>
-          </p:txBody>
-        </p:sp>
-        <p:sp>
-          <p:nvSpPr>
-            <p:cNvPr id="19" name="Flecha en U 18"/>
-            <p:cNvSpPr/>
-            <p:nvPr/>
-          </p:nvSpPr>
-          <p:spPr>
-            <a:xfrm rot="10800000" flipH="1">
-              <a:off x="5727700" y="3314466"/>
-              <a:ext cx="2298700" cy="877824"/>
-            </a:xfrm>
-            <a:prstGeom prst="uturnArrow">
-              <a:avLst>
-                <a:gd name="adj1" fmla="val 10532"/>
-                <a:gd name="adj2" fmla="val 25000"/>
-                <a:gd name="adj3" fmla="val 23553"/>
-                <a:gd name="adj4" fmla="val 50000"/>
-                <a:gd name="adj5" fmla="val 75000"/>
-              </a:avLst>
-            </a:prstGeom>
-            <a:grpFill/>
-            <a:ln>
-              <a:solidFill>
-                <a:srgbClr val="000000"/>
-              </a:solidFill>
-            </a:ln>
-          </p:spPr>
-          <p:style>
-            <a:lnRef idx="1">
-              <a:schemeClr val="accent1"/>
-            </a:lnRef>
-            <a:fillRef idx="3">
-              <a:schemeClr val="accent1"/>
-            </a:fillRef>
-            <a:effectRef idx="2">
-              <a:schemeClr val="accent1"/>
-            </a:effectRef>
-            <a:fontRef idx="minor">
-              <a:schemeClr val="lt1"/>
-            </a:fontRef>
-          </p:style>
-          <p:txBody>
-            <a:bodyPr rtlCol="0" anchor="ctr"/>
-            <a:lstStyle/>
-            <a:p>
-              <a:pPr algn="ctr"/>
-              <a:endParaRPr lang="es-ES">
-                <a:solidFill>
-                  <a:schemeClr val="tx1"/>
-                </a:solidFill>
-              </a:endParaRPr>
-            </a:p>
-          </p:txBody>
-        </p:sp>
-        <p:sp>
-          <p:nvSpPr>
-            <p:cNvPr id="20" name="Flecha en U 19"/>
-            <p:cNvSpPr/>
-            <p:nvPr/>
-          </p:nvSpPr>
-          <p:spPr>
-            <a:xfrm flipH="1">
-              <a:off x="5575300" y="904113"/>
-              <a:ext cx="1584325" cy="877824"/>
-            </a:xfrm>
-            <a:prstGeom prst="uturnArrow">
-              <a:avLst>
-                <a:gd name="adj1" fmla="val 10532"/>
-                <a:gd name="adj2" fmla="val 25000"/>
-                <a:gd name="adj3" fmla="val 23553"/>
-                <a:gd name="adj4" fmla="val 50000"/>
-                <a:gd name="adj5" fmla="val 75000"/>
-              </a:avLst>
-            </a:prstGeom>
-            <a:grpFill/>
-            <a:ln>
-              <a:solidFill>
-                <a:srgbClr val="000000"/>
-              </a:solidFill>
-            </a:ln>
-          </p:spPr>
-          <p:style>
-            <a:lnRef idx="1">
-              <a:schemeClr val="accent1"/>
-            </a:lnRef>
-            <a:fillRef idx="3">
-              <a:schemeClr val="accent1"/>
-            </a:fillRef>
-            <a:effectRef idx="2">
-              <a:schemeClr val="accent1"/>
-            </a:effectRef>
-            <a:fontRef idx="minor">
-              <a:schemeClr val="lt1"/>
-            </a:fontRef>
-          </p:style>
-          <p:txBody>
-            <a:bodyPr rtlCol="0" anchor="ctr"/>
-            <a:lstStyle/>
-            <a:p>
-              <a:pPr algn="ctr"/>
-              <a:endParaRPr lang="es-ES">
-                <a:solidFill>
-                  <a:schemeClr val="tx1"/>
-                </a:solidFill>
-              </a:endParaRPr>
-            </a:p>
-          </p:txBody>
-        </p:sp>
-        <p:sp>
-          <p:nvSpPr>
-            <p:cNvPr id="21" name="Rectángulo redondeado 20"/>
-            <p:cNvSpPr/>
-            <p:nvPr/>
-          </p:nvSpPr>
-          <p:spPr>
-            <a:xfrm>
-              <a:off x="5562600" y="1320800"/>
-              <a:ext cx="457200" cy="2474913"/>
-            </a:xfrm>
-            <a:prstGeom prst="roundRect">
-              <a:avLst/>
-            </a:prstGeom>
-            <a:grpFill/>
-            <a:ln w="12700" cmpd="sng">
-              <a:solidFill>
-                <a:schemeClr val="tx1"/>
-              </a:solidFill>
-            </a:ln>
-          </p:spPr>
-          <p:style>
-            <a:lnRef idx="1">
-              <a:schemeClr val="accent1"/>
-            </a:lnRef>
-            <a:fillRef idx="3">
-              <a:schemeClr val="accent1"/>
-            </a:fillRef>
-            <a:effectRef idx="2">
-              <a:schemeClr val="accent1"/>
-            </a:effectRef>
-            <a:fontRef idx="minor">
-              <a:schemeClr val="lt1"/>
-            </a:fontRef>
-          </p:style>
-          <p:txBody>
-            <a:bodyPr rtlCol="0" anchor="ctr"/>
-            <a:lstStyle/>
-            <a:p>
-              <a:pPr algn="ctr"/>
-              <a:endParaRPr lang="es-ES"/>
-            </a:p>
-          </p:txBody>
-        </p:sp>
-        <p:sp>
-          <p:nvSpPr>
-            <p:cNvPr id="22" name="Rectángulo redondeado 21"/>
-            <p:cNvSpPr/>
-            <p:nvPr/>
-          </p:nvSpPr>
-          <p:spPr>
-            <a:xfrm>
-              <a:off x="7569200" y="1320800"/>
-              <a:ext cx="457200" cy="2474913"/>
-            </a:xfrm>
-            <a:prstGeom prst="roundRect">
-              <a:avLst/>
-            </a:prstGeom>
-            <a:grpFill/>
-            <a:ln w="12700" cmpd="sng">
-              <a:solidFill>
-                <a:srgbClr val="000000"/>
-              </a:solidFill>
-            </a:ln>
-          </p:spPr>
-          <p:style>
-            <a:lnRef idx="1">
-              <a:schemeClr val="accent1"/>
-            </a:lnRef>
-            <a:fillRef idx="3">
-              <a:schemeClr val="accent1"/>
-            </a:fillRef>
-            <a:effectRef idx="2">
-              <a:schemeClr val="accent1"/>
-            </a:effectRef>
-            <a:fontRef idx="minor">
-              <a:schemeClr val="lt1"/>
-            </a:fontRef>
-          </p:style>
-          <p:txBody>
-            <a:bodyPr rtlCol="0" anchor="ctr"/>
-            <a:lstStyle/>
-            <a:p>
-              <a:pPr algn="ctr"/>
-              <a:endParaRPr lang="es-ES"/>
-            </a:p>
-          </p:txBody>
-        </p:sp>
-        <p:sp>
-          <p:nvSpPr>
-            <p:cNvPr id="23" name="Rectángulo redondeado 22"/>
-            <p:cNvSpPr/>
-            <p:nvPr/>
-          </p:nvSpPr>
-          <p:spPr>
-            <a:xfrm>
-              <a:off x="6273800" y="1625600"/>
-              <a:ext cx="457200" cy="1890713"/>
-            </a:xfrm>
-            <a:prstGeom prst="roundRect">
-              <a:avLst/>
-            </a:prstGeom>
-            <a:grpFill/>
-            <a:ln w="12700" cmpd="sng">
-              <a:solidFill>
-                <a:schemeClr val="tx1"/>
-              </a:solidFill>
-            </a:ln>
-          </p:spPr>
-          <p:style>
-            <a:lnRef idx="1">
-              <a:schemeClr val="accent1"/>
-            </a:lnRef>
-            <a:fillRef idx="3">
-              <a:schemeClr val="accent1"/>
-            </a:fillRef>
-            <a:effectRef idx="2">
-              <a:schemeClr val="accent1"/>
-            </a:effectRef>
-            <a:fontRef idx="minor">
-              <a:schemeClr val="lt1"/>
-            </a:fontRef>
-          </p:style>
-          <p:txBody>
-            <a:bodyPr rtlCol="0" anchor="ctr"/>
-            <a:lstStyle/>
-            <a:p>
-              <a:pPr algn="ctr"/>
-              <a:endParaRPr lang="es-ES"/>
-            </a:p>
-          </p:txBody>
-        </p:sp>
-        <p:sp>
-          <p:nvSpPr>
-            <p:cNvPr id="24" name="Rectángulo redondeado 23"/>
-            <p:cNvSpPr/>
-            <p:nvPr/>
-          </p:nvSpPr>
-          <p:spPr>
-            <a:xfrm>
-              <a:off x="6883400" y="1625600"/>
-              <a:ext cx="457200" cy="1890713"/>
-            </a:xfrm>
-            <a:prstGeom prst="roundRect">
-              <a:avLst/>
-            </a:prstGeom>
-            <a:grpFill/>
-            <a:ln w="12700" cmpd="sng">
-              <a:solidFill>
-                <a:schemeClr val="tx1"/>
-              </a:solidFill>
-            </a:ln>
-          </p:spPr>
-          <p:style>
-            <a:lnRef idx="1">
-              <a:schemeClr val="accent1"/>
-            </a:lnRef>
-            <a:fillRef idx="3">
-              <a:schemeClr val="accent1"/>
-            </a:fillRef>
-            <a:effectRef idx="2">
-              <a:schemeClr val="accent1"/>
-            </a:effectRef>
-            <a:fontRef idx="minor">
-              <a:schemeClr val="lt1"/>
-            </a:fontRef>
-          </p:style>
-          <p:txBody>
-            <a:bodyPr rtlCol="0" anchor="ctr"/>
-            <a:lstStyle/>
-            <a:p>
-              <a:pPr algn="ctr"/>
-              <a:endParaRPr lang="es-ES"/>
-            </a:p>
-          </p:txBody>
-        </p:sp>
-        <p:sp>
-          <p:nvSpPr>
-            <p:cNvPr id="25" name="CuadroTexto 24"/>
-            <p:cNvSpPr txBox="1"/>
-            <p:nvPr/>
-          </p:nvSpPr>
-          <p:spPr>
-            <a:xfrm>
-              <a:off x="6306705" y="1732320"/>
-              <a:ext cx="404091" cy="335756"/>
-            </a:xfrm>
-            <a:prstGeom prst="rect">
-              <a:avLst/>
-            </a:prstGeom>
-            <a:grpFill/>
-          </p:spPr>
-          <p:txBody>
-            <a:bodyPr wrap="square" rtlCol="0">
-              <a:spAutoFit/>
-            </a:bodyPr>
-            <a:lstStyle/>
-            <a:p>
-              <a:pPr algn="ctr"/>
-              <a:r>
-                <a:rPr lang="es-ES" dirty="0" smtClean="0"/>
-                <a:t>N</a:t>
-              </a:r>
-              <a:endParaRPr lang="es-ES" dirty="0"/>
-            </a:p>
-          </p:txBody>
-        </p:sp>
-        <p:sp>
-          <p:nvSpPr>
-            <p:cNvPr id="26" name="CuadroTexto 25"/>
-            <p:cNvSpPr txBox="1"/>
-            <p:nvPr/>
-          </p:nvSpPr>
-          <p:spPr>
-            <a:xfrm>
-              <a:off x="7620473" y="1371600"/>
-              <a:ext cx="367355" cy="369332"/>
-            </a:xfrm>
-            <a:prstGeom prst="rect">
-              <a:avLst/>
-            </a:prstGeom>
-            <a:grpFill/>
-          </p:spPr>
-          <p:txBody>
-            <a:bodyPr wrap="square" rtlCol="0">
-              <a:spAutoFit/>
-            </a:bodyPr>
-            <a:lstStyle/>
-            <a:p>
-              <a:pPr algn="ctr"/>
-              <a:r>
-                <a:rPr lang="es-ES" dirty="0"/>
-                <a:t>C</a:t>
-              </a:r>
-            </a:p>
-          </p:txBody>
-        </p:sp>
-      </p:grpSp>
-      <p:sp>
-        <p:nvSpPr>
-          <p:cNvPr id="28" name="Flecha en U 27"/>
-          <p:cNvSpPr/>
-          <p:nvPr/>
-        </p:nvSpPr>
-        <p:spPr>
-          <a:xfrm rot="10800000" flipH="1">
-            <a:off x="6367463" y="2934823"/>
-            <a:ext cx="973138" cy="877824"/>
-          </a:xfrm>
-          <a:prstGeom prst="uturnArrow">
-            <a:avLst>
-              <a:gd name="adj1" fmla="val 10532"/>
-              <a:gd name="adj2" fmla="val 25000"/>
-              <a:gd name="adj3" fmla="val 23553"/>
-              <a:gd name="adj4" fmla="val 50000"/>
-              <a:gd name="adj5" fmla="val 75000"/>
-            </a:avLst>
-          </a:prstGeom>
-          <a:solidFill>
-            <a:srgbClr val="FFFFFF"/>
-          </a:solidFill>
-          <a:ln>
-            <a:solidFill>
-              <a:srgbClr val="000000"/>
-            </a:solidFill>
-          </a:ln>
-        </p:spPr>
-        <p:style>
-          <a:lnRef idx="1">
-            <a:schemeClr val="accent1"/>
-          </a:lnRef>
-          <a:fillRef idx="3">
-            <a:schemeClr val="accent1"/>
-          </a:fillRef>
-          <a:effectRef idx="2">
-            <a:schemeClr val="accent1"/>
-          </a:effectRef>
-          <a:fontRef idx="minor">
-            <a:schemeClr val="lt1"/>
-          </a:fontRef>
-        </p:style>
-        <p:txBody>
-          <a:bodyPr rtlCol="0" anchor="ctr"/>
-          <a:lstStyle/>
-          <a:p>
-            <a:pPr algn="ctr"/>
-            <a:endParaRPr lang="es-ES">
-              <a:solidFill>
-                <a:schemeClr val="tx1"/>
-              </a:solidFill>
-            </a:endParaRPr>
-          </a:p>
-        </p:txBody>
-      </p:sp>
-      <p:sp>
-        <p:nvSpPr>
-          <p:cNvPr id="29" name="Flecha en U 28"/>
-          <p:cNvSpPr/>
-          <p:nvPr/>
-        </p:nvSpPr>
-        <p:spPr>
-          <a:xfrm rot="10800000" flipH="1">
-            <a:off x="5727700" y="3314466"/>
-            <a:ext cx="2298700" cy="877824"/>
-          </a:xfrm>
-          <a:prstGeom prst="uturnArrow">
-            <a:avLst>
-              <a:gd name="adj1" fmla="val 10532"/>
-              <a:gd name="adj2" fmla="val 25000"/>
-              <a:gd name="adj3" fmla="val 23553"/>
-              <a:gd name="adj4" fmla="val 50000"/>
-              <a:gd name="adj5" fmla="val 75000"/>
-            </a:avLst>
-          </a:prstGeom>
-          <a:solidFill>
-            <a:srgbClr val="FFFFFF"/>
-          </a:solidFill>
-          <a:ln>
-            <a:solidFill>
-              <a:srgbClr val="000000"/>
-            </a:solidFill>
-          </a:ln>
-        </p:spPr>
-        <p:style>
-          <a:lnRef idx="1">
-            <a:schemeClr val="accent1"/>
-          </a:lnRef>
-          <a:fillRef idx="3">
-            <a:schemeClr val="accent1"/>
-          </a:fillRef>
-          <a:effectRef idx="2">
-            <a:schemeClr val="accent1"/>
-          </a:effectRef>
-          <a:fontRef idx="minor">
-            <a:schemeClr val="lt1"/>
-          </a:fontRef>
-        </p:style>
-        <p:txBody>
-          <a:bodyPr rtlCol="0" anchor="ctr"/>
-          <a:lstStyle/>
-          <a:p>
-            <a:pPr algn="ctr"/>
-            <a:endParaRPr lang="es-ES">
-              <a:solidFill>
-                <a:schemeClr val="tx1"/>
-              </a:solidFill>
-            </a:endParaRPr>
-          </a:p>
-        </p:txBody>
-      </p:sp>
-      <p:sp>
-        <p:nvSpPr>
-          <p:cNvPr id="30" name="Flecha en U 29"/>
-          <p:cNvSpPr/>
-          <p:nvPr/>
-        </p:nvSpPr>
-        <p:spPr>
-          <a:xfrm flipH="1">
-            <a:off x="5575300" y="904113"/>
-            <a:ext cx="1584325" cy="877824"/>
-          </a:xfrm>
-          <a:prstGeom prst="uturnArrow">
-            <a:avLst>
-              <a:gd name="adj1" fmla="val 10532"/>
-              <a:gd name="adj2" fmla="val 25000"/>
-              <a:gd name="adj3" fmla="val 23553"/>
-              <a:gd name="adj4" fmla="val 50000"/>
-              <a:gd name="adj5" fmla="val 75000"/>
-            </a:avLst>
-          </a:prstGeom>
-          <a:solidFill>
-            <a:srgbClr val="FFFFFF"/>
-          </a:solidFill>
-          <a:ln>
-            <a:solidFill>
-              <a:srgbClr val="000000"/>
-            </a:solidFill>
-          </a:ln>
-        </p:spPr>
-        <p:style>
-          <a:lnRef idx="1">
-            <a:schemeClr val="accent1"/>
-          </a:lnRef>
-          <a:fillRef idx="3">
-            <a:schemeClr val="accent1"/>
-          </a:fillRef>
-          <a:effectRef idx="2">
-            <a:schemeClr val="accent1"/>
-          </a:effectRef>
-          <a:fontRef idx="minor">
-            <a:schemeClr val="lt1"/>
-          </a:fontRef>
-        </p:style>
-        <p:txBody>
-          <a:bodyPr rtlCol="0" anchor="ctr"/>
-          <a:lstStyle/>
-          <a:p>
-            <a:pPr algn="ctr"/>
-            <a:endParaRPr lang="es-ES">
-              <a:solidFill>
-                <a:schemeClr val="tx1"/>
-              </a:solidFill>
-            </a:endParaRPr>
-          </a:p>
-        </p:txBody>
-      </p:sp>
-      <p:sp>
-        <p:nvSpPr>
-          <p:cNvPr id="31" name="Rectángulo redondeado 30"/>
-          <p:cNvSpPr/>
-          <p:nvPr/>
-        </p:nvSpPr>
-        <p:spPr>
-          <a:xfrm>
-            <a:off x="5562600" y="1320800"/>
-            <a:ext cx="457200" cy="2474913"/>
-          </a:xfrm>
-          <a:prstGeom prst="roundRect">
-            <a:avLst/>
-          </a:prstGeom>
-          <a:solidFill>
-            <a:srgbClr val="FFFFFF"/>
-          </a:solidFill>
-          <a:ln w="12700" cmpd="sng">
-            <a:solidFill>
-              <a:schemeClr val="tx1"/>
-            </a:solidFill>
-          </a:ln>
-        </p:spPr>
-        <p:style>
-          <a:lnRef idx="1">
-            <a:schemeClr val="accent1"/>
-          </a:lnRef>
-          <a:fillRef idx="3">
-            <a:schemeClr val="accent1"/>
-          </a:fillRef>
-          <a:effectRef idx="2">
-            <a:schemeClr val="accent1"/>
-          </a:effectRef>
-          <a:fontRef idx="minor">
-            <a:schemeClr val="lt1"/>
-          </a:fontRef>
-        </p:style>
-        <p:txBody>
-          <a:bodyPr rtlCol="0" anchor="ctr"/>
-          <a:lstStyle/>
-          <a:p>
-            <a:pPr algn="ctr"/>
-            <a:endParaRPr lang="es-ES"/>
-          </a:p>
-        </p:txBody>
-      </p:sp>
-      <p:sp>
-        <p:nvSpPr>
-          <p:cNvPr id="32" name="Rectángulo redondeado 31"/>
-          <p:cNvSpPr/>
-          <p:nvPr/>
-        </p:nvSpPr>
-        <p:spPr>
-          <a:xfrm>
-            <a:off x="7569200" y="1320800"/>
-            <a:ext cx="457200" cy="2474913"/>
-          </a:xfrm>
-          <a:prstGeom prst="roundRect">
-            <a:avLst/>
-          </a:prstGeom>
-          <a:solidFill>
-            <a:srgbClr val="FFFFFF"/>
-          </a:solidFill>
-          <a:ln w="12700" cmpd="sng">
-            <a:solidFill>
-              <a:schemeClr val="tx1"/>
-            </a:solidFill>
-          </a:ln>
-        </p:spPr>
-        <p:style>
-          <a:lnRef idx="1">
-            <a:schemeClr val="accent1"/>
-          </a:lnRef>
-          <a:fillRef idx="3">
-            <a:schemeClr val="accent1"/>
-          </a:fillRef>
-          <a:effectRef idx="2">
-            <a:schemeClr val="accent1"/>
-          </a:effectRef>
-          <a:fontRef idx="minor">
-            <a:schemeClr val="lt1"/>
-          </a:fontRef>
-        </p:style>
-        <p:txBody>
-          <a:bodyPr rtlCol="0" anchor="ctr"/>
-          <a:lstStyle/>
-          <a:p>
-            <a:pPr algn="ctr"/>
-            <a:endParaRPr lang="es-ES"/>
-          </a:p>
-        </p:txBody>
-      </p:sp>
-      <p:sp>
-        <p:nvSpPr>
-          <p:cNvPr id="33" name="Rectángulo redondeado 32"/>
-          <p:cNvSpPr/>
-          <p:nvPr/>
-        </p:nvSpPr>
-        <p:spPr>
-          <a:xfrm>
-            <a:off x="6273800" y="1625600"/>
-            <a:ext cx="457200" cy="1890713"/>
-          </a:xfrm>
-          <a:prstGeom prst="roundRect">
-            <a:avLst/>
-          </a:prstGeom>
-          <a:solidFill>
-            <a:srgbClr val="FFFFFF"/>
-          </a:solidFill>
-          <a:ln w="12700" cmpd="sng">
-            <a:solidFill>
-              <a:schemeClr val="tx1"/>
-            </a:solidFill>
-          </a:ln>
-        </p:spPr>
-        <p:style>
-          <a:lnRef idx="1">
-            <a:schemeClr val="accent1"/>
-          </a:lnRef>
-          <a:fillRef idx="3">
-            <a:schemeClr val="accent1"/>
-          </a:fillRef>
-          <a:effectRef idx="2">
-            <a:schemeClr val="accent1"/>
-          </a:effectRef>
-          <a:fontRef idx="minor">
-            <a:schemeClr val="lt1"/>
-          </a:fontRef>
-        </p:style>
-        <p:txBody>
-          <a:bodyPr rtlCol="0" anchor="ctr"/>
-          <a:lstStyle/>
-          <a:p>
-            <a:pPr algn="ctr"/>
-            <a:endParaRPr lang="es-ES"/>
-          </a:p>
-        </p:txBody>
-      </p:sp>
-      <p:sp>
-        <p:nvSpPr>
-          <p:cNvPr id="34" name="Rectángulo redondeado 33"/>
-          <p:cNvSpPr/>
-          <p:nvPr/>
-        </p:nvSpPr>
-        <p:spPr>
-          <a:xfrm>
-            <a:off x="6883400" y="1625600"/>
-            <a:ext cx="457200" cy="1890713"/>
-          </a:xfrm>
-          <a:prstGeom prst="roundRect">
-            <a:avLst/>
-          </a:prstGeom>
-          <a:solidFill>
-            <a:srgbClr val="FFFFFF"/>
-          </a:solidFill>
-          <a:ln w="12700" cmpd="sng">
-            <a:solidFill>
-              <a:schemeClr val="tx1"/>
-            </a:solidFill>
-          </a:ln>
-        </p:spPr>
-        <p:style>
-          <a:lnRef idx="1">
-            <a:schemeClr val="accent1"/>
-          </a:lnRef>
-          <a:fillRef idx="3">
-            <a:schemeClr val="accent1"/>
-          </a:fillRef>
-          <a:effectRef idx="2">
-            <a:schemeClr val="accent1"/>
-          </a:effectRef>
-          <a:fontRef idx="minor">
-            <a:schemeClr val="lt1"/>
-          </a:fontRef>
-        </p:style>
-        <p:txBody>
-          <a:bodyPr rtlCol="0" anchor="ctr"/>
-          <a:lstStyle/>
-          <a:p>
-            <a:pPr algn="ctr"/>
-            <a:endParaRPr lang="es-ES"/>
-          </a:p>
-        </p:txBody>
-      </p:sp>
-      <p:sp>
-        <p:nvSpPr>
-          <p:cNvPr id="35" name="CuadroTexto 34"/>
-          <p:cNvSpPr txBox="1"/>
-          <p:nvPr/>
-        </p:nvSpPr>
-        <p:spPr>
-          <a:xfrm>
-            <a:off x="6286500" y="1690132"/>
-            <a:ext cx="444500" cy="369332"/>
-          </a:xfrm>
-          <a:prstGeom prst="rect">
-            <a:avLst/>
-          </a:prstGeom>
-          <a:noFill/>
-        </p:spPr>
-        <p:txBody>
-          <a:bodyPr wrap="square" rtlCol="0">
-            <a:spAutoFit/>
-          </a:bodyPr>
-          <a:lstStyle/>
-          <a:p>
-            <a:pPr algn="ctr"/>
-            <a:r>
-              <a:rPr lang="es-ES" dirty="0" smtClean="0"/>
-              <a:t>N</a:t>
-            </a:r>
-            <a:endParaRPr lang="es-ES" dirty="0"/>
-          </a:p>
-        </p:txBody>
-      </p:sp>
-      <p:sp>
-        <p:nvSpPr>
-          <p:cNvPr id="36" name="CuadroTexto 35"/>
-          <p:cNvSpPr txBox="1"/>
-          <p:nvPr/>
-        </p:nvSpPr>
-        <p:spPr>
-          <a:xfrm>
-            <a:off x="7581900" y="1320800"/>
-            <a:ext cx="444500" cy="369332"/>
-          </a:xfrm>
-          <a:prstGeom prst="rect">
-            <a:avLst/>
-          </a:prstGeom>
-          <a:noFill/>
-        </p:spPr>
-        <p:txBody>
-          <a:bodyPr wrap="square" rtlCol="0">
-            <a:spAutoFit/>
-          </a:bodyPr>
-          <a:lstStyle/>
-          <a:p>
-            <a:pPr algn="ctr"/>
-            <a:r>
-              <a:rPr lang="es-ES" dirty="0"/>
-              <a:t>C</a:t>
-            </a:r>
-          </a:p>
-        </p:txBody>
-      </p:sp>
-    </p:spTree>
-    <p:extLst>
-      <p:ext uri="{BB962C8B-B14F-4D97-AF65-F5344CB8AC3E}">
-        <p14:creationId xmlns:p14="http://schemas.microsoft.com/office/powerpoint/2010/main" val="3357835670"/>
-      </p:ext>
-    </p:extLst>
-  </p:cSld>
-  <p:clrMapOvr>
-    <a:masterClrMapping/>
-  </p:clrMapOvr>
-  <p:timing>
-    <p:tnLst>
-      <p:par>
-        <p:cTn xmlns:p14="http://schemas.microsoft.com/office/powerpoint/2010/main" id="1" dur="indefinite" restart="never" nodeType="tmRoot"/>
-      </p:par>
-    </p:tnLst>
-  </p:timing>
-</p:sld>
-</file>
-
-<file path=ppt/slides/slide11.xml><?xml version="1.0" encoding="utf-8"?>
-<p:sld xmlns:a="http://schemas.openxmlformats.org/drawingml/2006/main" xmlns:r="http://schemas.openxmlformats.org/officeDocument/2006/relationships" xmlns:p="http://schemas.openxmlformats.org/presentationml/2006/main">
-  <p:cSld>
-    <p:spTree>
-      <p:nvGrpSpPr>
-        <p:cNvPr id="1" name=""/>
-        <p:cNvGrpSpPr/>
-        <p:nvPr/>
-      </p:nvGrpSpPr>
-      <p:grpSpPr>
-        <a:xfrm>
-          <a:off x="0" y="0"/>
-          <a:ext cx="0" cy="0"/>
-          <a:chOff x="0" y="0"/>
-          <a:chExt cx="0" cy="0"/>
-        </a:xfrm>
-      </p:grpSpPr>
-      <p:sp>
-        <p:nvSpPr>
-          <p:cNvPr id="2" name="Título 1"/>
-          <p:cNvSpPr>
-            <a:spLocks noGrp="1"/>
-          </p:cNvSpPr>
-          <p:nvPr>
-            <p:ph type="title"/>
-          </p:nvPr>
-        </p:nvSpPr>
-        <p:spPr/>
-        <p:txBody>
-          <a:bodyPr/>
-          <a:lstStyle/>
-          <a:p>
-            <a:endParaRPr lang="es-ES" dirty="0"/>
-          </a:p>
-        </p:txBody>
-      </p:sp>
       <p:sp>
         <p:nvSpPr>
           <p:cNvPr id="6" name="Marcador de contenido 2"/>
@@ -7211,10 +7155,103 @@
           </a:p>
         </p:txBody>
       </p:sp>
+      <p:sp>
+        <p:nvSpPr>
+          <p:cNvPr id="35" name="Título 1"/>
+          <p:cNvSpPr>
+            <a:spLocks noGrp="1"/>
+          </p:cNvSpPr>
+          <p:nvPr>
+            <p:ph type="title"/>
+          </p:nvPr>
+        </p:nvSpPr>
+        <p:spPr>
+          <a:xfrm>
+            <a:off x="0" y="0"/>
+            <a:ext cx="9144000" cy="857250"/>
+          </a:xfrm>
+        </p:spPr>
+        <p:txBody>
+          <a:bodyPr anchor="t">
+            <a:normAutofit/>
+          </a:bodyPr>
+          <a:lstStyle/>
+          <a:p>
+            <a:pPr algn="l">
+              <a:tabLst>
+                <a:tab pos="3762375" algn="l"/>
+              </a:tabLst>
+            </a:pPr>
+            <a:r>
+              <a:rPr lang="es-ES" sz="2400" dirty="0" err="1" smtClean="0">
+                <a:solidFill>
+                  <a:srgbClr val="1DAB3B"/>
+                </a:solidFill>
+              </a:rPr>
+              <a:t>Sequential</a:t>
+            </a:r>
+            <a:r>
+              <a:rPr lang="es-ES" sz="2400" dirty="0" smtClean="0">
+                <a:solidFill>
+                  <a:srgbClr val="1DAB3B"/>
+                </a:solidFill>
+              </a:rPr>
+              <a:t> vs. non-</a:t>
+            </a:r>
+            <a:r>
+              <a:rPr lang="es-ES" sz="2400" dirty="0" err="1" smtClean="0">
+                <a:solidFill>
+                  <a:srgbClr val="1DAB3B"/>
+                </a:solidFill>
+              </a:rPr>
+              <a:t>sequential</a:t>
+            </a:r>
+            <a:r>
+              <a:rPr lang="es-ES" sz="2400" dirty="0" smtClean="0">
+                <a:solidFill>
+                  <a:srgbClr val="1DAB3B"/>
+                </a:solidFill>
+              </a:rPr>
+              <a:t> </a:t>
+            </a:r>
+            <a:r>
+              <a:rPr lang="es-ES" sz="2400" dirty="0" err="1" smtClean="0">
+                <a:solidFill>
+                  <a:srgbClr val="1DAB3B"/>
+                </a:solidFill>
+              </a:rPr>
+              <a:t>structure</a:t>
+            </a:r>
+            <a:r>
+              <a:rPr lang="es-ES" sz="2400" dirty="0" smtClean="0">
+                <a:solidFill>
+                  <a:srgbClr val="1DAB3B"/>
+                </a:solidFill>
+              </a:rPr>
+              <a:t> </a:t>
+            </a:r>
+            <a:r>
+              <a:rPr lang="es-ES" sz="2400" dirty="0" err="1" smtClean="0">
+                <a:solidFill>
+                  <a:srgbClr val="1DAB3B"/>
+                </a:solidFill>
+              </a:rPr>
+              <a:t>alignment</a:t>
+            </a:r>
+            <a:endParaRPr lang="en-US" sz="2400" dirty="0">
+              <a:solidFill>
+                <a:srgbClr val="1DAB3B"/>
+              </a:solidFill>
+              <a:latin typeface="Arial"/>
+              <a:cs typeface="Arial"/>
+            </a:endParaRPr>
+          </a:p>
+        </p:txBody>
+      </p:sp>
     </p:spTree>
     <p:extLst>
       <p:ext uri="{BB962C8B-B14F-4D97-AF65-F5344CB8AC3E}">
-        <p14:creationId xmlns:p14="http://schemas.microsoft.com/office/powerpoint/2010/main" val="50653697"/>
+        <p14:creationId xmlns:p14="http://schemas.microsoft.com/office/powerpoint/2010/main" val="1023308441"/>
       </p:ext>
     </p:extLst>
   </p:cSld>
@@ -7231,7 +7268,7 @@
 </p:sld>
 </file>
 
-<file path=ppt/slides/slide12.xml><?xml version="1.0" encoding="utf-8"?>
+<file path=ppt/slides/slide11.xml><?xml version="1.0" encoding="utf-8"?>
 <p:sld xmlns:a="http://schemas.openxmlformats.org/drawingml/2006/main" xmlns:r="http://schemas.openxmlformats.org/officeDocument/2006/relationships" xmlns:p="http://schemas.openxmlformats.org/presentationml/2006/main">
   <p:cSld>
     <p:spTree>
@@ -8704,7 +8741,7 @@
 </p:sld>
 </file>
 
-<file path=ppt/slides/slide13.xml><?xml version="1.0" encoding="utf-8"?>
+<file path=ppt/slides/slide12.xml><?xml version="1.0" encoding="utf-8"?>
 <p:sld xmlns:a="http://schemas.openxmlformats.org/drawingml/2006/main" xmlns:r="http://schemas.openxmlformats.org/officeDocument/2006/relationships" xmlns:p="http://schemas.openxmlformats.org/presentationml/2006/main">
   <p:cSld>
     <p:spTree>
@@ -10362,7 +10399,7 @@
 </p:sld>
 </file>
 
-<file path=ppt/slides/slide14.xml><?xml version="1.0" encoding="utf-8"?>
+<file path=ppt/slides/slide13.xml><?xml version="1.0" encoding="utf-8"?>
 <p:sld xmlns:a="http://schemas.openxmlformats.org/drawingml/2006/main" xmlns:r="http://schemas.openxmlformats.org/officeDocument/2006/relationships" xmlns:p="http://schemas.openxmlformats.org/presentationml/2006/main">
   <p:cSld>
     <p:spTree>
@@ -10461,7 +10498,7 @@
 </p:sld>
 </file>
 
-<file path=ppt/slides/slide15.xml><?xml version="1.0" encoding="utf-8"?>
+<file path=ppt/slides/slide14.xml><?xml version="1.0" encoding="utf-8"?>
 <p:sld xmlns:a="http://schemas.openxmlformats.org/drawingml/2006/main" xmlns:r="http://schemas.openxmlformats.org/officeDocument/2006/relationships" xmlns:p="http://schemas.openxmlformats.org/presentationml/2006/main">
   <p:cSld>
     <p:spTree>
@@ -10552,7 +10589,7 @@
 </p:sld>
 </file>
 
-<file path=ppt/slides/slide16.xml><?xml version="1.0" encoding="utf-8"?>
+<file path=ppt/slides/slide15.xml><?xml version="1.0" encoding="utf-8"?>
 <p:sld xmlns:a="http://schemas.openxmlformats.org/drawingml/2006/main" xmlns:r="http://schemas.openxmlformats.org/officeDocument/2006/relationships" xmlns:p="http://schemas.openxmlformats.org/presentationml/2006/main">
   <p:cSld>
     <p:spTree>
@@ -10643,7 +10680,7 @@
 </p:sld>
 </file>
 
-<file path=ppt/slides/slide17.xml><?xml version="1.0" encoding="utf-8"?>
+<file path=ppt/slides/slide16.xml><?xml version="1.0" encoding="utf-8"?>
 <p:sld xmlns:a="http://schemas.openxmlformats.org/drawingml/2006/main" xmlns:r="http://schemas.openxmlformats.org/officeDocument/2006/relationships" xmlns:p="http://schemas.openxmlformats.org/presentationml/2006/main">
   <p:cSld>
     <p:spTree>
@@ -10902,10 +10939,6 @@
               </a:rPr>
               <a:t>Identify structurally similar domains</a:t>
             </a:r>
-            <a:endParaRPr lang="en-GB" sz="1800" b="0" dirty="0">
-              <a:latin typeface="+mn-lt"/>
-              <a:cs typeface="Arial" charset="0"/>
-            </a:endParaRPr>
           </a:p>
         </p:txBody>
       </p:sp>
@@ -11206,10 +11239,6 @@
               </a:rPr>
               <a:t>Fold library (CATH)</a:t>
             </a:r>
-            <a:endParaRPr lang="en-GB" sz="1800" b="0" dirty="0">
-              <a:latin typeface="+mn-lt"/>
-              <a:cs typeface="Arial" charset="0"/>
-            </a:endParaRPr>
           </a:p>
         </p:txBody>
       </p:sp>
@@ -11444,14 +11473,7 @@
                 <a:latin typeface="+mn-lt"/>
                 <a:cs typeface="Arial" charset="0"/>
               </a:rPr>
-              <a:t>Query multi</a:t>
-            </a:r>
-            <a:r>
-              <a:rPr lang="en-GB" sz="1800" b="0" dirty="0">
-                <a:latin typeface="+mn-lt"/>
-                <a:cs typeface="Arial" charset="0"/>
-              </a:rPr>
-              <a:t>-domain structure</a:t>
+              <a:t>Query multi-domain structure</a:t>
             </a:r>
           </a:p>
         </p:txBody>
@@ -11626,7 +11648,6 @@
               <a:rPr lang="en-US" dirty="0"/>
               <a:t>Graph theory + dynamic programming</a:t>
             </a:r>
-            <a:endParaRPr lang="en-US" dirty="0"/>
           </a:p>
         </p:txBody>
       </p:sp>
@@ -11650,7 +11671,7 @@
 </p:sld>
 </file>
 
-<file path=ppt/slides/slide18.xml><?xml version="1.0" encoding="utf-8"?>
+<file path=ppt/slides/slide17.xml><?xml version="1.0" encoding="utf-8"?>
 <p:sld xmlns:a="http://schemas.openxmlformats.org/drawingml/2006/main" xmlns:r="http://schemas.openxmlformats.org/officeDocument/2006/relationships" xmlns:p="http://schemas.openxmlformats.org/presentationml/2006/main">
   <p:cSld>
     <p:spTree>
@@ -14145,7 +14166,7 @@
 </p:sld>
 </file>
 
-<file path=ppt/slides/slide19.xml><?xml version="1.0" encoding="utf-8"?>
+<file path=ppt/slides/slide18.xml><?xml version="1.0" encoding="utf-8"?>
 <p:sld xmlns:a="http://schemas.openxmlformats.org/drawingml/2006/main" xmlns:r="http://schemas.openxmlformats.org/officeDocument/2006/relationships" xmlns:p="http://schemas.openxmlformats.org/presentationml/2006/main">
   <p:cSld>
     <p:spTree>
@@ -14338,13 +14359,8 @@
             </a:pPr>
             <a:r>
               <a:rPr lang="en-GB" altLang="en-US" sz="1400" b="1" dirty="0"/>
-              <a:t>Residue </a:t>
-            </a:r>
-            <a:r>
-              <a:rPr lang="en-GB" altLang="en-US" sz="1400" b="1" dirty="0"/>
-              <a:t>based:</a:t>
-            </a:r>
-            <a:endParaRPr lang="en-GB" altLang="en-US" sz="1400" b="1" dirty="0"/>
+              <a:t>Residue based:</a:t>
+            </a:r>
           </a:p>
           <a:p>
             <a:pPr marL="0" indent="0">
@@ -14380,7 +14396,6 @@
               <a:rPr lang="en-GB" altLang="en-US" sz="1400" dirty="0"/>
               <a:t> </a:t>
             </a:r>
-            <a:endParaRPr lang="en-GB" altLang="en-US" sz="1400" dirty="0"/>
           </a:p>
           <a:p>
             <a:pPr marL="0" indent="0">
@@ -14398,15 +14413,7 @@
             </a:pPr>
             <a:r>
               <a:rPr lang="en-GB" altLang="en-US" sz="1400" dirty="0"/>
-              <a:t>DALI           	</a:t>
-            </a:r>
-            <a:r>
-              <a:rPr lang="en-GB" altLang="en-US" sz="1400" dirty="0"/>
-              <a:t>Holm </a:t>
-            </a:r>
-            <a:r>
-              <a:rPr lang="en-GB" altLang="en-US" sz="1400" dirty="0"/>
-              <a:t>and Sander            </a:t>
+              <a:t>DALI           	Holm and Sander            </a:t>
             </a:r>
           </a:p>
           <a:p>
@@ -14457,11 +14464,7 @@
             </a:r>
             <a:r>
               <a:rPr lang="en-GB" altLang="en-US" sz="1400" dirty="0"/>
-              <a:t>       	</a:t>
-            </a:r>
-            <a:r>
-              <a:rPr lang="en-GB" altLang="en-US" sz="1400" dirty="0"/>
-              <a:t>Adam </a:t>
+              <a:t>       	Adam </a:t>
             </a:r>
             <a:r>
               <a:rPr lang="en-GB" altLang="en-US" sz="1400" dirty="0" err="1"/>
@@ -14489,15 +14492,7 @@
             </a:r>
             <a:r>
               <a:rPr lang="en-GB" altLang="en-US" sz="1400" dirty="0"/>
-              <a:t>       	</a:t>
-            </a:r>
-            <a:r>
-              <a:rPr lang="en-GB" altLang="en-US" sz="1400" dirty="0"/>
-              <a:t>Levitt</a:t>
-            </a:r>
-            <a:r>
-              <a:rPr lang="en-GB" altLang="en-US" sz="1400" dirty="0"/>
-              <a:t>		</a:t>
+              <a:t>       	Levitt		</a:t>
             </a:r>
             <a:r>
               <a:rPr lang="en-GB" altLang="en-US" sz="1400" b="1" dirty="0"/>
@@ -15054,7 +15049,6 @@
               <a:rPr lang="en-GB" altLang="en-US" sz="1400" b="1" dirty="0"/>
               <a:t>PDB</a:t>
             </a:r>
-            <a:endParaRPr lang="en-GB" altLang="en-US" sz="1400" b="1" dirty="0"/>
           </a:p>
         </p:txBody>
       </p:sp>
@@ -15245,1060 +15239,6 @@
 </file>
 
 <file path=ppt/slides/slide2.xml><?xml version="1.0" encoding="utf-8"?>
-<p:sld xmlns:a="http://schemas.openxmlformats.org/drawingml/2006/main" xmlns:r="http://schemas.openxmlformats.org/officeDocument/2006/relationships" xmlns:p="http://schemas.openxmlformats.org/presentationml/2006/main">
-  <p:cSld>
-    <p:spTree>
-      <p:nvGrpSpPr>
-        <p:cNvPr id="1" name=""/>
-        <p:cNvGrpSpPr/>
-        <p:nvPr/>
-      </p:nvGrpSpPr>
-      <p:grpSpPr>
-        <a:xfrm>
-          <a:off x="0" y="0"/>
-          <a:ext cx="0" cy="0"/>
-          <a:chOff x="0" y="0"/>
-          <a:chExt cx="0" cy="0"/>
-        </a:xfrm>
-      </p:grpSpPr>
-      <p:graphicFrame>
-        <p:nvGraphicFramePr>
-          <p:cNvPr id="4" name="Marcador de contenido 3"/>
-          <p:cNvGraphicFramePr>
-            <a:graphicFrameLocks noGrp="1"/>
-          </p:cNvGraphicFramePr>
-          <p:nvPr>
-            <p:ph idx="1"/>
-            <p:extLst>
-              <p:ext uri="{D42A27DB-BD31-4B8C-83A1-F6EECF244321}">
-                <p14:modId xmlns:p14="http://schemas.microsoft.com/office/powerpoint/2010/main" val="1890259509"/>
-              </p:ext>
-            </p:extLst>
-          </p:nvPr>
-        </p:nvGraphicFramePr>
-        <p:xfrm>
-          <a:off x="457200" y="1076510"/>
-          <a:ext cx="6128615" cy="3017520"/>
-        </p:xfrm>
-        <a:graphic>
-          <a:graphicData uri="http://schemas.openxmlformats.org/drawingml/2006/table">
-            <a:tbl>
-              <a:tblPr firstRow="1" bandRow="1">
-                <a:tableStyleId>{2D5ABB26-0587-4C30-8999-92F81FD0307C}</a:tableStyleId>
-              </a:tblPr>
-              <a:tblGrid>
-                <a:gridCol w="4791223"/>
-                <a:gridCol w="1337392"/>
-              </a:tblGrid>
-              <a:tr h="328640">
-                <a:tc>
-                  <a:txBody>
-                    <a:bodyPr/>
-                    <a:lstStyle/>
-                    <a:p>
-                      <a:r>
-                        <a:rPr lang="es-ES" sz="2400" dirty="0" smtClean="0"/>
-                        <a:t>Basic </a:t>
-                      </a:r>
-                      <a:r>
-                        <a:rPr lang="es-ES" sz="2400" dirty="0" err="1" smtClean="0"/>
-                        <a:t>concepts</a:t>
-                      </a:r>
-                      <a:endParaRPr lang="es-ES" sz="2400" dirty="0"/>
-                    </a:p>
-                  </a:txBody>
-                  <a:tcPr>
-                    <a:lnL w="12700" cap="flat" cmpd="sng" algn="ctr">
-                      <a:solidFill>
-                        <a:scrgbClr r="0" g="0" b="0"/>
-                      </a:solidFill>
-                      <a:prstDash val="solid"/>
-                      <a:round/>
-                      <a:headEnd type="none" w="med" len="med"/>
-                      <a:tailEnd type="none" w="med" len="med"/>
-                    </a:lnL>
-                    <a:lnR w="12700" cap="flat" cmpd="sng" algn="ctr">
-                      <a:noFill/>
-                      <a:prstDash val="solid"/>
-                      <a:round/>
-                      <a:headEnd type="none" w="med" len="med"/>
-                      <a:tailEnd type="none" w="med" len="med"/>
-                    </a:lnR>
-                    <a:lnT w="12700" cap="flat" cmpd="sng" algn="ctr">
-                      <a:solidFill>
-                        <a:scrgbClr r="0" g="0" b="0"/>
-                      </a:solidFill>
-                      <a:prstDash val="solid"/>
-                      <a:round/>
-                      <a:headEnd type="none" w="med" len="med"/>
-                      <a:tailEnd type="none" w="med" len="med"/>
-                    </a:lnT>
-                    <a:lnB w="12700" cap="flat" cmpd="sng" algn="ctr">
-                      <a:noFill/>
-                      <a:prstDash val="solid"/>
-                      <a:round/>
-                      <a:headEnd type="none" w="med" len="med"/>
-                      <a:tailEnd type="none" w="med" len="med"/>
-                    </a:lnB>
-                    <a:lnTlToBr w="12700" cmpd="sng">
-                      <a:noFill/>
-                      <a:prstDash val="solid"/>
-                    </a:lnTlToBr>
-                    <a:lnBlToTr w="12700" cmpd="sng">
-                      <a:noFill/>
-                      <a:prstDash val="solid"/>
-                    </a:lnBlToTr>
-                  </a:tcPr>
-                </a:tc>
-                <a:tc>
-                  <a:txBody>
-                    <a:bodyPr/>
-                    <a:lstStyle/>
-                    <a:p>
-                      <a:r>
-                        <a:rPr lang="es-ES" sz="2400" dirty="0" smtClean="0"/>
-                        <a:t>10 </a:t>
-                      </a:r>
-                      <a:r>
-                        <a:rPr lang="es-ES" sz="2400" dirty="0" smtClean="0"/>
-                        <a:t>min</a:t>
-                      </a:r>
-                      <a:endParaRPr lang="es-ES" sz="2400" dirty="0"/>
-                    </a:p>
-                  </a:txBody>
-                  <a:tcPr>
-                    <a:lnL w="12700" cap="flat" cmpd="sng" algn="ctr">
-                      <a:noFill/>
-                      <a:prstDash val="solid"/>
-                      <a:round/>
-                      <a:headEnd type="none" w="med" len="med"/>
-                      <a:tailEnd type="none" w="med" len="med"/>
-                    </a:lnL>
-                    <a:lnR w="12700" cap="flat" cmpd="sng" algn="ctr">
-                      <a:solidFill>
-                        <a:scrgbClr r="0" g="0" b="0"/>
-                      </a:solidFill>
-                      <a:prstDash val="solid"/>
-                      <a:round/>
-                      <a:headEnd type="none" w="med" len="med"/>
-                      <a:tailEnd type="none" w="med" len="med"/>
-                    </a:lnR>
-                    <a:lnT w="12700" cap="flat" cmpd="sng" algn="ctr">
-                      <a:solidFill>
-                        <a:scrgbClr r="0" g="0" b="0"/>
-                      </a:solidFill>
-                      <a:prstDash val="solid"/>
-                      <a:round/>
-                      <a:headEnd type="none" w="med" len="med"/>
-                      <a:tailEnd type="none" w="med" len="med"/>
-                    </a:lnT>
-                    <a:lnB w="12700" cap="flat" cmpd="sng" algn="ctr">
-                      <a:noFill/>
-                      <a:prstDash val="solid"/>
-                      <a:round/>
-                      <a:headEnd type="none" w="med" len="med"/>
-                      <a:tailEnd type="none" w="med" len="med"/>
-                    </a:lnB>
-                    <a:lnTlToBr w="12700" cmpd="sng">
-                      <a:noFill/>
-                      <a:prstDash val="solid"/>
-                    </a:lnTlToBr>
-                    <a:lnBlToTr w="12700" cmpd="sng">
-                      <a:noFill/>
-                      <a:prstDash val="solid"/>
-                    </a:lnBlToTr>
-                  </a:tcPr>
-                </a:tc>
-              </a:tr>
-              <a:tr h="328640">
-                <a:tc>
-                  <a:txBody>
-                    <a:bodyPr/>
-                    <a:lstStyle/>
-                    <a:p>
-                      <a:r>
-                        <a:rPr lang="es-ES" sz="1800" dirty="0" smtClean="0"/>
-                        <a:t>- </a:t>
-                      </a:r>
-                      <a:r>
-                        <a:rPr lang="es-ES" sz="1800" dirty="0" err="1" smtClean="0"/>
-                        <a:t>Overview</a:t>
-                      </a:r>
-                      <a:r>
-                        <a:rPr lang="es-ES" sz="1800" dirty="0" smtClean="0"/>
-                        <a:t> of </a:t>
-                      </a:r>
-                      <a:r>
-                        <a:rPr lang="es-ES" sz="1800" dirty="0" err="1" smtClean="0"/>
-                        <a:t>the</a:t>
-                      </a:r>
-                      <a:r>
-                        <a:rPr lang="es-ES" sz="1800" dirty="0" smtClean="0"/>
-                        <a:t> </a:t>
-                      </a:r>
-                      <a:r>
-                        <a:rPr lang="es-ES" sz="1800" dirty="0" err="1" smtClean="0"/>
-                        <a:t>algorithms</a:t>
-                      </a:r>
-                      <a:endParaRPr lang="es-ES" sz="1800" dirty="0"/>
-                    </a:p>
-                  </a:txBody>
-                  <a:tcPr>
-                    <a:lnL w="12700" cap="flat" cmpd="sng" algn="ctr">
-                      <a:solidFill>
-                        <a:scrgbClr r="0" g="0" b="0"/>
-                      </a:solidFill>
-                      <a:prstDash val="solid"/>
-                      <a:round/>
-                      <a:headEnd type="none" w="med" len="med"/>
-                      <a:tailEnd type="none" w="med" len="med"/>
-                    </a:lnL>
-                    <a:lnR w="12700" cap="flat" cmpd="sng" algn="ctr">
-                      <a:noFill/>
-                      <a:prstDash val="solid"/>
-                      <a:round/>
-                      <a:headEnd type="none" w="med" len="med"/>
-                      <a:tailEnd type="none" w="med" len="med"/>
-                    </a:lnR>
-                    <a:lnT w="12700" cap="flat" cmpd="sng" algn="ctr">
-                      <a:noFill/>
-                      <a:prstDash val="solid"/>
-                      <a:round/>
-                      <a:headEnd type="none" w="med" len="med"/>
-                      <a:tailEnd type="none" w="med" len="med"/>
-                    </a:lnT>
-                    <a:lnB w="12700" cap="flat" cmpd="sng" algn="ctr">
-                      <a:noFill/>
-                      <a:prstDash val="solid"/>
-                      <a:round/>
-                      <a:headEnd type="none" w="med" len="med"/>
-                      <a:tailEnd type="none" w="med" len="med"/>
-                    </a:lnB>
-                    <a:lnTlToBr w="12700" cmpd="sng">
-                      <a:noFill/>
-                      <a:prstDash val="solid"/>
-                    </a:lnTlToBr>
-                    <a:lnBlToTr w="12700" cmpd="sng">
-                      <a:noFill/>
-                      <a:prstDash val="solid"/>
-                    </a:lnBlToTr>
-                  </a:tcPr>
-                </a:tc>
-                <a:tc>
-                  <a:txBody>
-                    <a:bodyPr/>
-                    <a:lstStyle/>
-                    <a:p>
-                      <a:endParaRPr lang="es-ES" sz="2400" dirty="0"/>
-                    </a:p>
-                  </a:txBody>
-                  <a:tcPr>
-                    <a:lnL w="12700" cap="flat" cmpd="sng" algn="ctr">
-                      <a:noFill/>
-                      <a:prstDash val="solid"/>
-                      <a:round/>
-                      <a:headEnd type="none" w="med" len="med"/>
-                      <a:tailEnd type="none" w="med" len="med"/>
-                    </a:lnL>
-                    <a:lnR w="12700" cap="flat" cmpd="sng" algn="ctr">
-                      <a:solidFill>
-                        <a:scrgbClr r="0" g="0" b="0"/>
-                      </a:solidFill>
-                      <a:prstDash val="solid"/>
-                      <a:round/>
-                      <a:headEnd type="none" w="med" len="med"/>
-                      <a:tailEnd type="none" w="med" len="med"/>
-                    </a:lnR>
-                    <a:lnT w="12700" cap="flat" cmpd="sng" algn="ctr">
-                      <a:noFill/>
-                      <a:prstDash val="solid"/>
-                      <a:round/>
-                      <a:headEnd type="none" w="med" len="med"/>
-                      <a:tailEnd type="none" w="med" len="med"/>
-                    </a:lnT>
-                    <a:lnB w="12700" cap="flat" cmpd="sng" algn="ctr">
-                      <a:noFill/>
-                      <a:prstDash val="solid"/>
-                      <a:round/>
-                      <a:headEnd type="none" w="med" len="med"/>
-                      <a:tailEnd type="none" w="med" len="med"/>
-                    </a:lnB>
-                    <a:lnTlToBr w="12700" cmpd="sng">
-                      <a:noFill/>
-                      <a:prstDash val="solid"/>
-                    </a:lnTlToBr>
-                    <a:lnBlToTr w="12700" cmpd="sng">
-                      <a:noFill/>
-                      <a:prstDash val="solid"/>
-                    </a:lnBlToTr>
-                  </a:tcPr>
-                </a:tc>
-              </a:tr>
-              <a:tr h="328640">
-                <a:tc>
-                  <a:txBody>
-                    <a:bodyPr/>
-                    <a:lstStyle/>
-                    <a:p>
-                      <a:r>
-                        <a:rPr lang="es-ES" sz="1800" dirty="0" smtClean="0"/>
-                        <a:t>- </a:t>
-                      </a:r>
-                      <a:r>
-                        <a:rPr lang="es-ES" sz="1800" dirty="0" err="1" smtClean="0"/>
-                        <a:t>Scoring</a:t>
-                      </a:r>
-                      <a:r>
-                        <a:rPr lang="es-ES" sz="1800" dirty="0" smtClean="0"/>
-                        <a:t> </a:t>
-                      </a:r>
-                      <a:r>
-                        <a:rPr lang="es-ES" sz="1800" dirty="0" err="1" smtClean="0"/>
-                        <a:t>systems</a:t>
-                      </a:r>
-                      <a:endParaRPr lang="es-ES" sz="1800" dirty="0"/>
-                    </a:p>
-                  </a:txBody>
-                  <a:tcPr>
-                    <a:lnL w="12700" cap="flat" cmpd="sng" algn="ctr">
-                      <a:solidFill>
-                        <a:scrgbClr r="0" g="0" b="0"/>
-                      </a:solidFill>
-                      <a:prstDash val="solid"/>
-                      <a:round/>
-                      <a:headEnd type="none" w="med" len="med"/>
-                      <a:tailEnd type="none" w="med" len="med"/>
-                    </a:lnL>
-                    <a:lnR w="12700" cap="flat" cmpd="sng" algn="ctr">
-                      <a:noFill/>
-                      <a:prstDash val="solid"/>
-                      <a:round/>
-                      <a:headEnd type="none" w="med" len="med"/>
-                      <a:tailEnd type="none" w="med" len="med"/>
-                    </a:lnR>
-                    <a:lnT w="12700" cap="flat" cmpd="sng" algn="ctr">
-                      <a:noFill/>
-                      <a:prstDash val="solid"/>
-                      <a:round/>
-                      <a:headEnd type="none" w="med" len="med"/>
-                      <a:tailEnd type="none" w="med" len="med"/>
-                    </a:lnT>
-                    <a:lnB w="12700" cap="flat" cmpd="sng" algn="ctr">
-                      <a:noFill/>
-                      <a:prstDash val="solid"/>
-                      <a:round/>
-                      <a:headEnd type="none" w="med" len="med"/>
-                      <a:tailEnd type="none" w="med" len="med"/>
-                    </a:lnB>
-                    <a:lnTlToBr w="12700" cmpd="sng">
-                      <a:noFill/>
-                      <a:prstDash val="solid"/>
-                    </a:lnTlToBr>
-                    <a:lnBlToTr w="12700" cmpd="sng">
-                      <a:noFill/>
-                      <a:prstDash val="solid"/>
-                    </a:lnBlToTr>
-                  </a:tcPr>
-                </a:tc>
-                <a:tc>
-                  <a:txBody>
-                    <a:bodyPr/>
-                    <a:lstStyle/>
-                    <a:p>
-                      <a:endParaRPr lang="es-ES" sz="2400" dirty="0"/>
-                    </a:p>
-                  </a:txBody>
-                  <a:tcPr>
-                    <a:lnL w="12700" cap="flat" cmpd="sng" algn="ctr">
-                      <a:noFill/>
-                      <a:prstDash val="solid"/>
-                      <a:round/>
-                      <a:headEnd type="none" w="med" len="med"/>
-                      <a:tailEnd type="none" w="med" len="med"/>
-                    </a:lnL>
-                    <a:lnR w="12700" cap="flat" cmpd="sng" algn="ctr">
-                      <a:solidFill>
-                        <a:scrgbClr r="0" g="0" b="0"/>
-                      </a:solidFill>
-                      <a:prstDash val="solid"/>
-                      <a:round/>
-                      <a:headEnd type="none" w="med" len="med"/>
-                      <a:tailEnd type="none" w="med" len="med"/>
-                    </a:lnR>
-                    <a:lnT w="12700" cap="flat" cmpd="sng" algn="ctr">
-                      <a:noFill/>
-                      <a:prstDash val="solid"/>
-                      <a:round/>
-                      <a:headEnd type="none" w="med" len="med"/>
-                      <a:tailEnd type="none" w="med" len="med"/>
-                    </a:lnT>
-                    <a:lnB w="12700" cap="flat" cmpd="sng" algn="ctr">
-                      <a:noFill/>
-                      <a:prstDash val="solid"/>
-                      <a:round/>
-                      <a:headEnd type="none" w="med" len="med"/>
-                      <a:tailEnd type="none" w="med" len="med"/>
-                    </a:lnB>
-                    <a:lnTlToBr w="12700" cmpd="sng">
-                      <a:noFill/>
-                      <a:prstDash val="solid"/>
-                    </a:lnTlToBr>
-                    <a:lnBlToTr w="12700" cmpd="sng">
-                      <a:noFill/>
-                      <a:prstDash val="solid"/>
-                    </a:lnBlToTr>
-                  </a:tcPr>
-                </a:tc>
-              </a:tr>
-              <a:tr h="328640">
-                <a:tc>
-                  <a:txBody>
-                    <a:bodyPr/>
-                    <a:lstStyle/>
-                    <a:p>
-                      <a:r>
-                        <a:rPr lang="es-ES" sz="2400" dirty="0" err="1" smtClean="0"/>
-                        <a:t>Structural</a:t>
-                      </a:r>
-                      <a:r>
-                        <a:rPr lang="es-ES" sz="2400" baseline="0" dirty="0" smtClean="0"/>
-                        <a:t> </a:t>
-                      </a:r>
-                      <a:r>
-                        <a:rPr lang="es-ES" sz="2400" baseline="0" dirty="0" err="1" smtClean="0"/>
-                        <a:t>alignment</a:t>
-                      </a:r>
-                      <a:endParaRPr lang="es-ES" sz="2400" dirty="0"/>
-                    </a:p>
-                  </a:txBody>
-                  <a:tcPr>
-                    <a:lnL w="12700" cap="flat" cmpd="sng" algn="ctr">
-                      <a:solidFill>
-                        <a:scrgbClr r="0" g="0" b="0"/>
-                      </a:solidFill>
-                      <a:prstDash val="solid"/>
-                      <a:round/>
-                      <a:headEnd type="none" w="med" len="med"/>
-                      <a:tailEnd type="none" w="med" len="med"/>
-                    </a:lnL>
-                    <a:lnR w="12700" cap="flat" cmpd="sng" algn="ctr">
-                      <a:noFill/>
-                      <a:prstDash val="solid"/>
-                      <a:round/>
-                      <a:headEnd type="none" w="med" len="med"/>
-                      <a:tailEnd type="none" w="med" len="med"/>
-                    </a:lnR>
-                    <a:lnT w="12700" cap="flat" cmpd="sng" algn="ctr">
-                      <a:noFill/>
-                      <a:prstDash val="solid"/>
-                      <a:round/>
-                      <a:headEnd type="none" w="med" len="med"/>
-                      <a:tailEnd type="none" w="med" len="med"/>
-                    </a:lnT>
-                    <a:lnB w="12700" cap="flat" cmpd="sng" algn="ctr">
-                      <a:noFill/>
-                      <a:prstDash val="solid"/>
-                      <a:round/>
-                      <a:headEnd type="none" w="med" len="med"/>
-                      <a:tailEnd type="none" w="med" len="med"/>
-                    </a:lnB>
-                    <a:lnTlToBr w="12700" cmpd="sng">
-                      <a:noFill/>
-                      <a:prstDash val="solid"/>
-                    </a:lnTlToBr>
-                    <a:lnBlToTr w="12700" cmpd="sng">
-                      <a:noFill/>
-                      <a:prstDash val="solid"/>
-                    </a:lnBlToTr>
-                  </a:tcPr>
-                </a:tc>
-                <a:tc>
-                  <a:txBody>
-                    <a:bodyPr/>
-                    <a:lstStyle/>
-                    <a:p>
-                      <a:r>
-                        <a:rPr lang="es-ES" sz="2400" baseline="0" dirty="0" smtClean="0"/>
-                        <a:t>15 </a:t>
-                      </a:r>
-                      <a:r>
-                        <a:rPr lang="es-ES" sz="2400" baseline="0" dirty="0" smtClean="0"/>
-                        <a:t>min</a:t>
-                      </a:r>
-                      <a:endParaRPr lang="es-ES" sz="2400" dirty="0"/>
-                    </a:p>
-                  </a:txBody>
-                  <a:tcPr>
-                    <a:lnL w="12700" cap="flat" cmpd="sng" algn="ctr">
-                      <a:noFill/>
-                      <a:prstDash val="solid"/>
-                      <a:round/>
-                      <a:headEnd type="none" w="med" len="med"/>
-                      <a:tailEnd type="none" w="med" len="med"/>
-                    </a:lnL>
-                    <a:lnR w="12700" cap="flat" cmpd="sng" algn="ctr">
-                      <a:solidFill>
-                        <a:scrgbClr r="0" g="0" b="0"/>
-                      </a:solidFill>
-                      <a:prstDash val="solid"/>
-                      <a:round/>
-                      <a:headEnd type="none" w="med" len="med"/>
-                      <a:tailEnd type="none" w="med" len="med"/>
-                    </a:lnR>
-                    <a:lnT w="12700" cap="flat" cmpd="sng" algn="ctr">
-                      <a:noFill/>
-                      <a:prstDash val="solid"/>
-                      <a:round/>
-                      <a:headEnd type="none" w="med" len="med"/>
-                      <a:tailEnd type="none" w="med" len="med"/>
-                    </a:lnT>
-                    <a:lnB w="12700" cap="flat" cmpd="sng" algn="ctr">
-                      <a:noFill/>
-                      <a:prstDash val="solid"/>
-                      <a:round/>
-                      <a:headEnd type="none" w="med" len="med"/>
-                      <a:tailEnd type="none" w="med" len="med"/>
-                    </a:lnB>
-                    <a:lnTlToBr w="12700" cmpd="sng">
-                      <a:noFill/>
-                      <a:prstDash val="solid"/>
-                    </a:lnTlToBr>
-                    <a:lnBlToTr w="12700" cmpd="sng">
-                      <a:noFill/>
-                      <a:prstDash val="solid"/>
-                    </a:lnBlToTr>
-                  </a:tcPr>
-                </a:tc>
-              </a:tr>
-              <a:tr h="262912">
-                <a:tc>
-                  <a:txBody>
-                    <a:bodyPr/>
-                    <a:lstStyle/>
-                    <a:p>
-                      <a:r>
-                        <a:rPr lang="es-ES" sz="1800" dirty="0" smtClean="0"/>
-                        <a:t>- </a:t>
-                      </a:r>
-                      <a:r>
-                        <a:rPr lang="es-ES" sz="1800" dirty="0" err="1" smtClean="0"/>
-                        <a:t>Sequence</a:t>
-                      </a:r>
-                      <a:r>
-                        <a:rPr lang="es-ES" sz="1800" dirty="0" smtClean="0"/>
-                        <a:t> </a:t>
-                      </a:r>
-                      <a:r>
-                        <a:rPr lang="es-ES" sz="1800" dirty="0" err="1" smtClean="0"/>
-                        <a:t>similarity</a:t>
-                      </a:r>
-                      <a:r>
-                        <a:rPr lang="es-ES" sz="1800" dirty="0" smtClean="0"/>
-                        <a:t> </a:t>
-                      </a:r>
-                      <a:r>
-                        <a:rPr lang="es-ES" sz="1800" dirty="0" err="1" smtClean="0"/>
-                        <a:t>searching</a:t>
-                      </a:r>
-                      <a:endParaRPr lang="es-ES" sz="1800" dirty="0"/>
-                    </a:p>
-                  </a:txBody>
-                  <a:tcPr>
-                    <a:lnL w="12700" cap="flat" cmpd="sng" algn="ctr">
-                      <a:solidFill>
-                        <a:scrgbClr r="0" g="0" b="0"/>
-                      </a:solidFill>
-                      <a:prstDash val="solid"/>
-                      <a:round/>
-                      <a:headEnd type="none" w="med" len="med"/>
-                      <a:tailEnd type="none" w="med" len="med"/>
-                    </a:lnL>
-                    <a:lnR w="12700" cap="flat" cmpd="sng" algn="ctr">
-                      <a:noFill/>
-                      <a:prstDash val="solid"/>
-                      <a:round/>
-                      <a:headEnd type="none" w="med" len="med"/>
-                      <a:tailEnd type="none" w="med" len="med"/>
-                    </a:lnR>
-                    <a:lnT w="12700" cap="flat" cmpd="sng" algn="ctr">
-                      <a:noFill/>
-                      <a:prstDash val="solid"/>
-                      <a:round/>
-                      <a:headEnd type="none" w="med" len="med"/>
-                      <a:tailEnd type="none" w="med" len="med"/>
-                    </a:lnT>
-                    <a:lnB w="12700" cap="flat" cmpd="sng" algn="ctr">
-                      <a:noFill/>
-                      <a:prstDash val="solid"/>
-                      <a:round/>
-                      <a:headEnd type="none" w="med" len="med"/>
-                      <a:tailEnd type="none" w="med" len="med"/>
-                    </a:lnB>
-                    <a:lnTlToBr w="12700" cmpd="sng">
-                      <a:noFill/>
-                      <a:prstDash val="solid"/>
-                    </a:lnTlToBr>
-                    <a:lnBlToTr w="12700" cmpd="sng">
-                      <a:noFill/>
-                      <a:prstDash val="solid"/>
-                    </a:lnBlToTr>
-                  </a:tcPr>
-                </a:tc>
-                <a:tc>
-                  <a:txBody>
-                    <a:bodyPr/>
-                    <a:lstStyle/>
-                    <a:p>
-                      <a:endParaRPr lang="es-ES" sz="1800"/>
-                    </a:p>
-                  </a:txBody>
-                  <a:tcPr>
-                    <a:lnL w="12700" cap="flat" cmpd="sng" algn="ctr">
-                      <a:noFill/>
-                      <a:prstDash val="solid"/>
-                      <a:round/>
-                      <a:headEnd type="none" w="med" len="med"/>
-                      <a:tailEnd type="none" w="med" len="med"/>
-                    </a:lnL>
-                    <a:lnR w="12700" cap="flat" cmpd="sng" algn="ctr">
-                      <a:solidFill>
-                        <a:scrgbClr r="0" g="0" b="0"/>
-                      </a:solidFill>
-                      <a:prstDash val="solid"/>
-                      <a:round/>
-                      <a:headEnd type="none" w="med" len="med"/>
-                      <a:tailEnd type="none" w="med" len="med"/>
-                    </a:lnR>
-                    <a:lnT w="12700" cap="flat" cmpd="sng" algn="ctr">
-                      <a:noFill/>
-                      <a:prstDash val="solid"/>
-                      <a:round/>
-                      <a:headEnd type="none" w="med" len="med"/>
-                      <a:tailEnd type="none" w="med" len="med"/>
-                    </a:lnT>
-                    <a:lnB w="12700" cap="flat" cmpd="sng" algn="ctr">
-                      <a:noFill/>
-                      <a:prstDash val="solid"/>
-                      <a:round/>
-                      <a:headEnd type="none" w="med" len="med"/>
-                      <a:tailEnd type="none" w="med" len="med"/>
-                    </a:lnB>
-                    <a:lnTlToBr w="12700" cmpd="sng">
-                      <a:noFill/>
-                      <a:prstDash val="solid"/>
-                    </a:lnTlToBr>
-                    <a:lnBlToTr w="12700" cmpd="sng">
-                      <a:noFill/>
-                      <a:prstDash val="solid"/>
-                    </a:lnBlToTr>
-                  </a:tcPr>
-                </a:tc>
-              </a:tr>
-              <a:tr h="262912">
-                <a:tc>
-                  <a:txBody>
-                    <a:bodyPr/>
-                    <a:lstStyle/>
-                    <a:p>
-                      <a:r>
-                        <a:rPr lang="es-ES" sz="1800" dirty="0" smtClean="0"/>
-                        <a:t>- </a:t>
-                      </a:r>
-                      <a:r>
-                        <a:rPr lang="es-ES" sz="1800" dirty="0" err="1" smtClean="0"/>
-                        <a:t>Structure</a:t>
-                      </a:r>
-                      <a:r>
-                        <a:rPr lang="es-ES" sz="1800" dirty="0" smtClean="0"/>
-                        <a:t> </a:t>
-                      </a:r>
-                      <a:r>
-                        <a:rPr lang="es-ES" sz="1800" dirty="0" err="1" smtClean="0"/>
-                        <a:t>similarity</a:t>
-                      </a:r>
-                      <a:r>
-                        <a:rPr lang="es-ES" sz="1800" dirty="0" smtClean="0"/>
-                        <a:t> </a:t>
-                      </a:r>
-                      <a:r>
-                        <a:rPr lang="es-ES" sz="1800" dirty="0" err="1" smtClean="0"/>
-                        <a:t>searching</a:t>
-                      </a:r>
-                      <a:r>
-                        <a:rPr lang="es-ES" sz="1800" dirty="0" smtClean="0"/>
-                        <a:t> +</a:t>
-                      </a:r>
-                      <a:r>
-                        <a:rPr lang="es-ES" sz="1800" baseline="0" dirty="0" smtClean="0"/>
-                        <a:t> </a:t>
-                      </a:r>
-                      <a:r>
-                        <a:rPr lang="es-ES" sz="1800" baseline="0" dirty="0" err="1" smtClean="0"/>
-                        <a:t>validation</a:t>
-                      </a:r>
-                      <a:endParaRPr lang="es-ES" sz="1800" dirty="0"/>
-                    </a:p>
-                  </a:txBody>
-                  <a:tcPr>
-                    <a:lnL w="12700" cap="flat" cmpd="sng" algn="ctr">
-                      <a:solidFill>
-                        <a:scrgbClr r="0" g="0" b="0"/>
-                      </a:solidFill>
-                      <a:prstDash val="solid"/>
-                      <a:round/>
-                      <a:headEnd type="none" w="med" len="med"/>
-                      <a:tailEnd type="none" w="med" len="med"/>
-                    </a:lnL>
-                    <a:lnR w="12700" cap="flat" cmpd="sng" algn="ctr">
-                      <a:noFill/>
-                      <a:prstDash val="solid"/>
-                      <a:round/>
-                      <a:headEnd type="none" w="med" len="med"/>
-                      <a:tailEnd type="none" w="med" len="med"/>
-                    </a:lnR>
-                    <a:lnT w="12700" cap="flat" cmpd="sng" algn="ctr">
-                      <a:noFill/>
-                      <a:prstDash val="solid"/>
-                      <a:round/>
-                      <a:headEnd type="none" w="med" len="med"/>
-                      <a:tailEnd type="none" w="med" len="med"/>
-                    </a:lnT>
-                    <a:lnB w="12700" cap="flat" cmpd="sng" algn="ctr">
-                      <a:noFill/>
-                      <a:prstDash val="solid"/>
-                      <a:round/>
-                      <a:headEnd type="none" w="med" len="med"/>
-                      <a:tailEnd type="none" w="med" len="med"/>
-                    </a:lnB>
-                    <a:lnTlToBr w="12700" cmpd="sng">
-                      <a:noFill/>
-                      <a:prstDash val="solid"/>
-                    </a:lnTlToBr>
-                    <a:lnBlToTr w="12700" cmpd="sng">
-                      <a:noFill/>
-                      <a:prstDash val="solid"/>
-                    </a:lnBlToTr>
-                  </a:tcPr>
-                </a:tc>
-                <a:tc>
-                  <a:txBody>
-                    <a:bodyPr/>
-                    <a:lstStyle/>
-                    <a:p>
-                      <a:endParaRPr lang="es-ES" sz="1800" dirty="0"/>
-                    </a:p>
-                  </a:txBody>
-                  <a:tcPr>
-                    <a:lnL w="12700" cap="flat" cmpd="sng" algn="ctr">
-                      <a:noFill/>
-                      <a:prstDash val="solid"/>
-                      <a:round/>
-                      <a:headEnd type="none" w="med" len="med"/>
-                      <a:tailEnd type="none" w="med" len="med"/>
-                    </a:lnL>
-                    <a:lnR w="12700" cap="flat" cmpd="sng" algn="ctr">
-                      <a:solidFill>
-                        <a:scrgbClr r="0" g="0" b="0"/>
-                      </a:solidFill>
-                      <a:prstDash val="solid"/>
-                      <a:round/>
-                      <a:headEnd type="none" w="med" len="med"/>
-                      <a:tailEnd type="none" w="med" len="med"/>
-                    </a:lnR>
-                    <a:lnT w="12700" cap="flat" cmpd="sng" algn="ctr">
-                      <a:noFill/>
-                      <a:prstDash val="solid"/>
-                      <a:round/>
-                      <a:headEnd type="none" w="med" len="med"/>
-                      <a:tailEnd type="none" w="med" len="med"/>
-                    </a:lnT>
-                    <a:lnB w="12700" cap="flat" cmpd="sng" algn="ctr">
-                      <a:noFill/>
-                      <a:prstDash val="solid"/>
-                      <a:round/>
-                      <a:headEnd type="none" w="med" len="med"/>
-                      <a:tailEnd type="none" w="med" len="med"/>
-                    </a:lnB>
-                    <a:lnTlToBr w="12700" cmpd="sng">
-                      <a:noFill/>
-                      <a:prstDash val="solid"/>
-                    </a:lnTlToBr>
-                    <a:lnBlToTr w="12700" cmpd="sng">
-                      <a:noFill/>
-                      <a:prstDash val="solid"/>
-                    </a:lnBlToTr>
-                  </a:tcPr>
-                </a:tc>
-              </a:tr>
-              <a:tr h="328640">
-                <a:tc>
-                  <a:txBody>
-                    <a:bodyPr/>
-                    <a:lstStyle/>
-                    <a:p>
-                      <a:r>
-                        <a:rPr lang="es-ES" sz="2400" dirty="0" smtClean="0"/>
-                        <a:t>Q&amp;A</a:t>
-                      </a:r>
-                      <a:endParaRPr lang="es-ES" sz="2400" dirty="0"/>
-                    </a:p>
-                  </a:txBody>
-                  <a:tcPr>
-                    <a:lnL w="12700" cap="flat" cmpd="sng" algn="ctr">
-                      <a:solidFill>
-                        <a:scrgbClr r="0" g="0" b="0"/>
-                      </a:solidFill>
-                      <a:prstDash val="solid"/>
-                      <a:round/>
-                      <a:headEnd type="none" w="med" len="med"/>
-                      <a:tailEnd type="none" w="med" len="med"/>
-                    </a:lnL>
-                    <a:lnR w="12700" cap="flat" cmpd="sng" algn="ctr">
-                      <a:noFill/>
-                      <a:prstDash val="solid"/>
-                      <a:round/>
-                      <a:headEnd type="none" w="med" len="med"/>
-                      <a:tailEnd type="none" w="med" len="med"/>
-                    </a:lnR>
-                    <a:lnT w="12700" cap="flat" cmpd="sng" algn="ctr">
-                      <a:noFill/>
-                      <a:prstDash val="solid"/>
-                      <a:round/>
-                      <a:headEnd type="none" w="med" len="med"/>
-                      <a:tailEnd type="none" w="med" len="med"/>
-                    </a:lnT>
-                    <a:lnB w="12700" cap="flat" cmpd="sng" algn="ctr">
-                      <a:solidFill>
-                        <a:scrgbClr r="0" g="0" b="0"/>
-                      </a:solidFill>
-                      <a:prstDash val="solid"/>
-                      <a:round/>
-                      <a:headEnd type="none" w="med" len="med"/>
-                      <a:tailEnd type="none" w="med" len="med"/>
-                    </a:lnB>
-                    <a:lnTlToBr w="12700" cmpd="sng">
-                      <a:noFill/>
-                      <a:prstDash val="solid"/>
-                    </a:lnTlToBr>
-                    <a:lnBlToTr w="12700" cmpd="sng">
-                      <a:noFill/>
-                      <a:prstDash val="solid"/>
-                    </a:lnBlToTr>
-                  </a:tcPr>
-                </a:tc>
-                <a:tc>
-                  <a:txBody>
-                    <a:bodyPr/>
-                    <a:lstStyle/>
-                    <a:p>
-                      <a:r>
-                        <a:rPr lang="es-ES" sz="2400" dirty="0" smtClean="0"/>
-                        <a:t>5 min</a:t>
-                      </a:r>
-                      <a:endParaRPr lang="es-ES" sz="2400" dirty="0"/>
-                    </a:p>
-                  </a:txBody>
-                  <a:tcPr>
-                    <a:lnL w="12700" cap="flat" cmpd="sng" algn="ctr">
-                      <a:noFill/>
-                      <a:prstDash val="solid"/>
-                      <a:round/>
-                      <a:headEnd type="none" w="med" len="med"/>
-                      <a:tailEnd type="none" w="med" len="med"/>
-                    </a:lnL>
-                    <a:lnR w="12700" cap="flat" cmpd="sng" algn="ctr">
-                      <a:solidFill>
-                        <a:scrgbClr r="0" g="0" b="0"/>
-                      </a:solidFill>
-                      <a:prstDash val="solid"/>
-                      <a:round/>
-                      <a:headEnd type="none" w="med" len="med"/>
-                      <a:tailEnd type="none" w="med" len="med"/>
-                    </a:lnR>
-                    <a:lnT w="12700" cap="flat" cmpd="sng" algn="ctr">
-                      <a:noFill/>
-                      <a:prstDash val="solid"/>
-                      <a:round/>
-                      <a:headEnd type="none" w="med" len="med"/>
-                      <a:tailEnd type="none" w="med" len="med"/>
-                    </a:lnT>
-                    <a:lnB w="12700" cap="flat" cmpd="sng" algn="ctr">
-                      <a:solidFill>
-                        <a:scrgbClr r="0" g="0" b="0"/>
-                      </a:solidFill>
-                      <a:prstDash val="solid"/>
-                      <a:round/>
-                      <a:headEnd type="none" w="med" len="med"/>
-                      <a:tailEnd type="none" w="med" len="med"/>
-                    </a:lnB>
-                    <a:lnTlToBr w="12700" cmpd="sng">
-                      <a:noFill/>
-                      <a:prstDash val="solid"/>
-                    </a:lnTlToBr>
-                    <a:lnBlToTr w="12700" cmpd="sng">
-                      <a:noFill/>
-                      <a:prstDash val="solid"/>
-                    </a:lnBlToTr>
-                  </a:tcPr>
-                </a:tc>
-              </a:tr>
-            </a:tbl>
-          </a:graphicData>
-        </a:graphic>
-      </p:graphicFrame>
-      <p:sp>
-        <p:nvSpPr>
-          <p:cNvPr id="3" name="Marcador de número de diapositiva 2"/>
-          <p:cNvSpPr>
-            <a:spLocks noGrp="1"/>
-          </p:cNvSpPr>
-          <p:nvPr>
-            <p:ph type="sldNum" sz="quarter" idx="12"/>
-          </p:nvPr>
-        </p:nvSpPr>
-        <p:spPr/>
-        <p:txBody>
-          <a:bodyPr/>
-          <a:lstStyle/>
-          <a:p>
-            <a:fld id="{A249DEA1-6037-6F4F-9960-0DB26FCF73E9}" type="slidenum">
-              <a:rPr lang="es-ES" smtClean="0"/>
-              <a:t>2</a:t>
-            </a:fld>
-            <a:endParaRPr lang="es-ES"/>
-          </a:p>
-        </p:txBody>
-      </p:sp>
-      <p:sp>
-        <p:nvSpPr>
-          <p:cNvPr id="6" name="Título 1"/>
-          <p:cNvSpPr>
-            <a:spLocks noGrp="1"/>
-          </p:cNvSpPr>
-          <p:nvPr>
-            <p:ph type="title"/>
-          </p:nvPr>
-        </p:nvSpPr>
-        <p:spPr>
-          <a:xfrm>
-            <a:off x="0" y="0"/>
-            <a:ext cx="9144000" cy="857250"/>
-          </a:xfrm>
-        </p:spPr>
-        <p:txBody>
-          <a:bodyPr anchor="t">
-            <a:normAutofit/>
-          </a:bodyPr>
-          <a:lstStyle/>
-          <a:p>
-            <a:pPr algn="l">
-              <a:tabLst>
-                <a:tab pos="3762375" algn="l"/>
-              </a:tabLst>
-            </a:pPr>
-            <a:r>
-              <a:rPr lang="es-ES" sz="2400" dirty="0" err="1" smtClean="0">
-                <a:solidFill>
-                  <a:srgbClr val="1DAB3B"/>
-                </a:solidFill>
-              </a:rPr>
-              <a:t>Overview</a:t>
-            </a:r>
-            <a:r>
-              <a:rPr lang="es-ES" sz="2400" dirty="0" smtClean="0">
-                <a:solidFill>
-                  <a:srgbClr val="1DAB3B"/>
-                </a:solidFill>
-              </a:rPr>
-              <a:t> of </a:t>
-            </a:r>
-            <a:r>
-              <a:rPr lang="es-ES" sz="2400" dirty="0" err="1" smtClean="0">
-                <a:solidFill>
-                  <a:srgbClr val="1DAB3B"/>
-                </a:solidFill>
-              </a:rPr>
-              <a:t>pairwise</a:t>
-            </a:r>
-            <a:r>
-              <a:rPr lang="es-ES" sz="2400" dirty="0" smtClean="0">
-                <a:solidFill>
-                  <a:srgbClr val="1DAB3B"/>
-                </a:solidFill>
-              </a:rPr>
-              <a:t> </a:t>
-            </a:r>
-            <a:r>
-              <a:rPr lang="es-ES" sz="2400" dirty="0" err="1" smtClean="0">
-                <a:solidFill>
-                  <a:srgbClr val="1DAB3B"/>
-                </a:solidFill>
-              </a:rPr>
-              <a:t>structure</a:t>
-            </a:r>
-            <a:r>
-              <a:rPr lang="es-ES" sz="2400" dirty="0" smtClean="0">
-                <a:solidFill>
-                  <a:srgbClr val="1DAB3B"/>
-                </a:solidFill>
-              </a:rPr>
-              <a:t> </a:t>
-            </a:r>
-            <a:r>
-              <a:rPr lang="es-ES" sz="2400" dirty="0" err="1" smtClean="0">
-                <a:solidFill>
-                  <a:srgbClr val="1DAB3B"/>
-                </a:solidFill>
-              </a:rPr>
-              <a:t>superimposition</a:t>
-            </a:r>
-            <a:r>
-              <a:rPr lang="es-ES" sz="2400" dirty="0" smtClean="0">
-                <a:solidFill>
-                  <a:srgbClr val="1DAB3B"/>
-                </a:solidFill>
-              </a:rPr>
-              <a:t> </a:t>
-            </a:r>
-            <a:r>
-              <a:rPr lang="es-ES" sz="2400" dirty="0" err="1" smtClean="0">
-                <a:solidFill>
-                  <a:srgbClr val="1DAB3B"/>
-                </a:solidFill>
-              </a:rPr>
-              <a:t>tools</a:t>
-            </a:r>
-            <a:endParaRPr lang="en-US" sz="2400" dirty="0">
-              <a:solidFill>
-                <a:srgbClr val="1DAB3B"/>
-              </a:solidFill>
-              <a:latin typeface="Arial"/>
-              <a:cs typeface="Arial"/>
-            </a:endParaRPr>
-          </a:p>
-        </p:txBody>
-      </p:sp>
-    </p:spTree>
-    <p:extLst>
-      <p:ext uri="{BB962C8B-B14F-4D97-AF65-F5344CB8AC3E}">
-        <p14:creationId xmlns:p14="http://schemas.microsoft.com/office/powerpoint/2010/main" val="1216802213"/>
-      </p:ext>
-    </p:extLst>
-  </p:cSld>
-  <p:clrMapOvr>
-    <a:masterClrMapping/>
-  </p:clrMapOvr>
-  <p:timing>
-    <p:tnLst>
-      <p:par>
-        <p:cTn xmlns:p14="http://schemas.microsoft.com/office/powerpoint/2010/main" id="1" dur="indefinite" restart="never" nodeType="tmRoot"/>
-      </p:par>
-    </p:tnLst>
-  </p:timing>
-</p:sld>
-</file>
-
-<file path=ppt/slides/slide3.xml><?xml version="1.0" encoding="utf-8"?>
 <p:sld xmlns:a="http://schemas.openxmlformats.org/drawingml/2006/main" xmlns:r="http://schemas.openxmlformats.org/officeDocument/2006/relationships" xmlns:p="http://schemas.openxmlformats.org/presentationml/2006/main">
   <p:cSld>
     <p:spTree>
@@ -17130,7 +16070,7 @@
 </p:sld>
 </file>
 
-<file path=ppt/slides/slide4.xml><?xml version="1.0" encoding="utf-8"?>
+<file path=ppt/slides/slide3.xml><?xml version="1.0" encoding="utf-8"?>
 <p:sld xmlns:a="http://schemas.openxmlformats.org/drawingml/2006/main" xmlns:r="http://schemas.openxmlformats.org/officeDocument/2006/relationships" xmlns:p="http://schemas.openxmlformats.org/presentationml/2006/main">
   <p:cSld>
     <p:spTree>
@@ -17885,7 +16825,7 @@
 </p:sld>
 </file>
 
-<file path=ppt/slides/slide5.xml><?xml version="1.0" encoding="utf-8"?>
+<file path=ppt/slides/slide4.xml><?xml version="1.0" encoding="utf-8"?>
 <p:sld xmlns:a="http://schemas.openxmlformats.org/drawingml/2006/main" xmlns:r="http://schemas.openxmlformats.org/officeDocument/2006/relationships" xmlns:p="http://schemas.openxmlformats.org/presentationml/2006/main">
   <p:cSld>
     <p:spTree>
@@ -18826,7 +17766,7 @@
 </p:sld>
 </file>
 
-<file path=ppt/slides/slide6.xml><?xml version="1.0" encoding="utf-8"?>
+<file path=ppt/slides/slide5.xml><?xml version="1.0" encoding="utf-8"?>
 <p:sld xmlns:a="http://schemas.openxmlformats.org/drawingml/2006/main" xmlns:r="http://schemas.openxmlformats.org/officeDocument/2006/relationships" xmlns:p="http://schemas.openxmlformats.org/presentationml/2006/main">
   <p:cSld>
     <p:spTree>
@@ -19551,7 +18491,7 @@
 </p:sld>
 </file>
 
-<file path=ppt/slides/slide7.xml><?xml version="1.0" encoding="utf-8"?>
+<file path=ppt/slides/slide6.xml><?xml version="1.0" encoding="utf-8"?>
 <p:sld xmlns:a="http://schemas.openxmlformats.org/drawingml/2006/main" xmlns:r="http://schemas.openxmlformats.org/officeDocument/2006/relationships" xmlns:p="http://schemas.openxmlformats.org/presentationml/2006/main">
   <p:cSld>
     <p:spTree>
@@ -21148,7 +20088,7 @@
 </p:sld>
 </file>
 
-<file path=ppt/slides/slide8.xml><?xml version="1.0" encoding="utf-8"?>
+<file path=ppt/slides/slide7.xml><?xml version="1.0" encoding="utf-8"?>
 <p:sld xmlns:a="http://schemas.openxmlformats.org/drawingml/2006/main" xmlns:r="http://schemas.openxmlformats.org/officeDocument/2006/relationships" xmlns:p="http://schemas.openxmlformats.org/presentationml/2006/main">
   <p:cSld>
     <p:spTree>
@@ -21493,7 +20433,7 @@
 </p:sld>
 </file>
 
-<file path=ppt/slides/slide9.xml><?xml version="1.0" encoding="utf-8"?>
+<file path=ppt/slides/slide8.xml><?xml version="1.0" encoding="utf-8"?>
 <p:sld xmlns:a="http://schemas.openxmlformats.org/drawingml/2006/main" xmlns:r="http://schemas.openxmlformats.org/officeDocument/2006/relationships" xmlns:p="http://schemas.openxmlformats.org/presentationml/2006/main">
   <p:cSld>
     <p:spTree>
@@ -21658,15 +20598,18 @@
         </p:nvGrpSpPr>
         <p:grpSpPr>
           <a:xfrm>
-            <a:off x="3340100" y="1107313"/>
+            <a:off x="1384300" y="904113"/>
             <a:ext cx="2463800" cy="3288177"/>
             <a:chOff x="5562600" y="904113"/>
             <a:chExt cx="2463800" cy="3288177"/>
           </a:xfrm>
+          <a:solidFill>
+            <a:schemeClr val="bg1"/>
+          </a:solidFill>
         </p:grpSpPr>
         <p:sp>
           <p:nvSpPr>
-            <p:cNvPr id="13" name="Flecha en U 12"/>
+            <p:cNvPr id="18" name="Flecha en U 17"/>
             <p:cNvSpPr/>
             <p:nvPr/>
           </p:nvSpPr>
@@ -21684,9 +20627,7 @@
                 <a:gd name="adj5" fmla="val 75000"/>
               </a:avLst>
             </a:prstGeom>
-            <a:solidFill>
-              <a:srgbClr val="FFFFFF"/>
-            </a:solidFill>
+            <a:grpFill/>
             <a:ln>
               <a:solidFill>
                 <a:srgbClr val="000000"/>
@@ -21722,7 +20663,7 @@
         </p:sp>
         <p:sp>
           <p:nvSpPr>
-            <p:cNvPr id="12" name="Flecha en U 11"/>
+            <p:cNvPr id="19" name="Flecha en U 18"/>
             <p:cNvSpPr/>
             <p:nvPr/>
           </p:nvSpPr>
@@ -21740,9 +20681,7 @@
                 <a:gd name="adj5" fmla="val 75000"/>
               </a:avLst>
             </a:prstGeom>
-            <a:solidFill>
-              <a:srgbClr val="FFFFFF"/>
-            </a:solidFill>
+            <a:grpFill/>
             <a:ln>
               <a:solidFill>
                 <a:srgbClr val="000000"/>
@@ -21778,7 +20717,7 @@
         </p:sp>
         <p:sp>
           <p:nvSpPr>
-            <p:cNvPr id="11" name="Flecha en U 10"/>
+            <p:cNvPr id="20" name="Flecha en U 19"/>
             <p:cNvSpPr/>
             <p:nvPr/>
           </p:nvSpPr>
@@ -21796,9 +20735,7 @@
                 <a:gd name="adj5" fmla="val 75000"/>
               </a:avLst>
             </a:prstGeom>
-            <a:solidFill>
-              <a:srgbClr val="FFFFFF"/>
-            </a:solidFill>
+            <a:grpFill/>
             <a:ln>
               <a:solidFill>
                 <a:srgbClr val="000000"/>
@@ -21834,7 +20771,7 @@
         </p:sp>
         <p:sp>
           <p:nvSpPr>
-            <p:cNvPr id="5" name="Rectángulo redondeado 4"/>
+            <p:cNvPr id="21" name="Rectángulo redondeado 20"/>
             <p:cNvSpPr/>
             <p:nvPr/>
           </p:nvSpPr>
@@ -21846,9 +20783,7 @@
             <a:prstGeom prst="roundRect">
               <a:avLst/>
             </a:prstGeom>
-            <a:solidFill>
-              <a:srgbClr val="FFFFFF"/>
-            </a:solidFill>
+            <a:grpFill/>
             <a:ln w="12700" cmpd="sng">
               <a:solidFill>
                 <a:schemeClr val="tx1"/>
@@ -21880,7 +20815,7 @@
         </p:sp>
         <p:sp>
           <p:nvSpPr>
-            <p:cNvPr id="7" name="Rectángulo redondeado 6"/>
+            <p:cNvPr id="22" name="Rectángulo redondeado 21"/>
             <p:cNvSpPr/>
             <p:nvPr/>
           </p:nvSpPr>
@@ -21892,9 +20827,51 @@
             <a:prstGeom prst="roundRect">
               <a:avLst/>
             </a:prstGeom>
-            <a:solidFill>
-              <a:srgbClr val="FFFFFF"/>
-            </a:solidFill>
+            <a:grpFill/>
+            <a:ln w="12700" cmpd="sng">
+              <a:solidFill>
+                <a:srgbClr val="000000"/>
+              </a:solidFill>
+            </a:ln>
+          </p:spPr>
+          <p:style>
+            <a:lnRef idx="1">
+              <a:schemeClr val="accent1"/>
+            </a:lnRef>
+            <a:fillRef idx="3">
+              <a:schemeClr val="accent1"/>
+            </a:fillRef>
+            <a:effectRef idx="2">
+              <a:schemeClr val="accent1"/>
+            </a:effectRef>
+            <a:fontRef idx="minor">
+              <a:schemeClr val="lt1"/>
+            </a:fontRef>
+          </p:style>
+          <p:txBody>
+            <a:bodyPr rtlCol="0" anchor="ctr"/>
+            <a:lstStyle/>
+            <a:p>
+              <a:pPr algn="ctr"/>
+              <a:endParaRPr lang="es-ES"/>
+            </a:p>
+          </p:txBody>
+        </p:sp>
+        <p:sp>
+          <p:nvSpPr>
+            <p:cNvPr id="23" name="Rectángulo redondeado 22"/>
+            <p:cNvSpPr/>
+            <p:nvPr/>
+          </p:nvSpPr>
+          <p:spPr>
+            <a:xfrm>
+              <a:off x="6273800" y="1625600"/>
+              <a:ext cx="457200" cy="1890713"/>
+            </a:xfrm>
+            <a:prstGeom prst="roundRect">
+              <a:avLst/>
+            </a:prstGeom>
+            <a:grpFill/>
             <a:ln w="12700" cmpd="sng">
               <a:solidFill>
                 <a:schemeClr val="tx1"/>
@@ -21926,21 +20903,19 @@
         </p:sp>
         <p:sp>
           <p:nvSpPr>
-            <p:cNvPr id="8" name="Rectángulo redondeado 7"/>
+            <p:cNvPr id="24" name="Rectángulo redondeado 23"/>
             <p:cNvSpPr/>
             <p:nvPr/>
           </p:nvSpPr>
           <p:spPr>
             <a:xfrm>
-              <a:off x="6273800" y="1625600"/>
+              <a:off x="6883400" y="1625600"/>
               <a:ext cx="457200" cy="1890713"/>
             </a:xfrm>
             <a:prstGeom prst="roundRect">
               <a:avLst/>
             </a:prstGeom>
-            <a:solidFill>
-              <a:srgbClr val="FFFFFF"/>
-            </a:solidFill>
+            <a:grpFill/>
             <a:ln w="12700" cmpd="sng">
               <a:solidFill>
                 <a:schemeClr val="tx1"/>
@@ -21972,26 +20947,733 @@
         </p:sp>
         <p:sp>
           <p:nvSpPr>
-            <p:cNvPr id="9" name="Rectángulo redondeado 8"/>
+            <p:cNvPr id="25" name="CuadroTexto 24"/>
+            <p:cNvSpPr txBox="1"/>
+            <p:nvPr/>
+          </p:nvSpPr>
+          <p:spPr>
+            <a:xfrm>
+              <a:off x="6306705" y="1732320"/>
+              <a:ext cx="404091" cy="335756"/>
+            </a:xfrm>
+            <a:prstGeom prst="rect">
+              <a:avLst/>
+            </a:prstGeom>
+            <a:grpFill/>
+          </p:spPr>
+          <p:txBody>
+            <a:bodyPr wrap="square" rtlCol="0">
+              <a:spAutoFit/>
+            </a:bodyPr>
+            <a:lstStyle/>
+            <a:p>
+              <a:pPr algn="ctr"/>
+              <a:r>
+                <a:rPr lang="es-ES" dirty="0" smtClean="0"/>
+                <a:t>N</a:t>
+              </a:r>
+              <a:endParaRPr lang="es-ES" dirty="0"/>
+            </a:p>
+          </p:txBody>
+        </p:sp>
+        <p:sp>
+          <p:nvSpPr>
+            <p:cNvPr id="26" name="CuadroTexto 25"/>
+            <p:cNvSpPr txBox="1"/>
+            <p:nvPr/>
+          </p:nvSpPr>
+          <p:spPr>
+            <a:xfrm>
+              <a:off x="7620473" y="1371600"/>
+              <a:ext cx="367355" cy="369332"/>
+            </a:xfrm>
+            <a:prstGeom prst="rect">
+              <a:avLst/>
+            </a:prstGeom>
+            <a:grpFill/>
+          </p:spPr>
+          <p:txBody>
+            <a:bodyPr wrap="square" rtlCol="0">
+              <a:spAutoFit/>
+            </a:bodyPr>
+            <a:lstStyle/>
+            <a:p>
+              <a:pPr algn="ctr"/>
+              <a:r>
+                <a:rPr lang="es-ES" dirty="0"/>
+                <a:t>C</a:t>
+              </a:r>
+            </a:p>
+          </p:txBody>
+        </p:sp>
+      </p:grpSp>
+      <p:sp>
+        <p:nvSpPr>
+          <p:cNvPr id="28" name="Flecha en U 27"/>
+          <p:cNvSpPr/>
+          <p:nvPr/>
+        </p:nvSpPr>
+        <p:spPr>
+          <a:xfrm rot="10800000" flipH="1">
+            <a:off x="6367463" y="2934823"/>
+            <a:ext cx="973138" cy="877824"/>
+          </a:xfrm>
+          <a:prstGeom prst="uturnArrow">
+            <a:avLst>
+              <a:gd name="adj1" fmla="val 10532"/>
+              <a:gd name="adj2" fmla="val 25000"/>
+              <a:gd name="adj3" fmla="val 23553"/>
+              <a:gd name="adj4" fmla="val 50000"/>
+              <a:gd name="adj5" fmla="val 75000"/>
+            </a:avLst>
+          </a:prstGeom>
+          <a:solidFill>
+            <a:srgbClr val="FFFFFF"/>
+          </a:solidFill>
+          <a:ln>
+            <a:solidFill>
+              <a:srgbClr val="000000"/>
+            </a:solidFill>
+          </a:ln>
+        </p:spPr>
+        <p:style>
+          <a:lnRef idx="1">
+            <a:schemeClr val="accent1"/>
+          </a:lnRef>
+          <a:fillRef idx="3">
+            <a:schemeClr val="accent1"/>
+          </a:fillRef>
+          <a:effectRef idx="2">
+            <a:schemeClr val="accent1"/>
+          </a:effectRef>
+          <a:fontRef idx="minor">
+            <a:schemeClr val="lt1"/>
+          </a:fontRef>
+        </p:style>
+        <p:txBody>
+          <a:bodyPr rtlCol="0" anchor="ctr"/>
+          <a:lstStyle/>
+          <a:p>
+            <a:pPr algn="ctr"/>
+            <a:endParaRPr lang="es-ES">
+              <a:solidFill>
+                <a:schemeClr val="tx1"/>
+              </a:solidFill>
+            </a:endParaRPr>
+          </a:p>
+        </p:txBody>
+      </p:sp>
+      <p:sp>
+        <p:nvSpPr>
+          <p:cNvPr id="29" name="Flecha en U 28"/>
+          <p:cNvSpPr/>
+          <p:nvPr/>
+        </p:nvSpPr>
+        <p:spPr>
+          <a:xfrm rot="10800000" flipH="1">
+            <a:off x="5727700" y="3314466"/>
+            <a:ext cx="2298700" cy="877824"/>
+          </a:xfrm>
+          <a:prstGeom prst="uturnArrow">
+            <a:avLst>
+              <a:gd name="adj1" fmla="val 10532"/>
+              <a:gd name="adj2" fmla="val 25000"/>
+              <a:gd name="adj3" fmla="val 23553"/>
+              <a:gd name="adj4" fmla="val 50000"/>
+              <a:gd name="adj5" fmla="val 75000"/>
+            </a:avLst>
+          </a:prstGeom>
+          <a:solidFill>
+            <a:srgbClr val="FFFFFF"/>
+          </a:solidFill>
+          <a:ln>
+            <a:solidFill>
+              <a:srgbClr val="000000"/>
+            </a:solidFill>
+          </a:ln>
+        </p:spPr>
+        <p:style>
+          <a:lnRef idx="1">
+            <a:schemeClr val="accent1"/>
+          </a:lnRef>
+          <a:fillRef idx="3">
+            <a:schemeClr val="accent1"/>
+          </a:fillRef>
+          <a:effectRef idx="2">
+            <a:schemeClr val="accent1"/>
+          </a:effectRef>
+          <a:fontRef idx="minor">
+            <a:schemeClr val="lt1"/>
+          </a:fontRef>
+        </p:style>
+        <p:txBody>
+          <a:bodyPr rtlCol="0" anchor="ctr"/>
+          <a:lstStyle/>
+          <a:p>
+            <a:pPr algn="ctr"/>
+            <a:endParaRPr lang="es-ES">
+              <a:solidFill>
+                <a:schemeClr val="tx1"/>
+              </a:solidFill>
+            </a:endParaRPr>
+          </a:p>
+        </p:txBody>
+      </p:sp>
+      <p:sp>
+        <p:nvSpPr>
+          <p:cNvPr id="30" name="Flecha en U 29"/>
+          <p:cNvSpPr/>
+          <p:nvPr/>
+        </p:nvSpPr>
+        <p:spPr>
+          <a:xfrm flipH="1">
+            <a:off x="5575300" y="904113"/>
+            <a:ext cx="1584325" cy="877824"/>
+          </a:xfrm>
+          <a:prstGeom prst="uturnArrow">
+            <a:avLst>
+              <a:gd name="adj1" fmla="val 10532"/>
+              <a:gd name="adj2" fmla="val 25000"/>
+              <a:gd name="adj3" fmla="val 23553"/>
+              <a:gd name="adj4" fmla="val 50000"/>
+              <a:gd name="adj5" fmla="val 75000"/>
+            </a:avLst>
+          </a:prstGeom>
+          <a:solidFill>
+            <a:srgbClr val="FFFFFF"/>
+          </a:solidFill>
+          <a:ln>
+            <a:solidFill>
+              <a:srgbClr val="000000"/>
+            </a:solidFill>
+          </a:ln>
+        </p:spPr>
+        <p:style>
+          <a:lnRef idx="1">
+            <a:schemeClr val="accent1"/>
+          </a:lnRef>
+          <a:fillRef idx="3">
+            <a:schemeClr val="accent1"/>
+          </a:fillRef>
+          <a:effectRef idx="2">
+            <a:schemeClr val="accent1"/>
+          </a:effectRef>
+          <a:fontRef idx="minor">
+            <a:schemeClr val="lt1"/>
+          </a:fontRef>
+        </p:style>
+        <p:txBody>
+          <a:bodyPr rtlCol="0" anchor="ctr"/>
+          <a:lstStyle/>
+          <a:p>
+            <a:pPr algn="ctr"/>
+            <a:endParaRPr lang="es-ES">
+              <a:solidFill>
+                <a:schemeClr val="tx1"/>
+              </a:solidFill>
+            </a:endParaRPr>
+          </a:p>
+        </p:txBody>
+      </p:sp>
+      <p:sp>
+        <p:nvSpPr>
+          <p:cNvPr id="31" name="Rectángulo redondeado 30"/>
+          <p:cNvSpPr/>
+          <p:nvPr/>
+        </p:nvSpPr>
+        <p:spPr>
+          <a:xfrm>
+            <a:off x="5562600" y="1320800"/>
+            <a:ext cx="457200" cy="2474913"/>
+          </a:xfrm>
+          <a:prstGeom prst="roundRect">
+            <a:avLst/>
+          </a:prstGeom>
+          <a:solidFill>
+            <a:srgbClr val="FFFFFF"/>
+          </a:solidFill>
+          <a:ln w="12700" cmpd="sng">
+            <a:solidFill>
+              <a:schemeClr val="tx1"/>
+            </a:solidFill>
+          </a:ln>
+        </p:spPr>
+        <p:style>
+          <a:lnRef idx="1">
+            <a:schemeClr val="accent1"/>
+          </a:lnRef>
+          <a:fillRef idx="3">
+            <a:schemeClr val="accent1"/>
+          </a:fillRef>
+          <a:effectRef idx="2">
+            <a:schemeClr val="accent1"/>
+          </a:effectRef>
+          <a:fontRef idx="minor">
+            <a:schemeClr val="lt1"/>
+          </a:fontRef>
+        </p:style>
+        <p:txBody>
+          <a:bodyPr rtlCol="0" anchor="ctr"/>
+          <a:lstStyle/>
+          <a:p>
+            <a:pPr algn="ctr"/>
+            <a:endParaRPr lang="es-ES"/>
+          </a:p>
+        </p:txBody>
+      </p:sp>
+      <p:sp>
+        <p:nvSpPr>
+          <p:cNvPr id="32" name="Rectángulo redondeado 31"/>
+          <p:cNvSpPr/>
+          <p:nvPr/>
+        </p:nvSpPr>
+        <p:spPr>
+          <a:xfrm>
+            <a:off x="7569200" y="1320800"/>
+            <a:ext cx="457200" cy="2474913"/>
+          </a:xfrm>
+          <a:prstGeom prst="roundRect">
+            <a:avLst/>
+          </a:prstGeom>
+          <a:solidFill>
+            <a:srgbClr val="FFFFFF"/>
+          </a:solidFill>
+          <a:ln w="12700" cmpd="sng">
+            <a:solidFill>
+              <a:schemeClr val="tx1"/>
+            </a:solidFill>
+          </a:ln>
+        </p:spPr>
+        <p:style>
+          <a:lnRef idx="1">
+            <a:schemeClr val="accent1"/>
+          </a:lnRef>
+          <a:fillRef idx="3">
+            <a:schemeClr val="accent1"/>
+          </a:fillRef>
+          <a:effectRef idx="2">
+            <a:schemeClr val="accent1"/>
+          </a:effectRef>
+          <a:fontRef idx="minor">
+            <a:schemeClr val="lt1"/>
+          </a:fontRef>
+        </p:style>
+        <p:txBody>
+          <a:bodyPr rtlCol="0" anchor="ctr"/>
+          <a:lstStyle/>
+          <a:p>
+            <a:pPr algn="ctr"/>
+            <a:endParaRPr lang="es-ES"/>
+          </a:p>
+        </p:txBody>
+      </p:sp>
+      <p:sp>
+        <p:nvSpPr>
+          <p:cNvPr id="33" name="Rectángulo redondeado 32"/>
+          <p:cNvSpPr/>
+          <p:nvPr/>
+        </p:nvSpPr>
+        <p:spPr>
+          <a:xfrm>
+            <a:off x="6273800" y="1625600"/>
+            <a:ext cx="457200" cy="1890713"/>
+          </a:xfrm>
+          <a:prstGeom prst="roundRect">
+            <a:avLst/>
+          </a:prstGeom>
+          <a:solidFill>
+            <a:srgbClr val="FFFFFF"/>
+          </a:solidFill>
+          <a:ln w="12700" cmpd="sng">
+            <a:solidFill>
+              <a:schemeClr val="tx1"/>
+            </a:solidFill>
+          </a:ln>
+        </p:spPr>
+        <p:style>
+          <a:lnRef idx="1">
+            <a:schemeClr val="accent1"/>
+          </a:lnRef>
+          <a:fillRef idx="3">
+            <a:schemeClr val="accent1"/>
+          </a:fillRef>
+          <a:effectRef idx="2">
+            <a:schemeClr val="accent1"/>
+          </a:effectRef>
+          <a:fontRef idx="minor">
+            <a:schemeClr val="lt1"/>
+          </a:fontRef>
+        </p:style>
+        <p:txBody>
+          <a:bodyPr rtlCol="0" anchor="ctr"/>
+          <a:lstStyle/>
+          <a:p>
+            <a:pPr algn="ctr"/>
+            <a:endParaRPr lang="es-ES"/>
+          </a:p>
+        </p:txBody>
+      </p:sp>
+      <p:sp>
+        <p:nvSpPr>
+          <p:cNvPr id="34" name="Rectángulo redondeado 33"/>
+          <p:cNvSpPr/>
+          <p:nvPr/>
+        </p:nvSpPr>
+        <p:spPr>
+          <a:xfrm>
+            <a:off x="6883400" y="1625600"/>
+            <a:ext cx="457200" cy="1890713"/>
+          </a:xfrm>
+          <a:prstGeom prst="roundRect">
+            <a:avLst/>
+          </a:prstGeom>
+          <a:solidFill>
+            <a:srgbClr val="FFFFFF"/>
+          </a:solidFill>
+          <a:ln w="12700" cmpd="sng">
+            <a:solidFill>
+              <a:schemeClr val="tx1"/>
+            </a:solidFill>
+          </a:ln>
+        </p:spPr>
+        <p:style>
+          <a:lnRef idx="1">
+            <a:schemeClr val="accent1"/>
+          </a:lnRef>
+          <a:fillRef idx="3">
+            <a:schemeClr val="accent1"/>
+          </a:fillRef>
+          <a:effectRef idx="2">
+            <a:schemeClr val="accent1"/>
+          </a:effectRef>
+          <a:fontRef idx="minor">
+            <a:schemeClr val="lt1"/>
+          </a:fontRef>
+        </p:style>
+        <p:txBody>
+          <a:bodyPr rtlCol="0" anchor="ctr"/>
+          <a:lstStyle/>
+          <a:p>
+            <a:pPr algn="ctr"/>
+            <a:endParaRPr lang="es-ES"/>
+          </a:p>
+        </p:txBody>
+      </p:sp>
+      <p:sp>
+        <p:nvSpPr>
+          <p:cNvPr id="35" name="CuadroTexto 34"/>
+          <p:cNvSpPr txBox="1"/>
+          <p:nvPr/>
+        </p:nvSpPr>
+        <p:spPr>
+          <a:xfrm>
+            <a:off x="6286500" y="1690132"/>
+            <a:ext cx="444500" cy="369332"/>
+          </a:xfrm>
+          <a:prstGeom prst="rect">
+            <a:avLst/>
+          </a:prstGeom>
+          <a:noFill/>
+        </p:spPr>
+        <p:txBody>
+          <a:bodyPr wrap="square" rtlCol="0">
+            <a:spAutoFit/>
+          </a:bodyPr>
+          <a:lstStyle/>
+          <a:p>
+            <a:pPr algn="ctr"/>
+            <a:r>
+              <a:rPr lang="es-ES" dirty="0" smtClean="0"/>
+              <a:t>N</a:t>
+            </a:r>
+            <a:endParaRPr lang="es-ES" dirty="0"/>
+          </a:p>
+        </p:txBody>
+      </p:sp>
+      <p:sp>
+        <p:nvSpPr>
+          <p:cNvPr id="36" name="CuadroTexto 35"/>
+          <p:cNvSpPr txBox="1"/>
+          <p:nvPr/>
+        </p:nvSpPr>
+        <p:spPr>
+          <a:xfrm>
+            <a:off x="7581900" y="1320800"/>
+            <a:ext cx="444500" cy="369332"/>
+          </a:xfrm>
+          <a:prstGeom prst="rect">
+            <a:avLst/>
+          </a:prstGeom>
+          <a:noFill/>
+        </p:spPr>
+        <p:txBody>
+          <a:bodyPr wrap="square" rtlCol="0">
+            <a:spAutoFit/>
+          </a:bodyPr>
+          <a:lstStyle/>
+          <a:p>
+            <a:pPr algn="ctr"/>
+            <a:r>
+              <a:rPr lang="es-ES" dirty="0"/>
+              <a:t>C</a:t>
+            </a:r>
+          </a:p>
+        </p:txBody>
+      </p:sp>
+    </p:spTree>
+    <p:extLst>
+      <p:ext uri="{BB962C8B-B14F-4D97-AF65-F5344CB8AC3E}">
+        <p14:creationId xmlns:p14="http://schemas.microsoft.com/office/powerpoint/2010/main" val="3357835670"/>
+      </p:ext>
+    </p:extLst>
+  </p:cSld>
+  <p:clrMapOvr>
+    <a:masterClrMapping/>
+  </p:clrMapOvr>
+  <p:timing>
+    <p:tnLst>
+      <p:par>
+        <p:cTn xmlns:p14="http://schemas.microsoft.com/office/powerpoint/2010/main" id="1" dur="indefinite" restart="never" nodeType="tmRoot"/>
+      </p:par>
+    </p:tnLst>
+  </p:timing>
+</p:sld>
+</file>
+
+<file path=ppt/slides/slide9.xml><?xml version="1.0" encoding="utf-8"?>
+<p:sld xmlns:a="http://schemas.openxmlformats.org/drawingml/2006/main" xmlns:r="http://schemas.openxmlformats.org/officeDocument/2006/relationships" xmlns:p="http://schemas.openxmlformats.org/presentationml/2006/main">
+  <p:cSld>
+    <p:spTree>
+      <p:nvGrpSpPr>
+        <p:cNvPr id="1" name=""/>
+        <p:cNvGrpSpPr/>
+        <p:nvPr/>
+      </p:nvGrpSpPr>
+      <p:grpSpPr>
+        <a:xfrm>
+          <a:off x="0" y="0"/>
+          <a:ext cx="0" cy="0"/>
+          <a:chOff x="0" y="0"/>
+          <a:chExt cx="0" cy="0"/>
+        </a:xfrm>
+      </p:grpSpPr>
+      <p:grpSp>
+        <p:nvGrpSpPr>
+          <p:cNvPr id="40" name="Agrupar 39"/>
+          <p:cNvGrpSpPr/>
+          <p:nvPr/>
+        </p:nvGrpSpPr>
+        <p:grpSpPr>
+          <a:xfrm rot="10800000">
+            <a:off x="4781550" y="1475388"/>
+            <a:ext cx="3905250" cy="1585852"/>
+            <a:chOff x="4800600" y="2680794"/>
+            <a:chExt cx="3905250" cy="1585852"/>
+          </a:xfrm>
+        </p:grpSpPr>
+        <p:cxnSp>
+          <p:nvCxnSpPr>
+            <p:cNvPr id="17" name="Conector recto 16"/>
+            <p:cNvCxnSpPr/>
+            <p:nvPr/>
+          </p:nvCxnSpPr>
+          <p:spPr>
+            <a:xfrm>
+              <a:off x="4995863" y="2903044"/>
+              <a:ext cx="1176337" cy="457200"/>
+            </a:xfrm>
+            <a:prstGeom prst="line">
+              <a:avLst/>
+            </a:prstGeom>
+            <a:ln w="12700" cmpd="sng">
+              <a:solidFill>
+                <a:srgbClr val="262626"/>
+              </a:solidFill>
+            </a:ln>
+            <a:effectLst/>
+          </p:spPr>
+          <p:style>
+            <a:lnRef idx="2">
+              <a:schemeClr val="accent1"/>
+            </a:lnRef>
+            <a:fillRef idx="0">
+              <a:schemeClr val="accent1"/>
+            </a:fillRef>
+            <a:effectRef idx="1">
+              <a:schemeClr val="accent1"/>
+            </a:effectRef>
+            <a:fontRef idx="minor">
+              <a:schemeClr val="tx1"/>
+            </a:fontRef>
+          </p:style>
+        </p:cxnSp>
+        <p:cxnSp>
+          <p:nvCxnSpPr>
+            <p:cNvPr id="19" name="Conector recto 18"/>
+            <p:cNvCxnSpPr/>
+            <p:nvPr/>
+          </p:nvCxnSpPr>
+          <p:spPr>
+            <a:xfrm flipV="1">
+              <a:off x="5046663" y="2825750"/>
+              <a:ext cx="1176337" cy="653496"/>
+            </a:xfrm>
+            <a:prstGeom prst="line">
+              <a:avLst/>
+            </a:prstGeom>
+            <a:ln w="12700" cmpd="sng">
+              <a:solidFill>
+                <a:srgbClr val="262626"/>
+              </a:solidFill>
+            </a:ln>
+            <a:effectLst/>
+          </p:spPr>
+          <p:style>
+            <a:lnRef idx="2">
+              <a:schemeClr val="accent1"/>
+            </a:lnRef>
+            <a:fillRef idx="0">
+              <a:schemeClr val="accent1"/>
+            </a:fillRef>
+            <a:effectRef idx="1">
+              <a:schemeClr val="accent1"/>
+            </a:effectRef>
+            <a:fontRef idx="minor">
+              <a:schemeClr val="tx1"/>
+            </a:fontRef>
+          </p:style>
+        </p:cxnSp>
+        <p:cxnSp>
+          <p:nvCxnSpPr>
+            <p:cNvPr id="21" name="Conector recto 20"/>
+            <p:cNvCxnSpPr/>
+            <p:nvPr/>
+          </p:nvCxnSpPr>
+          <p:spPr>
+            <a:xfrm flipV="1">
+              <a:off x="7327900" y="3181350"/>
+              <a:ext cx="1123950" cy="938692"/>
+            </a:xfrm>
+            <a:prstGeom prst="line">
+              <a:avLst/>
+            </a:prstGeom>
+            <a:ln w="12700" cmpd="sng">
+              <a:solidFill>
+                <a:srgbClr val="262626"/>
+              </a:solidFill>
+            </a:ln>
+            <a:effectLst/>
+          </p:spPr>
+          <p:style>
+            <a:lnRef idx="2">
+              <a:schemeClr val="accent1"/>
+            </a:lnRef>
+            <a:fillRef idx="0">
+              <a:schemeClr val="accent1"/>
+            </a:fillRef>
+            <a:effectRef idx="1">
+              <a:schemeClr val="accent1"/>
+            </a:effectRef>
+            <a:fontRef idx="minor">
+              <a:schemeClr val="tx1"/>
+            </a:fontRef>
+          </p:style>
+        </p:cxnSp>
+        <p:cxnSp>
+          <p:nvCxnSpPr>
+            <p:cNvPr id="23" name="Conector recto 22"/>
+            <p:cNvCxnSpPr/>
+            <p:nvPr/>
+          </p:nvCxnSpPr>
+          <p:spPr>
+            <a:xfrm>
+              <a:off x="6203950" y="2838450"/>
+              <a:ext cx="949325" cy="1009650"/>
+            </a:xfrm>
+            <a:prstGeom prst="line">
+              <a:avLst/>
+            </a:prstGeom>
+            <a:ln w="12700" cmpd="sng">
+              <a:solidFill>
+                <a:srgbClr val="262626"/>
+              </a:solidFill>
+            </a:ln>
+            <a:effectLst/>
+          </p:spPr>
+          <p:style>
+            <a:lnRef idx="2">
+              <a:schemeClr val="accent1"/>
+            </a:lnRef>
+            <a:fillRef idx="0">
+              <a:schemeClr val="accent1"/>
+            </a:fillRef>
+            <a:effectRef idx="1">
+              <a:schemeClr val="accent1"/>
+            </a:effectRef>
+            <a:fontRef idx="minor">
+              <a:schemeClr val="tx1"/>
+            </a:fontRef>
+          </p:style>
+        </p:cxnSp>
+        <p:cxnSp>
+          <p:nvCxnSpPr>
+            <p:cNvPr id="25" name="Conector recto 24"/>
+            <p:cNvCxnSpPr/>
+            <p:nvPr/>
+          </p:nvCxnSpPr>
+          <p:spPr>
+            <a:xfrm flipV="1">
+              <a:off x="7153275" y="3416300"/>
+              <a:ext cx="1393825" cy="469900"/>
+            </a:xfrm>
+            <a:prstGeom prst="line">
+              <a:avLst/>
+            </a:prstGeom>
+            <a:ln w="12700" cmpd="sng">
+              <a:solidFill>
+                <a:srgbClr val="262626"/>
+              </a:solidFill>
+            </a:ln>
+            <a:effectLst/>
+          </p:spPr>
+          <p:style>
+            <a:lnRef idx="2">
+              <a:schemeClr val="accent1"/>
+            </a:lnRef>
+            <a:fillRef idx="0">
+              <a:schemeClr val="accent1"/>
+            </a:fillRef>
+            <a:effectRef idx="1">
+              <a:schemeClr val="accent1"/>
+            </a:effectRef>
+            <a:fontRef idx="minor">
+              <a:schemeClr val="tx1"/>
+            </a:fontRef>
+          </p:style>
+        </p:cxnSp>
+        <p:sp>
+          <p:nvSpPr>
+            <p:cNvPr id="29" name="Elipse 28"/>
             <p:cNvSpPr/>
             <p:nvPr/>
           </p:nvSpPr>
           <p:spPr>
             <a:xfrm>
-              <a:off x="6883400" y="1625600"/>
-              <a:ext cx="457200" cy="1890713"/>
+              <a:off x="4800600" y="2736850"/>
+              <a:ext cx="361950" cy="330200"/>
             </a:xfrm>
-            <a:prstGeom prst="roundRect">
+            <a:prstGeom prst="ellipse">
               <a:avLst/>
             </a:prstGeom>
             <a:solidFill>
-              <a:srgbClr val="FFFFFF"/>
+              <a:srgbClr val="2556FF"/>
             </a:solidFill>
-            <a:ln w="12700" cmpd="sng">
+            <a:ln>
               <a:solidFill>
                 <a:schemeClr val="tx1"/>
               </a:solidFill>
             </a:ln>
+            <a:effectLst/>
           </p:spPr>
           <p:style>
             <a:lnRef idx="1">
@@ -22012,76 +21694,1053 @@
             <a:lstStyle/>
             <a:p>
               <a:pPr algn="ctr"/>
-              <a:endParaRPr lang="es-ES"/>
+              <a:endParaRPr lang="es-ES" b="1"/>
             </a:p>
           </p:txBody>
         </p:sp>
         <p:sp>
           <p:nvSpPr>
-            <p:cNvPr id="15" name="CuadroTexto 14"/>
-            <p:cNvSpPr txBox="1"/>
+            <p:cNvPr id="31" name="Elipse 30"/>
+            <p:cNvSpPr/>
             <p:nvPr/>
           </p:nvSpPr>
           <p:spPr>
             <a:xfrm>
-              <a:off x="6286500" y="1690132"/>
-              <a:ext cx="444500" cy="369332"/>
+              <a:off x="6972300" y="3708400"/>
+              <a:ext cx="361950" cy="330200"/>
             </a:xfrm>
-            <a:prstGeom prst="rect">
+            <a:prstGeom prst="ellipse">
               <a:avLst/>
             </a:prstGeom>
-            <a:noFill/>
+            <a:solidFill>
+              <a:srgbClr val="2556FF"/>
+            </a:solidFill>
+            <a:ln>
+              <a:solidFill>
+                <a:srgbClr val="000000"/>
+              </a:solidFill>
+            </a:ln>
+            <a:effectLst/>
           </p:spPr>
+          <p:style>
+            <a:lnRef idx="1">
+              <a:schemeClr val="accent1"/>
+            </a:lnRef>
+            <a:fillRef idx="3">
+              <a:schemeClr val="accent1"/>
+            </a:fillRef>
+            <a:effectRef idx="2">
+              <a:schemeClr val="accent1"/>
+            </a:effectRef>
+            <a:fontRef idx="minor">
+              <a:schemeClr val="lt1"/>
+            </a:fontRef>
+          </p:style>
           <p:txBody>
-            <a:bodyPr wrap="square" rtlCol="0">
-              <a:spAutoFit/>
-            </a:bodyPr>
+            <a:bodyPr rtlCol="0" anchor="ctr"/>
             <a:lstStyle/>
             <a:p>
               <a:pPr algn="ctr"/>
-              <a:r>
-                <a:rPr lang="es-ES" dirty="0" smtClean="0"/>
-                <a:t>N</a:t>
-              </a:r>
-              <a:endParaRPr lang="es-ES" dirty="0"/>
+              <a:endParaRPr lang="es-ES" b="1"/>
             </a:p>
           </p:txBody>
         </p:sp>
         <p:sp>
           <p:nvSpPr>
-            <p:cNvPr id="16" name="CuadroTexto 15"/>
-            <p:cNvSpPr txBox="1"/>
+            <p:cNvPr id="32" name="Elipse 31"/>
+            <p:cNvSpPr/>
             <p:nvPr/>
           </p:nvSpPr>
           <p:spPr>
             <a:xfrm>
-              <a:off x="7581900" y="1320800"/>
-              <a:ext cx="444500" cy="369332"/>
+              <a:off x="8343900" y="3257550"/>
+              <a:ext cx="361950" cy="330200"/>
             </a:xfrm>
-            <a:prstGeom prst="rect">
+            <a:prstGeom prst="ellipse">
               <a:avLst/>
             </a:prstGeom>
-            <a:noFill/>
+            <a:solidFill>
+              <a:srgbClr val="2556FF"/>
+            </a:solidFill>
+            <a:ln>
+              <a:solidFill>
+                <a:srgbClr val="000000"/>
+              </a:solidFill>
+            </a:ln>
+            <a:effectLst/>
           </p:spPr>
+          <p:style>
+            <a:lnRef idx="1">
+              <a:schemeClr val="accent1"/>
+            </a:lnRef>
+            <a:fillRef idx="3">
+              <a:schemeClr val="accent1"/>
+            </a:fillRef>
+            <a:effectRef idx="2">
+              <a:schemeClr val="accent1"/>
+            </a:effectRef>
+            <a:fontRef idx="minor">
+              <a:schemeClr val="lt1"/>
+            </a:fontRef>
+          </p:style>
           <p:txBody>
-            <a:bodyPr wrap="square" rtlCol="0">
-              <a:spAutoFit/>
-            </a:bodyPr>
+            <a:bodyPr rtlCol="0" anchor="ctr"/>
             <a:lstStyle/>
             <a:p>
               <a:pPr algn="ctr"/>
-              <a:r>
-                <a:rPr lang="es-ES" dirty="0"/>
-                <a:t>C</a:t>
-              </a:r>
+              <a:endParaRPr lang="es-ES" b="1"/>
+            </a:p>
+          </p:txBody>
+        </p:sp>
+        <p:sp>
+          <p:nvSpPr>
+            <p:cNvPr id="33" name="Elipse 32"/>
+            <p:cNvSpPr/>
+            <p:nvPr/>
+          </p:nvSpPr>
+          <p:spPr>
+            <a:xfrm>
+              <a:off x="4864100" y="3308350"/>
+              <a:ext cx="361950" cy="330200"/>
+            </a:xfrm>
+            <a:prstGeom prst="ellipse">
+              <a:avLst/>
+            </a:prstGeom>
+            <a:solidFill>
+              <a:srgbClr val="008000"/>
+            </a:solidFill>
+            <a:ln>
+              <a:solidFill>
+                <a:srgbClr val="000000"/>
+              </a:solidFill>
+            </a:ln>
+            <a:effectLst/>
+          </p:spPr>
+          <p:style>
+            <a:lnRef idx="1">
+              <a:schemeClr val="accent1"/>
+            </a:lnRef>
+            <a:fillRef idx="3">
+              <a:schemeClr val="accent1"/>
+            </a:fillRef>
+            <a:effectRef idx="2">
+              <a:schemeClr val="accent1"/>
+            </a:effectRef>
+            <a:fontRef idx="minor">
+              <a:schemeClr val="lt1"/>
+            </a:fontRef>
+          </p:style>
+          <p:txBody>
+            <a:bodyPr rtlCol="0" anchor="ctr"/>
+            <a:lstStyle/>
+            <a:p>
+              <a:pPr algn="ctr"/>
+              <a:endParaRPr lang="es-ES" b="1"/>
+            </a:p>
+          </p:txBody>
+        </p:sp>
+        <p:sp>
+          <p:nvSpPr>
+            <p:cNvPr id="34" name="Elipse 33"/>
+            <p:cNvSpPr/>
+            <p:nvPr/>
+          </p:nvSpPr>
+          <p:spPr>
+            <a:xfrm>
+              <a:off x="6007100" y="2680794"/>
+              <a:ext cx="361950" cy="330200"/>
+            </a:xfrm>
+            <a:prstGeom prst="ellipse">
+              <a:avLst/>
+            </a:prstGeom>
+            <a:solidFill>
+              <a:srgbClr val="008000"/>
+            </a:solidFill>
+            <a:ln>
+              <a:solidFill>
+                <a:srgbClr val="000000"/>
+              </a:solidFill>
+            </a:ln>
+            <a:effectLst/>
+          </p:spPr>
+          <p:style>
+            <a:lnRef idx="1">
+              <a:schemeClr val="accent1"/>
+            </a:lnRef>
+            <a:fillRef idx="3">
+              <a:schemeClr val="accent1"/>
+            </a:fillRef>
+            <a:effectRef idx="2">
+              <a:schemeClr val="accent1"/>
+            </a:effectRef>
+            <a:fontRef idx="minor">
+              <a:schemeClr val="lt1"/>
+            </a:fontRef>
+          </p:style>
+          <p:txBody>
+            <a:bodyPr rtlCol="0" anchor="ctr"/>
+            <a:lstStyle/>
+            <a:p>
+              <a:pPr algn="ctr"/>
+              <a:endParaRPr lang="es-ES" b="1"/>
+            </a:p>
+          </p:txBody>
+        </p:sp>
+        <p:sp>
+          <p:nvSpPr>
+            <p:cNvPr id="36" name="Elipse 35"/>
+            <p:cNvSpPr/>
+            <p:nvPr/>
+          </p:nvSpPr>
+          <p:spPr>
+            <a:xfrm>
+              <a:off x="8293100" y="3017344"/>
+              <a:ext cx="361950" cy="330200"/>
+            </a:xfrm>
+            <a:prstGeom prst="ellipse">
+              <a:avLst/>
+            </a:prstGeom>
+            <a:solidFill>
+              <a:srgbClr val="008000"/>
+            </a:solidFill>
+            <a:ln>
+              <a:solidFill>
+                <a:srgbClr val="000000"/>
+              </a:solidFill>
+            </a:ln>
+            <a:effectLst/>
+          </p:spPr>
+          <p:style>
+            <a:lnRef idx="1">
+              <a:schemeClr val="accent1"/>
+            </a:lnRef>
+            <a:fillRef idx="3">
+              <a:schemeClr val="accent1"/>
+            </a:fillRef>
+            <a:effectRef idx="2">
+              <a:schemeClr val="accent1"/>
+            </a:effectRef>
+            <a:fontRef idx="minor">
+              <a:schemeClr val="lt1"/>
+            </a:fontRef>
+          </p:style>
+          <p:txBody>
+            <a:bodyPr rtlCol="0" anchor="ctr"/>
+            <a:lstStyle/>
+            <a:p>
+              <a:pPr algn="ctr"/>
+              <a:endParaRPr lang="es-ES" b="1"/>
+            </a:p>
+          </p:txBody>
+        </p:sp>
+        <p:cxnSp>
+          <p:nvCxnSpPr>
+            <p:cNvPr id="37" name="Conector recto 36"/>
+            <p:cNvCxnSpPr/>
+            <p:nvPr/>
+          </p:nvCxnSpPr>
+          <p:spPr>
+            <a:xfrm>
+              <a:off x="6203950" y="3372390"/>
+              <a:ext cx="1123950" cy="666210"/>
+            </a:xfrm>
+            <a:prstGeom prst="line">
+              <a:avLst/>
+            </a:prstGeom>
+            <a:ln w="12700" cmpd="sng">
+              <a:solidFill>
+                <a:srgbClr val="262626"/>
+              </a:solidFill>
+            </a:ln>
+            <a:effectLst/>
+          </p:spPr>
+          <p:style>
+            <a:lnRef idx="2">
+              <a:schemeClr val="accent1"/>
+            </a:lnRef>
+            <a:fillRef idx="0">
+              <a:schemeClr val="accent1"/>
+            </a:fillRef>
+            <a:effectRef idx="1">
+              <a:schemeClr val="accent1"/>
+            </a:effectRef>
+            <a:fontRef idx="minor">
+              <a:schemeClr val="tx1"/>
+            </a:fontRef>
+          </p:style>
+        </p:cxnSp>
+        <p:sp>
+          <p:nvSpPr>
+            <p:cNvPr id="38" name="Elipse 37"/>
+            <p:cNvSpPr/>
+            <p:nvPr/>
+          </p:nvSpPr>
+          <p:spPr>
+            <a:xfrm>
+              <a:off x="6007100" y="3194050"/>
+              <a:ext cx="361950" cy="330200"/>
+            </a:xfrm>
+            <a:prstGeom prst="ellipse">
+              <a:avLst/>
+            </a:prstGeom>
+            <a:solidFill>
+              <a:srgbClr val="2556FF"/>
+            </a:solidFill>
+            <a:ln>
+              <a:solidFill>
+                <a:srgbClr val="000000"/>
+              </a:solidFill>
+            </a:ln>
+            <a:effectLst/>
+          </p:spPr>
+          <p:style>
+            <a:lnRef idx="1">
+              <a:schemeClr val="accent1"/>
+            </a:lnRef>
+            <a:fillRef idx="3">
+              <a:schemeClr val="accent1"/>
+            </a:fillRef>
+            <a:effectRef idx="2">
+              <a:schemeClr val="accent1"/>
+            </a:effectRef>
+            <a:fontRef idx="minor">
+              <a:schemeClr val="lt1"/>
+            </a:fontRef>
+          </p:style>
+          <p:txBody>
+            <a:bodyPr rtlCol="0" anchor="ctr"/>
+            <a:lstStyle/>
+            <a:p>
+              <a:pPr algn="ctr"/>
+              <a:endParaRPr lang="es-ES" b="1"/>
+            </a:p>
+          </p:txBody>
+        </p:sp>
+        <p:sp>
+          <p:nvSpPr>
+            <p:cNvPr id="39" name="Elipse 38"/>
+            <p:cNvSpPr/>
+            <p:nvPr/>
+          </p:nvSpPr>
+          <p:spPr>
+            <a:xfrm>
+              <a:off x="7153275" y="3936446"/>
+              <a:ext cx="361950" cy="330200"/>
+            </a:xfrm>
+            <a:prstGeom prst="ellipse">
+              <a:avLst/>
+            </a:prstGeom>
+            <a:solidFill>
+              <a:srgbClr val="008000"/>
+            </a:solidFill>
+            <a:ln>
+              <a:solidFill>
+                <a:srgbClr val="000000"/>
+              </a:solidFill>
+            </a:ln>
+            <a:effectLst/>
+          </p:spPr>
+          <p:style>
+            <a:lnRef idx="1">
+              <a:schemeClr val="accent1"/>
+            </a:lnRef>
+            <a:fillRef idx="3">
+              <a:schemeClr val="accent1"/>
+            </a:fillRef>
+            <a:effectRef idx="2">
+              <a:schemeClr val="accent1"/>
+            </a:effectRef>
+            <a:fontRef idx="minor">
+              <a:schemeClr val="lt1"/>
+            </a:fontRef>
+          </p:style>
+          <p:txBody>
+            <a:bodyPr rtlCol="0" anchor="ctr"/>
+            <a:lstStyle/>
+            <a:p>
+              <a:pPr algn="ctr"/>
+              <a:endParaRPr lang="es-ES" b="1"/>
             </a:p>
           </p:txBody>
         </p:sp>
       </p:grpSp>
+      <p:cxnSp>
+        <p:nvCxnSpPr>
+          <p:cNvPr id="42" name="Conector recto de flecha 41"/>
+          <p:cNvCxnSpPr/>
+          <p:nvPr/>
+        </p:nvCxnSpPr>
+        <p:spPr>
+          <a:xfrm>
+            <a:off x="4940300" y="2273840"/>
+            <a:ext cx="95250" cy="286844"/>
+          </a:xfrm>
+          <a:prstGeom prst="straightConnector1">
+            <a:avLst/>
+          </a:prstGeom>
+          <a:ln w="19050" cmpd="sng">
+            <a:solidFill>
+              <a:schemeClr val="tx1"/>
+            </a:solidFill>
+            <a:prstDash val="sysDash"/>
+            <a:headEnd type="triangle"/>
+            <a:tailEnd type="triangle"/>
+          </a:ln>
+          <a:effectLst/>
+        </p:spPr>
+        <p:style>
+          <a:lnRef idx="2">
+            <a:schemeClr val="accent1"/>
+          </a:lnRef>
+          <a:fillRef idx="0">
+            <a:schemeClr val="accent1"/>
+          </a:fillRef>
+          <a:effectRef idx="1">
+            <a:schemeClr val="accent1"/>
+          </a:effectRef>
+          <a:fontRef idx="minor">
+            <a:schemeClr val="tx1"/>
+          </a:fontRef>
+        </p:style>
+      </p:cxnSp>
+      <p:cxnSp>
+        <p:nvCxnSpPr>
+          <p:cNvPr id="45" name="Conector recto de flecha 44"/>
+          <p:cNvCxnSpPr/>
+          <p:nvPr/>
+        </p:nvCxnSpPr>
+        <p:spPr>
+          <a:xfrm>
+            <a:off x="6153150" y="1607090"/>
+            <a:ext cx="228600" cy="286844"/>
+          </a:xfrm>
+          <a:prstGeom prst="straightConnector1">
+            <a:avLst/>
+          </a:prstGeom>
+          <a:ln w="19050" cmpd="sng">
+            <a:solidFill>
+              <a:schemeClr val="tx1"/>
+            </a:solidFill>
+            <a:prstDash val="sysDash"/>
+            <a:headEnd type="triangle"/>
+            <a:tailEnd type="triangle"/>
+          </a:ln>
+          <a:effectLst/>
+        </p:spPr>
+        <p:style>
+          <a:lnRef idx="2">
+            <a:schemeClr val="accent1"/>
+          </a:lnRef>
+          <a:fillRef idx="0">
+            <a:schemeClr val="accent1"/>
+          </a:fillRef>
+          <a:effectRef idx="1">
+            <a:schemeClr val="accent1"/>
+          </a:effectRef>
+          <a:fontRef idx="minor">
+            <a:schemeClr val="tx1"/>
+          </a:fontRef>
+        </p:style>
+      </p:cxnSp>
+      <p:cxnSp>
+        <p:nvCxnSpPr>
+          <p:cNvPr id="47" name="Conector recto de flecha 46"/>
+          <p:cNvCxnSpPr/>
+          <p:nvPr/>
+        </p:nvCxnSpPr>
+        <p:spPr>
+          <a:xfrm>
+            <a:off x="7283450" y="2358024"/>
+            <a:ext cx="31750" cy="558260"/>
+          </a:xfrm>
+          <a:prstGeom prst="straightConnector1">
+            <a:avLst/>
+          </a:prstGeom>
+          <a:ln w="19050" cmpd="sng">
+            <a:solidFill>
+              <a:schemeClr val="tx1"/>
+            </a:solidFill>
+            <a:prstDash val="sysDash"/>
+            <a:headEnd type="triangle"/>
+            <a:tailEnd type="triangle"/>
+          </a:ln>
+          <a:effectLst/>
+        </p:spPr>
+        <p:style>
+          <a:lnRef idx="2">
+            <a:schemeClr val="accent1"/>
+          </a:lnRef>
+          <a:fillRef idx="0">
+            <a:schemeClr val="accent1"/>
+          </a:fillRef>
+          <a:effectRef idx="1">
+            <a:schemeClr val="accent1"/>
+          </a:effectRef>
+          <a:fontRef idx="minor">
+            <a:schemeClr val="tx1"/>
+          </a:fontRef>
+        </p:style>
+      </p:cxnSp>
+      <p:cxnSp>
+        <p:nvCxnSpPr>
+          <p:cNvPr id="49" name="Conector recto de flecha 48"/>
+          <p:cNvCxnSpPr/>
+          <p:nvPr/>
+        </p:nvCxnSpPr>
+        <p:spPr>
+          <a:xfrm>
+            <a:off x="8440737" y="2262788"/>
+            <a:ext cx="69850" cy="607952"/>
+          </a:xfrm>
+          <a:prstGeom prst="straightConnector1">
+            <a:avLst/>
+          </a:prstGeom>
+          <a:ln w="19050" cmpd="sng">
+            <a:solidFill>
+              <a:schemeClr val="tx1"/>
+            </a:solidFill>
+            <a:prstDash val="sysDash"/>
+            <a:headEnd type="triangle"/>
+            <a:tailEnd type="triangle"/>
+          </a:ln>
+          <a:effectLst/>
+        </p:spPr>
+        <p:style>
+          <a:lnRef idx="2">
+            <a:schemeClr val="accent1"/>
+          </a:lnRef>
+          <a:fillRef idx="0">
+            <a:schemeClr val="accent1"/>
+          </a:fillRef>
+          <a:effectRef idx="1">
+            <a:schemeClr val="accent1"/>
+          </a:effectRef>
+          <a:fontRef idx="minor">
+            <a:schemeClr val="tx1"/>
+          </a:fontRef>
+        </p:style>
+      </p:cxnSp>
+      <p:sp>
+        <p:nvSpPr>
+          <p:cNvPr id="52" name="CuadroTexto 51"/>
+          <p:cNvSpPr txBox="1"/>
+          <p:nvPr/>
+        </p:nvSpPr>
+        <p:spPr>
+          <a:xfrm>
+            <a:off x="4437681" y="2146985"/>
+            <a:ext cx="349794" cy="307777"/>
+          </a:xfrm>
+          <a:prstGeom prst="rect">
+            <a:avLst/>
+          </a:prstGeom>
+          <a:noFill/>
+        </p:spPr>
+        <p:txBody>
+          <a:bodyPr wrap="none" rtlCol="0">
+            <a:spAutoFit/>
+          </a:bodyPr>
+          <a:lstStyle/>
+          <a:p>
+            <a:r>
+              <a:rPr lang="es-ES" sz="1400" b="1" dirty="0" smtClean="0">
+                <a:solidFill>
+                  <a:srgbClr val="2556FF"/>
+                </a:solidFill>
+                <a:latin typeface="Apple Chancery"/>
+                <a:cs typeface="Apple Chancery"/>
+              </a:rPr>
+              <a:t>v</a:t>
+            </a:r>
+            <a:r>
+              <a:rPr lang="es-ES" sz="1400" b="1" baseline="-25000" dirty="0" smtClean="0">
+                <a:solidFill>
+                  <a:srgbClr val="2556FF"/>
+                </a:solidFill>
+                <a:latin typeface="Apple Chancery"/>
+                <a:cs typeface="Apple Chancery"/>
+              </a:rPr>
+              <a:t>1</a:t>
+            </a:r>
+            <a:endParaRPr lang="es-ES" sz="1400" b="1" baseline="-25000" dirty="0">
+              <a:solidFill>
+                <a:srgbClr val="2556FF"/>
+              </a:solidFill>
+              <a:latin typeface="Apple Chancery"/>
+              <a:cs typeface="Apple Chancery"/>
+            </a:endParaRPr>
+          </a:p>
+        </p:txBody>
+      </p:sp>
+      <p:sp>
+        <p:nvSpPr>
+          <p:cNvPr id="53" name="CuadroTexto 52"/>
+          <p:cNvSpPr txBox="1"/>
+          <p:nvPr/>
+        </p:nvSpPr>
+        <p:spPr>
+          <a:xfrm>
+            <a:off x="4461665" y="2471784"/>
+            <a:ext cx="381528" cy="307777"/>
+          </a:xfrm>
+          <a:prstGeom prst="rect">
+            <a:avLst/>
+          </a:prstGeom>
+          <a:noFill/>
+        </p:spPr>
+        <p:txBody>
+          <a:bodyPr wrap="none" rtlCol="0">
+            <a:spAutoFit/>
+          </a:bodyPr>
+          <a:lstStyle/>
+          <a:p>
+            <a:r>
+              <a:rPr lang="es-ES" sz="1400" b="1" dirty="0" smtClean="0">
+                <a:solidFill>
+                  <a:srgbClr val="008000"/>
+                </a:solidFill>
+                <a:latin typeface="Apple Chancery"/>
+                <a:cs typeface="Apple Chancery"/>
+              </a:rPr>
+              <a:t>w</a:t>
+            </a:r>
+            <a:r>
+              <a:rPr lang="es-ES" sz="1400" b="1" baseline="-25000" dirty="0" smtClean="0">
+                <a:solidFill>
+                  <a:srgbClr val="008000"/>
+                </a:solidFill>
+                <a:latin typeface="Apple Chancery"/>
+                <a:cs typeface="Apple Chancery"/>
+              </a:rPr>
+              <a:t>1</a:t>
+            </a:r>
+            <a:endParaRPr lang="es-ES" sz="1400" b="1" baseline="-25000" dirty="0">
+              <a:solidFill>
+                <a:srgbClr val="008000"/>
+              </a:solidFill>
+              <a:latin typeface="Apple Chancery"/>
+              <a:cs typeface="Apple Chancery"/>
+            </a:endParaRPr>
+          </a:p>
+        </p:txBody>
+      </p:sp>
+      <p:pic>
+        <p:nvPicPr>
+          <p:cNvPr id="4" name="Imagen 3"/>
+          <p:cNvPicPr>
+            <a:picLocks noChangeAspect="1"/>
+          </p:cNvPicPr>
+          <p:nvPr/>
+        </p:nvPicPr>
+        <p:blipFill>
+          <a:blip r:embed="rId2"/>
+          <a:stretch>
+            <a:fillRect/>
+          </a:stretch>
+        </p:blipFill>
+        <p:spPr>
+          <a:xfrm>
+            <a:off x="152105" y="2903584"/>
+            <a:ext cx="5305185" cy="1183170"/>
+          </a:xfrm>
+          <a:prstGeom prst="rect">
+            <a:avLst/>
+          </a:prstGeom>
+        </p:spPr>
+      </p:pic>
+      <p:sp>
+        <p:nvSpPr>
+          <p:cNvPr id="35" name="Título 1"/>
+          <p:cNvSpPr>
+            <a:spLocks noGrp="1"/>
+          </p:cNvSpPr>
+          <p:nvPr>
+            <p:ph type="title"/>
+          </p:nvPr>
+        </p:nvSpPr>
+        <p:spPr>
+          <a:xfrm>
+            <a:off x="0" y="0"/>
+            <a:ext cx="9144000" cy="857250"/>
+          </a:xfrm>
+        </p:spPr>
+        <p:txBody>
+          <a:bodyPr anchor="t">
+            <a:normAutofit/>
+          </a:bodyPr>
+          <a:lstStyle/>
+          <a:p>
+            <a:pPr algn="l">
+              <a:tabLst>
+                <a:tab pos="3762375" algn="l"/>
+              </a:tabLst>
+            </a:pPr>
+            <a:r>
+              <a:rPr lang="es-ES" sz="2400" dirty="0" err="1" smtClean="0">
+                <a:solidFill>
+                  <a:srgbClr val="1DAB3B"/>
+                </a:solidFill>
+              </a:rPr>
+              <a:t>Alignment</a:t>
+            </a:r>
+            <a:r>
+              <a:rPr lang="es-ES" sz="2400" dirty="0" smtClean="0">
+                <a:solidFill>
+                  <a:srgbClr val="1DAB3B"/>
+                </a:solidFill>
+              </a:rPr>
+              <a:t> </a:t>
+            </a:r>
+            <a:r>
+              <a:rPr lang="es-ES" sz="2400" dirty="0" err="1">
+                <a:solidFill>
+                  <a:srgbClr val="1DAB3B"/>
+                </a:solidFill>
+              </a:rPr>
+              <a:t>scoring</a:t>
+            </a:r>
+            <a:r>
+              <a:rPr lang="es-ES" sz="2400" dirty="0">
+                <a:solidFill>
+                  <a:srgbClr val="1DAB3B"/>
+                </a:solidFill>
+              </a:rPr>
+              <a:t> </a:t>
+            </a:r>
+            <a:r>
+              <a:rPr lang="es-ES" sz="2400" dirty="0" err="1">
+                <a:solidFill>
+                  <a:srgbClr val="1DAB3B"/>
+                </a:solidFill>
+              </a:rPr>
+              <a:t>functions</a:t>
+            </a:r>
+            <a:endParaRPr lang="en-US" sz="2400" dirty="0">
+              <a:solidFill>
+                <a:srgbClr val="1DAB3B"/>
+              </a:solidFill>
+              <a:latin typeface="Arial"/>
+              <a:cs typeface="Arial"/>
+            </a:endParaRPr>
+          </a:p>
+        </p:txBody>
+      </p:sp>
+      <p:sp>
+        <p:nvSpPr>
+          <p:cNvPr id="41" name="CuadroTexto 40"/>
+          <p:cNvSpPr txBox="1"/>
+          <p:nvPr/>
+        </p:nvSpPr>
+        <p:spPr>
+          <a:xfrm>
+            <a:off x="5984603" y="1916896"/>
+            <a:ext cx="365106" cy="307777"/>
+          </a:xfrm>
+          <a:prstGeom prst="rect">
+            <a:avLst/>
+          </a:prstGeom>
+          <a:noFill/>
+        </p:spPr>
+        <p:txBody>
+          <a:bodyPr wrap="none" rtlCol="0">
+            <a:spAutoFit/>
+          </a:bodyPr>
+          <a:lstStyle/>
+          <a:p>
+            <a:r>
+              <a:rPr lang="es-ES" sz="1400" b="1" dirty="0" smtClean="0">
+                <a:solidFill>
+                  <a:srgbClr val="2556FF"/>
+                </a:solidFill>
+                <a:latin typeface="Apple Chancery"/>
+                <a:cs typeface="Apple Chancery"/>
+              </a:rPr>
+              <a:t>v</a:t>
+            </a:r>
+            <a:r>
+              <a:rPr lang="es-ES" sz="1400" b="1" baseline="-25000" dirty="0">
+                <a:solidFill>
+                  <a:srgbClr val="2556FF"/>
+                </a:solidFill>
+                <a:latin typeface="Apple Chancery"/>
+                <a:cs typeface="Apple Chancery"/>
+              </a:rPr>
+              <a:t>2</a:t>
+            </a:r>
+            <a:endParaRPr lang="es-ES" sz="1400" b="1" baseline="-25000" dirty="0">
+              <a:solidFill>
+                <a:srgbClr val="2556FF"/>
+              </a:solidFill>
+              <a:latin typeface="Apple Chancery"/>
+              <a:cs typeface="Apple Chancery"/>
+            </a:endParaRPr>
+          </a:p>
+        </p:txBody>
+      </p:sp>
+      <p:sp>
+        <p:nvSpPr>
+          <p:cNvPr id="43" name="CuadroTexto 42"/>
+          <p:cNvSpPr txBox="1"/>
+          <p:nvPr/>
+        </p:nvSpPr>
+        <p:spPr>
+          <a:xfrm>
+            <a:off x="6956444" y="1949595"/>
+            <a:ext cx="353417" cy="307777"/>
+          </a:xfrm>
+          <a:prstGeom prst="rect">
+            <a:avLst/>
+          </a:prstGeom>
+          <a:noFill/>
+        </p:spPr>
+        <p:txBody>
+          <a:bodyPr wrap="none" rtlCol="0">
+            <a:spAutoFit/>
+          </a:bodyPr>
+          <a:lstStyle/>
+          <a:p>
+            <a:r>
+              <a:rPr lang="es-ES" sz="1400" b="1" dirty="0" smtClean="0">
+                <a:solidFill>
+                  <a:srgbClr val="2556FF"/>
+                </a:solidFill>
+                <a:latin typeface="Apple Chancery"/>
+                <a:cs typeface="Apple Chancery"/>
+              </a:rPr>
+              <a:t>v</a:t>
+            </a:r>
+            <a:r>
+              <a:rPr lang="es-ES" sz="1400" b="1" baseline="-25000" dirty="0" smtClean="0">
+                <a:solidFill>
+                  <a:srgbClr val="2556FF"/>
+                </a:solidFill>
+                <a:latin typeface="Apple Chancery"/>
+                <a:cs typeface="Apple Chancery"/>
+              </a:rPr>
+              <a:t>3</a:t>
+            </a:r>
+            <a:endParaRPr lang="es-ES" sz="1400" b="1" baseline="-25000" dirty="0">
+              <a:solidFill>
+                <a:srgbClr val="2556FF"/>
+              </a:solidFill>
+              <a:latin typeface="Apple Chancery"/>
+              <a:cs typeface="Apple Chancery"/>
+            </a:endParaRPr>
+          </a:p>
+        </p:txBody>
+      </p:sp>
+      <p:sp>
+        <p:nvSpPr>
+          <p:cNvPr id="44" name="CuadroTexto 43"/>
+          <p:cNvSpPr txBox="1"/>
+          <p:nvPr/>
+        </p:nvSpPr>
+        <p:spPr>
+          <a:xfrm>
+            <a:off x="8092000" y="2819940"/>
+            <a:ext cx="372236" cy="307777"/>
+          </a:xfrm>
+          <a:prstGeom prst="rect">
+            <a:avLst/>
+          </a:prstGeom>
+          <a:noFill/>
+        </p:spPr>
+        <p:txBody>
+          <a:bodyPr wrap="none" rtlCol="0">
+            <a:spAutoFit/>
+          </a:bodyPr>
+          <a:lstStyle/>
+          <a:p>
+            <a:r>
+              <a:rPr lang="es-ES" sz="1400" b="1" dirty="0" smtClean="0">
+                <a:solidFill>
+                  <a:srgbClr val="2556FF"/>
+                </a:solidFill>
+                <a:latin typeface="Apple Chancery"/>
+                <a:cs typeface="Apple Chancery"/>
+              </a:rPr>
+              <a:t>v</a:t>
+            </a:r>
+            <a:r>
+              <a:rPr lang="es-ES" sz="1400" b="1" baseline="-25000" dirty="0">
+                <a:solidFill>
+                  <a:srgbClr val="2556FF"/>
+                </a:solidFill>
+                <a:latin typeface="Apple Chancery"/>
+                <a:cs typeface="Apple Chancery"/>
+              </a:rPr>
+              <a:t>4</a:t>
+            </a:r>
+            <a:endParaRPr lang="es-ES" sz="1400" b="1" baseline="-25000" dirty="0">
+              <a:solidFill>
+                <a:srgbClr val="2556FF"/>
+              </a:solidFill>
+              <a:latin typeface="Apple Chancery"/>
+              <a:cs typeface="Apple Chancery"/>
+            </a:endParaRPr>
+          </a:p>
+        </p:txBody>
+      </p:sp>
+      <p:sp>
+        <p:nvSpPr>
+          <p:cNvPr id="46" name="CuadroTexto 45"/>
+          <p:cNvSpPr txBox="1"/>
+          <p:nvPr/>
+        </p:nvSpPr>
+        <p:spPr>
+          <a:xfrm>
+            <a:off x="5680110" y="1321498"/>
+            <a:ext cx="396840" cy="307777"/>
+          </a:xfrm>
+          <a:prstGeom prst="rect">
+            <a:avLst/>
+          </a:prstGeom>
+          <a:noFill/>
+        </p:spPr>
+        <p:txBody>
+          <a:bodyPr wrap="none" rtlCol="0">
+            <a:spAutoFit/>
+          </a:bodyPr>
+          <a:lstStyle/>
+          <a:p>
+            <a:r>
+              <a:rPr lang="es-ES" sz="1400" b="1" dirty="0" smtClean="0">
+                <a:solidFill>
+                  <a:srgbClr val="008000"/>
+                </a:solidFill>
+                <a:latin typeface="Apple Chancery"/>
+                <a:cs typeface="Apple Chancery"/>
+              </a:rPr>
+              <a:t>w</a:t>
+            </a:r>
+            <a:r>
+              <a:rPr lang="es-ES" sz="1400" b="1" baseline="-25000" dirty="0">
+                <a:solidFill>
+                  <a:srgbClr val="008000"/>
+                </a:solidFill>
+                <a:latin typeface="Apple Chancery"/>
+                <a:cs typeface="Apple Chancery"/>
+              </a:rPr>
+              <a:t>2</a:t>
+            </a:r>
+            <a:endParaRPr lang="es-ES" sz="1400" b="1" baseline="-25000" dirty="0">
+              <a:solidFill>
+                <a:srgbClr val="008000"/>
+              </a:solidFill>
+              <a:latin typeface="Apple Chancery"/>
+              <a:cs typeface="Apple Chancery"/>
+            </a:endParaRPr>
+          </a:p>
+        </p:txBody>
+      </p:sp>
+      <p:sp>
+        <p:nvSpPr>
+          <p:cNvPr id="48" name="CuadroTexto 47"/>
+          <p:cNvSpPr txBox="1"/>
+          <p:nvPr/>
+        </p:nvSpPr>
+        <p:spPr>
+          <a:xfrm>
+            <a:off x="6882872" y="2916284"/>
+            <a:ext cx="385152" cy="307777"/>
+          </a:xfrm>
+          <a:prstGeom prst="rect">
+            <a:avLst/>
+          </a:prstGeom>
+          <a:noFill/>
+        </p:spPr>
+        <p:txBody>
+          <a:bodyPr wrap="none" rtlCol="0">
+            <a:spAutoFit/>
+          </a:bodyPr>
+          <a:lstStyle/>
+          <a:p>
+            <a:r>
+              <a:rPr lang="es-ES" sz="1400" b="1" dirty="0" smtClean="0">
+                <a:solidFill>
+                  <a:srgbClr val="008000"/>
+                </a:solidFill>
+                <a:latin typeface="Apple Chancery"/>
+                <a:cs typeface="Apple Chancery"/>
+              </a:rPr>
+              <a:t>w</a:t>
+            </a:r>
+            <a:r>
+              <a:rPr lang="es-ES" sz="1400" b="1" baseline="-25000" dirty="0">
+                <a:solidFill>
+                  <a:srgbClr val="008000"/>
+                </a:solidFill>
+                <a:latin typeface="Apple Chancery"/>
+                <a:cs typeface="Apple Chancery"/>
+              </a:rPr>
+              <a:t>3</a:t>
+            </a:r>
+            <a:endParaRPr lang="es-ES" sz="1400" b="1" baseline="-25000" dirty="0">
+              <a:solidFill>
+                <a:srgbClr val="008000"/>
+              </a:solidFill>
+              <a:latin typeface="Apple Chancery"/>
+              <a:cs typeface="Apple Chancery"/>
+            </a:endParaRPr>
+          </a:p>
+        </p:txBody>
+      </p:sp>
+      <p:sp>
+        <p:nvSpPr>
+          <p:cNvPr id="50" name="CuadroTexto 49"/>
+          <p:cNvSpPr txBox="1"/>
+          <p:nvPr/>
+        </p:nvSpPr>
+        <p:spPr>
+          <a:xfrm>
+            <a:off x="7988783" y="1855833"/>
+            <a:ext cx="403970" cy="307777"/>
+          </a:xfrm>
+          <a:prstGeom prst="rect">
+            <a:avLst/>
+          </a:prstGeom>
+          <a:noFill/>
+        </p:spPr>
+        <p:txBody>
+          <a:bodyPr wrap="none" rtlCol="0">
+            <a:spAutoFit/>
+          </a:bodyPr>
+          <a:lstStyle/>
+          <a:p>
+            <a:r>
+              <a:rPr lang="es-ES" sz="1400" b="1" dirty="0" smtClean="0">
+                <a:solidFill>
+                  <a:srgbClr val="008000"/>
+                </a:solidFill>
+                <a:latin typeface="Apple Chancery"/>
+                <a:cs typeface="Apple Chancery"/>
+              </a:rPr>
+              <a:t>w</a:t>
+            </a:r>
+            <a:r>
+              <a:rPr lang="es-ES" sz="1400" b="1" baseline="-25000" dirty="0">
+                <a:solidFill>
+                  <a:srgbClr val="008000"/>
+                </a:solidFill>
+                <a:latin typeface="Apple Chancery"/>
+                <a:cs typeface="Apple Chancery"/>
+              </a:rPr>
+              <a:t>4</a:t>
+            </a:r>
+            <a:endParaRPr lang="es-ES" sz="1400" b="1" baseline="-25000" dirty="0">
+              <a:solidFill>
+                <a:srgbClr val="008000"/>
+              </a:solidFill>
+              <a:latin typeface="Apple Chancery"/>
+              <a:cs typeface="Apple Chancery"/>
+            </a:endParaRPr>
+          </a:p>
+        </p:txBody>
+      </p:sp>
     </p:spTree>
     <p:extLst>
       <p:ext uri="{BB962C8B-B14F-4D97-AF65-F5344CB8AC3E}">
-        <p14:creationId xmlns:p14="http://schemas.microsoft.com/office/powerpoint/2010/main" val="2552488447"/>
+        <p14:creationId xmlns:p14="http://schemas.microsoft.com/office/powerpoint/2010/main" val="50653697"/>
       </p:ext>
     </p:extLst>
   </p:cSld>
